--- a/huawei/4_ESC/日志记录.pptx
+++ b/huawei/4_ESC/日志记录.pptx
@@ -5,13 +5,21 @@
     <p:sldMasterId id="2147483648" r:id="rId1"/>
   </p:sldMasterIdLst>
   <p:sldIdLst>
-    <p:sldId id="256" r:id="rId3"/>
-    <p:sldId id="257" r:id="rId4"/>
+    <p:sldId id="256" r:id="rId2"/>
+    <p:sldId id="257" r:id="rId3"/>
+    <p:sldId id="258" r:id="rId4"/>
+    <p:sldId id="260" r:id="rId5"/>
+    <p:sldId id="259" r:id="rId6"/>
+    <p:sldId id="261" r:id="rId7"/>
+    <p:sldId id="262" r:id="rId8"/>
+    <p:sldId id="265" r:id="rId9"/>
+    <p:sldId id="264" r:id="rId10"/>
+    <p:sldId id="263" r:id="rId11"/>
   </p:sldIdLst>
   <p:sldSz cx="12192000" cy="6858000"/>
   <p:notesSz cx="6858000" cy="9144000"/>
   <p:custDataLst>
-    <p:tags r:id="rId8"/>
+    <p:tags r:id="rId12"/>
   </p:custDataLst>
   <p:defaultTextStyle>
     <a:defPPr>
@@ -108,6 +116,11 @@
       </a:defRPr>
     </a:lvl9pPr>
   </p:defaultTextStyle>
+  <p:extLst>
+    <p:ext uri="{EFAFB233-063F-42B5-8137-9DF3F51BA10A}">
+      <p15:sldGuideLst xmlns:p15="http://schemas.microsoft.com/office/powerpoint/2012/main"/>
+    </p:ext>
+  </p:extLst>
 </p:presentation>
 </file>
 
@@ -153,10 +166,9 @@
           </a:lstStyle>
           <a:p>
             <a:r>
-              <a:rPr lang="zh-CN" altLang="en-US" smtClean="0"/>
+              <a:rPr lang="zh-CN" altLang="en-US"/>
               <a:t>单击此处编辑母版标题样式</a:t>
             </a:r>
-            <a:endParaRPr lang="zh-CN" altLang="en-US"/>
           </a:p>
         </p:txBody>
       </p:sp>
@@ -218,10 +230,9 @@
           </a:lstStyle>
           <a:p>
             <a:r>
-              <a:rPr lang="zh-CN" altLang="en-US" smtClean="0"/>
+              <a:rPr lang="zh-CN" altLang="en-US"/>
               <a:t>单击此处编辑母版副标题样式</a:t>
             </a:r>
-            <a:endParaRPr lang="zh-CN" altLang="en-US"/>
           </a:p>
         </p:txBody>
       </p:sp>
@@ -242,6 +253,7 @@
           <a:p>
             <a:fld id="{D997B5FA-0921-464F-AAE1-844C04324D75}" type="datetimeFigureOut">
               <a:rPr lang="zh-CN" altLang="en-US" smtClean="0"/>
+              <a:t>2024/2/16</a:t>
             </a:fld>
             <a:endParaRPr lang="zh-CN" altLang="en-US"/>
           </a:p>
@@ -283,6 +295,7 @@
           <a:p>
             <a:fld id="{565CE74E-AB26-4998-AD42-012C4C1AD076}" type="slidenum">
               <a:rPr lang="zh-CN" altLang="en-US" smtClean="0"/>
+              <a:t>‹#›</a:t>
             </a:fld>
             <a:endParaRPr lang="zh-CN" altLang="en-US"/>
           </a:p>
@@ -329,10 +342,9 @@
           <a:lstStyle/>
           <a:p>
             <a:r>
-              <a:rPr lang="zh-CN" altLang="en-US" smtClean="0"/>
+              <a:rPr lang="zh-CN" altLang="en-US"/>
               <a:t>单击此处编辑母版标题样式</a:t>
             </a:r>
-            <a:endParaRPr lang="zh-CN" altLang="en-US"/>
           </a:p>
         </p:txBody>
       </p:sp>
@@ -353,42 +365,37 @@
           <a:p>
             <a:pPr lvl="0"/>
             <a:r>
-              <a:rPr lang="zh-CN" altLang="en-US" smtClean="0"/>
+              <a:rPr lang="zh-CN" altLang="en-US"/>
               <a:t>单击此处编辑母版文本样式</a:t>
             </a:r>
-            <a:endParaRPr lang="zh-CN" altLang="en-US" smtClean="0"/>
           </a:p>
           <a:p>
             <a:pPr lvl="1"/>
             <a:r>
-              <a:rPr lang="zh-CN" altLang="en-US" smtClean="0"/>
+              <a:rPr lang="zh-CN" altLang="en-US"/>
               <a:t>第二级</a:t>
             </a:r>
-            <a:endParaRPr lang="zh-CN" altLang="en-US" smtClean="0"/>
           </a:p>
           <a:p>
             <a:pPr lvl="2"/>
             <a:r>
-              <a:rPr lang="zh-CN" altLang="en-US" smtClean="0"/>
+              <a:rPr lang="zh-CN" altLang="en-US"/>
               <a:t>第三级</a:t>
             </a:r>
-            <a:endParaRPr lang="zh-CN" altLang="en-US" smtClean="0"/>
           </a:p>
           <a:p>
             <a:pPr lvl="3"/>
             <a:r>
-              <a:rPr lang="zh-CN" altLang="en-US" smtClean="0"/>
+              <a:rPr lang="zh-CN" altLang="en-US"/>
               <a:t>第四级</a:t>
             </a:r>
-            <a:endParaRPr lang="zh-CN" altLang="en-US" smtClean="0"/>
           </a:p>
           <a:p>
             <a:pPr lvl="4"/>
             <a:r>
-              <a:rPr lang="zh-CN" altLang="en-US" smtClean="0"/>
+              <a:rPr lang="zh-CN" altLang="en-US"/>
               <a:t>第五级</a:t>
             </a:r>
-            <a:endParaRPr lang="zh-CN" altLang="en-US"/>
           </a:p>
         </p:txBody>
       </p:sp>
@@ -409,6 +416,7 @@
           <a:p>
             <a:fld id="{D997B5FA-0921-464F-AAE1-844C04324D75}" type="datetimeFigureOut">
               <a:rPr lang="zh-CN" altLang="en-US" smtClean="0"/>
+              <a:t>2024/2/16</a:t>
             </a:fld>
             <a:endParaRPr lang="zh-CN" altLang="en-US"/>
           </a:p>
@@ -450,6 +458,7 @@
           <a:p>
             <a:fld id="{565CE74E-AB26-4998-AD42-012C4C1AD076}" type="slidenum">
               <a:rPr lang="zh-CN" altLang="en-US" smtClean="0"/>
+              <a:t>‹#›</a:t>
             </a:fld>
             <a:endParaRPr lang="zh-CN" altLang="en-US"/>
           </a:p>
@@ -501,10 +510,9 @@
           <a:lstStyle/>
           <a:p>
             <a:r>
-              <a:rPr lang="zh-CN" altLang="en-US" smtClean="0"/>
+              <a:rPr lang="zh-CN" altLang="en-US"/>
               <a:t>单击此处编辑母版标题样式</a:t>
             </a:r>
-            <a:endParaRPr lang="zh-CN" altLang="en-US"/>
           </a:p>
         </p:txBody>
       </p:sp>
@@ -530,42 +538,37 @@
           <a:p>
             <a:pPr lvl="0"/>
             <a:r>
-              <a:rPr lang="zh-CN" altLang="en-US" smtClean="0"/>
+              <a:rPr lang="zh-CN" altLang="en-US"/>
               <a:t>单击此处编辑母版文本样式</a:t>
             </a:r>
-            <a:endParaRPr lang="zh-CN" altLang="en-US" smtClean="0"/>
           </a:p>
           <a:p>
             <a:pPr lvl="1"/>
             <a:r>
-              <a:rPr lang="zh-CN" altLang="en-US" smtClean="0"/>
+              <a:rPr lang="zh-CN" altLang="en-US"/>
               <a:t>第二级</a:t>
             </a:r>
-            <a:endParaRPr lang="zh-CN" altLang="en-US" smtClean="0"/>
           </a:p>
           <a:p>
             <a:pPr lvl="2"/>
             <a:r>
-              <a:rPr lang="zh-CN" altLang="en-US" smtClean="0"/>
+              <a:rPr lang="zh-CN" altLang="en-US"/>
               <a:t>第三级</a:t>
             </a:r>
-            <a:endParaRPr lang="zh-CN" altLang="en-US" smtClean="0"/>
           </a:p>
           <a:p>
             <a:pPr lvl="3"/>
             <a:r>
-              <a:rPr lang="zh-CN" altLang="en-US" smtClean="0"/>
+              <a:rPr lang="zh-CN" altLang="en-US"/>
               <a:t>第四级</a:t>
             </a:r>
-            <a:endParaRPr lang="zh-CN" altLang="en-US" smtClean="0"/>
           </a:p>
           <a:p>
             <a:pPr lvl="4"/>
             <a:r>
-              <a:rPr lang="zh-CN" altLang="en-US" smtClean="0"/>
+              <a:rPr lang="zh-CN" altLang="en-US"/>
               <a:t>第五级</a:t>
             </a:r>
-            <a:endParaRPr lang="zh-CN" altLang="en-US"/>
           </a:p>
         </p:txBody>
       </p:sp>
@@ -586,6 +589,7 @@
           <a:p>
             <a:fld id="{D997B5FA-0921-464F-AAE1-844C04324D75}" type="datetimeFigureOut">
               <a:rPr lang="zh-CN" altLang="en-US" smtClean="0"/>
+              <a:t>2024/2/16</a:t>
             </a:fld>
             <a:endParaRPr lang="zh-CN" altLang="en-US"/>
           </a:p>
@@ -627,6 +631,7 @@
           <a:p>
             <a:fld id="{565CE74E-AB26-4998-AD42-012C4C1AD076}" type="slidenum">
               <a:rPr lang="zh-CN" altLang="en-US" smtClean="0"/>
+              <a:t>‹#›</a:t>
             </a:fld>
             <a:endParaRPr lang="zh-CN" altLang="en-US"/>
           </a:p>
@@ -673,10 +678,9 @@
           <a:lstStyle/>
           <a:p>
             <a:r>
-              <a:rPr lang="zh-CN" altLang="en-US" smtClean="0"/>
+              <a:rPr lang="zh-CN" altLang="en-US"/>
               <a:t>单击此处编辑母版标题样式</a:t>
             </a:r>
-            <a:endParaRPr lang="zh-CN" altLang="en-US"/>
           </a:p>
         </p:txBody>
       </p:sp>
@@ -697,42 +701,37 @@
           <a:p>
             <a:pPr lvl="0"/>
             <a:r>
-              <a:rPr lang="zh-CN" altLang="en-US" smtClean="0"/>
+              <a:rPr lang="zh-CN" altLang="en-US"/>
               <a:t>单击此处编辑母版文本样式</a:t>
             </a:r>
-            <a:endParaRPr lang="zh-CN" altLang="en-US" smtClean="0"/>
           </a:p>
           <a:p>
             <a:pPr lvl="1"/>
             <a:r>
-              <a:rPr lang="zh-CN" altLang="en-US" smtClean="0"/>
+              <a:rPr lang="zh-CN" altLang="en-US"/>
               <a:t>第二级</a:t>
             </a:r>
-            <a:endParaRPr lang="zh-CN" altLang="en-US" smtClean="0"/>
           </a:p>
           <a:p>
             <a:pPr lvl="2"/>
             <a:r>
-              <a:rPr lang="zh-CN" altLang="en-US" smtClean="0"/>
+              <a:rPr lang="zh-CN" altLang="en-US"/>
               <a:t>第三级</a:t>
             </a:r>
-            <a:endParaRPr lang="zh-CN" altLang="en-US" smtClean="0"/>
           </a:p>
           <a:p>
             <a:pPr lvl="3"/>
             <a:r>
-              <a:rPr lang="zh-CN" altLang="en-US" smtClean="0"/>
+              <a:rPr lang="zh-CN" altLang="en-US"/>
               <a:t>第四级</a:t>
             </a:r>
-            <a:endParaRPr lang="zh-CN" altLang="en-US" smtClean="0"/>
           </a:p>
           <a:p>
             <a:pPr lvl="4"/>
             <a:r>
-              <a:rPr lang="zh-CN" altLang="en-US" smtClean="0"/>
+              <a:rPr lang="zh-CN" altLang="en-US"/>
               <a:t>第五级</a:t>
             </a:r>
-            <a:endParaRPr lang="zh-CN" altLang="en-US"/>
           </a:p>
         </p:txBody>
       </p:sp>
@@ -753,6 +752,7 @@
           <a:p>
             <a:fld id="{D997B5FA-0921-464F-AAE1-844C04324D75}" type="datetimeFigureOut">
               <a:rPr lang="zh-CN" altLang="en-US" smtClean="0"/>
+              <a:t>2024/2/16</a:t>
             </a:fld>
             <a:endParaRPr lang="zh-CN" altLang="en-US"/>
           </a:p>
@@ -794,6 +794,7 @@
           <a:p>
             <a:fld id="{565CE74E-AB26-4998-AD42-012C4C1AD076}" type="slidenum">
               <a:rPr lang="zh-CN" altLang="en-US" smtClean="0"/>
+              <a:t>‹#›</a:t>
             </a:fld>
             <a:endParaRPr lang="zh-CN" altLang="en-US"/>
           </a:p>
@@ -849,10 +850,9 @@
           </a:lstStyle>
           <a:p>
             <a:r>
-              <a:rPr lang="zh-CN" altLang="en-US" smtClean="0"/>
+              <a:rPr lang="zh-CN" altLang="en-US"/>
               <a:t>单击此处编辑母版标题样式</a:t>
             </a:r>
-            <a:endParaRPr lang="zh-CN" altLang="en-US"/>
           </a:p>
         </p:txBody>
       </p:sp>
@@ -969,10 +969,9 @@
           <a:p>
             <a:pPr lvl="0"/>
             <a:r>
-              <a:rPr lang="zh-CN" altLang="en-US" smtClean="0"/>
+              <a:rPr lang="zh-CN" altLang="en-US"/>
               <a:t>单击此处编辑母版文本样式</a:t>
             </a:r>
-            <a:endParaRPr lang="zh-CN" altLang="en-US" smtClean="0"/>
           </a:p>
         </p:txBody>
       </p:sp>
@@ -993,6 +992,7 @@
           <a:p>
             <a:fld id="{D997B5FA-0921-464F-AAE1-844C04324D75}" type="datetimeFigureOut">
               <a:rPr lang="zh-CN" altLang="en-US" smtClean="0"/>
+              <a:t>2024/2/16</a:t>
             </a:fld>
             <a:endParaRPr lang="zh-CN" altLang="en-US"/>
           </a:p>
@@ -1034,6 +1034,7 @@
           <a:p>
             <a:fld id="{565CE74E-AB26-4998-AD42-012C4C1AD076}" type="slidenum">
               <a:rPr lang="zh-CN" altLang="en-US" smtClean="0"/>
+              <a:t>‹#›</a:t>
             </a:fld>
             <a:endParaRPr lang="zh-CN" altLang="en-US"/>
           </a:p>
@@ -1080,10 +1081,9 @@
           <a:lstStyle/>
           <a:p>
             <a:r>
-              <a:rPr lang="zh-CN" altLang="en-US" smtClean="0"/>
+              <a:rPr lang="zh-CN" altLang="en-US"/>
               <a:t>单击此处编辑母版标题样式</a:t>
             </a:r>
-            <a:endParaRPr lang="zh-CN" altLang="en-US"/>
           </a:p>
         </p:txBody>
       </p:sp>
@@ -1109,42 +1109,37 @@
           <a:p>
             <a:pPr lvl="0"/>
             <a:r>
-              <a:rPr lang="zh-CN" altLang="en-US" smtClean="0"/>
+              <a:rPr lang="zh-CN" altLang="en-US"/>
               <a:t>单击此处编辑母版文本样式</a:t>
             </a:r>
-            <a:endParaRPr lang="zh-CN" altLang="en-US" smtClean="0"/>
           </a:p>
           <a:p>
             <a:pPr lvl="1"/>
             <a:r>
-              <a:rPr lang="zh-CN" altLang="en-US" smtClean="0"/>
+              <a:rPr lang="zh-CN" altLang="en-US"/>
               <a:t>第二级</a:t>
             </a:r>
-            <a:endParaRPr lang="zh-CN" altLang="en-US" smtClean="0"/>
           </a:p>
           <a:p>
             <a:pPr lvl="2"/>
             <a:r>
-              <a:rPr lang="zh-CN" altLang="en-US" smtClean="0"/>
+              <a:rPr lang="zh-CN" altLang="en-US"/>
               <a:t>第三级</a:t>
             </a:r>
-            <a:endParaRPr lang="zh-CN" altLang="en-US" smtClean="0"/>
           </a:p>
           <a:p>
             <a:pPr lvl="3"/>
             <a:r>
-              <a:rPr lang="zh-CN" altLang="en-US" smtClean="0"/>
+              <a:rPr lang="zh-CN" altLang="en-US"/>
               <a:t>第四级</a:t>
             </a:r>
-            <a:endParaRPr lang="zh-CN" altLang="en-US" smtClean="0"/>
           </a:p>
           <a:p>
             <a:pPr lvl="4"/>
             <a:r>
-              <a:rPr lang="zh-CN" altLang="en-US" smtClean="0"/>
+              <a:rPr lang="zh-CN" altLang="en-US"/>
               <a:t>第五级</a:t>
             </a:r>
-            <a:endParaRPr lang="zh-CN" altLang="en-US"/>
           </a:p>
         </p:txBody>
       </p:sp>
@@ -1170,42 +1165,37 @@
           <a:p>
             <a:pPr lvl="0"/>
             <a:r>
-              <a:rPr lang="zh-CN" altLang="en-US" smtClean="0"/>
+              <a:rPr lang="zh-CN" altLang="en-US"/>
               <a:t>单击此处编辑母版文本样式</a:t>
             </a:r>
-            <a:endParaRPr lang="zh-CN" altLang="en-US" smtClean="0"/>
           </a:p>
           <a:p>
             <a:pPr lvl="1"/>
             <a:r>
-              <a:rPr lang="zh-CN" altLang="en-US" smtClean="0"/>
+              <a:rPr lang="zh-CN" altLang="en-US"/>
               <a:t>第二级</a:t>
             </a:r>
-            <a:endParaRPr lang="zh-CN" altLang="en-US" smtClean="0"/>
           </a:p>
           <a:p>
             <a:pPr lvl="2"/>
             <a:r>
-              <a:rPr lang="zh-CN" altLang="en-US" smtClean="0"/>
+              <a:rPr lang="zh-CN" altLang="en-US"/>
               <a:t>第三级</a:t>
             </a:r>
-            <a:endParaRPr lang="zh-CN" altLang="en-US" smtClean="0"/>
           </a:p>
           <a:p>
             <a:pPr lvl="3"/>
             <a:r>
-              <a:rPr lang="zh-CN" altLang="en-US" smtClean="0"/>
+              <a:rPr lang="zh-CN" altLang="en-US"/>
               <a:t>第四级</a:t>
             </a:r>
-            <a:endParaRPr lang="zh-CN" altLang="en-US" smtClean="0"/>
           </a:p>
           <a:p>
             <a:pPr lvl="4"/>
             <a:r>
-              <a:rPr lang="zh-CN" altLang="en-US" smtClean="0"/>
+              <a:rPr lang="zh-CN" altLang="en-US"/>
               <a:t>第五级</a:t>
             </a:r>
-            <a:endParaRPr lang="zh-CN" altLang="en-US"/>
           </a:p>
         </p:txBody>
       </p:sp>
@@ -1226,6 +1216,7 @@
           <a:p>
             <a:fld id="{D997B5FA-0921-464F-AAE1-844C04324D75}" type="datetimeFigureOut">
               <a:rPr lang="zh-CN" altLang="en-US" smtClean="0"/>
+              <a:t>2024/2/16</a:t>
             </a:fld>
             <a:endParaRPr lang="zh-CN" altLang="en-US"/>
           </a:p>
@@ -1267,6 +1258,7 @@
           <a:p>
             <a:fld id="{565CE74E-AB26-4998-AD42-012C4C1AD076}" type="slidenum">
               <a:rPr lang="zh-CN" altLang="en-US" smtClean="0"/>
+              <a:t>‹#›</a:t>
             </a:fld>
             <a:endParaRPr lang="zh-CN" altLang="en-US"/>
           </a:p>
@@ -1318,10 +1310,9 @@
           <a:lstStyle/>
           <a:p>
             <a:r>
-              <a:rPr lang="zh-CN" altLang="en-US" smtClean="0"/>
+              <a:rPr lang="zh-CN" altLang="en-US"/>
               <a:t>单击此处编辑母版标题样式</a:t>
             </a:r>
-            <a:endParaRPr lang="zh-CN" altLang="en-US"/>
           </a:p>
         </p:txBody>
       </p:sp>
@@ -1384,10 +1375,9 @@
           <a:p>
             <a:pPr lvl="0"/>
             <a:r>
-              <a:rPr lang="zh-CN" altLang="en-US" smtClean="0"/>
+              <a:rPr lang="zh-CN" altLang="en-US"/>
               <a:t>单击此处编辑母版文本样式</a:t>
             </a:r>
-            <a:endParaRPr lang="zh-CN" altLang="en-US" smtClean="0"/>
           </a:p>
         </p:txBody>
       </p:sp>
@@ -1413,42 +1403,37 @@
           <a:p>
             <a:pPr lvl="0"/>
             <a:r>
-              <a:rPr lang="zh-CN" altLang="en-US" smtClean="0"/>
+              <a:rPr lang="zh-CN" altLang="en-US"/>
               <a:t>单击此处编辑母版文本样式</a:t>
             </a:r>
-            <a:endParaRPr lang="zh-CN" altLang="en-US" smtClean="0"/>
           </a:p>
           <a:p>
             <a:pPr lvl="1"/>
             <a:r>
-              <a:rPr lang="zh-CN" altLang="en-US" smtClean="0"/>
+              <a:rPr lang="zh-CN" altLang="en-US"/>
               <a:t>第二级</a:t>
             </a:r>
-            <a:endParaRPr lang="zh-CN" altLang="en-US" smtClean="0"/>
           </a:p>
           <a:p>
             <a:pPr lvl="2"/>
             <a:r>
-              <a:rPr lang="zh-CN" altLang="en-US" smtClean="0"/>
+              <a:rPr lang="zh-CN" altLang="en-US"/>
               <a:t>第三级</a:t>
             </a:r>
-            <a:endParaRPr lang="zh-CN" altLang="en-US" smtClean="0"/>
           </a:p>
           <a:p>
             <a:pPr lvl="3"/>
             <a:r>
-              <a:rPr lang="zh-CN" altLang="en-US" smtClean="0"/>
+              <a:rPr lang="zh-CN" altLang="en-US"/>
               <a:t>第四级</a:t>
             </a:r>
-            <a:endParaRPr lang="zh-CN" altLang="en-US" smtClean="0"/>
           </a:p>
           <a:p>
             <a:pPr lvl="4"/>
             <a:r>
-              <a:rPr lang="zh-CN" altLang="en-US" smtClean="0"/>
+              <a:rPr lang="zh-CN" altLang="en-US"/>
               <a:t>第五级</a:t>
             </a:r>
-            <a:endParaRPr lang="zh-CN" altLang="en-US"/>
           </a:p>
         </p:txBody>
       </p:sp>
@@ -1511,10 +1496,9 @@
           <a:p>
             <a:pPr lvl="0"/>
             <a:r>
-              <a:rPr lang="zh-CN" altLang="en-US" smtClean="0"/>
+              <a:rPr lang="zh-CN" altLang="en-US"/>
               <a:t>单击此处编辑母版文本样式</a:t>
             </a:r>
-            <a:endParaRPr lang="zh-CN" altLang="en-US" smtClean="0"/>
           </a:p>
         </p:txBody>
       </p:sp>
@@ -1540,42 +1524,37 @@
           <a:p>
             <a:pPr lvl="0"/>
             <a:r>
-              <a:rPr lang="zh-CN" altLang="en-US" smtClean="0"/>
+              <a:rPr lang="zh-CN" altLang="en-US"/>
               <a:t>单击此处编辑母版文本样式</a:t>
             </a:r>
-            <a:endParaRPr lang="zh-CN" altLang="en-US" smtClean="0"/>
           </a:p>
           <a:p>
             <a:pPr lvl="1"/>
             <a:r>
-              <a:rPr lang="zh-CN" altLang="en-US" smtClean="0"/>
+              <a:rPr lang="zh-CN" altLang="en-US"/>
               <a:t>第二级</a:t>
             </a:r>
-            <a:endParaRPr lang="zh-CN" altLang="en-US" smtClean="0"/>
           </a:p>
           <a:p>
             <a:pPr lvl="2"/>
             <a:r>
-              <a:rPr lang="zh-CN" altLang="en-US" smtClean="0"/>
+              <a:rPr lang="zh-CN" altLang="en-US"/>
               <a:t>第三级</a:t>
             </a:r>
-            <a:endParaRPr lang="zh-CN" altLang="en-US" smtClean="0"/>
           </a:p>
           <a:p>
             <a:pPr lvl="3"/>
             <a:r>
-              <a:rPr lang="zh-CN" altLang="en-US" smtClean="0"/>
+              <a:rPr lang="zh-CN" altLang="en-US"/>
               <a:t>第四级</a:t>
             </a:r>
-            <a:endParaRPr lang="zh-CN" altLang="en-US" smtClean="0"/>
           </a:p>
           <a:p>
             <a:pPr lvl="4"/>
             <a:r>
-              <a:rPr lang="zh-CN" altLang="en-US" smtClean="0"/>
+              <a:rPr lang="zh-CN" altLang="en-US"/>
               <a:t>第五级</a:t>
             </a:r>
-            <a:endParaRPr lang="zh-CN" altLang="en-US"/>
           </a:p>
         </p:txBody>
       </p:sp>
@@ -1596,6 +1575,7 @@
           <a:p>
             <a:fld id="{D997B5FA-0921-464F-AAE1-844C04324D75}" type="datetimeFigureOut">
               <a:rPr lang="zh-CN" altLang="en-US" smtClean="0"/>
+              <a:t>2024/2/16</a:t>
             </a:fld>
             <a:endParaRPr lang="zh-CN" altLang="en-US"/>
           </a:p>
@@ -1637,6 +1617,7 @@
           <a:p>
             <a:fld id="{565CE74E-AB26-4998-AD42-012C4C1AD076}" type="slidenum">
               <a:rPr lang="zh-CN" altLang="en-US" smtClean="0"/>
+              <a:t>‹#›</a:t>
             </a:fld>
             <a:endParaRPr lang="zh-CN" altLang="en-US"/>
           </a:p>
@@ -1683,10 +1664,9 @@
           <a:lstStyle/>
           <a:p>
             <a:r>
-              <a:rPr lang="zh-CN" altLang="en-US" smtClean="0"/>
+              <a:rPr lang="zh-CN" altLang="en-US"/>
               <a:t>单击此处编辑母版标题样式</a:t>
             </a:r>
-            <a:endParaRPr lang="zh-CN" altLang="en-US"/>
           </a:p>
         </p:txBody>
       </p:sp>
@@ -1707,6 +1687,7 @@
           <a:p>
             <a:fld id="{D997B5FA-0921-464F-AAE1-844C04324D75}" type="datetimeFigureOut">
               <a:rPr lang="zh-CN" altLang="en-US" smtClean="0"/>
+              <a:t>2024/2/16</a:t>
             </a:fld>
             <a:endParaRPr lang="zh-CN" altLang="en-US"/>
           </a:p>
@@ -1748,6 +1729,7 @@
           <a:p>
             <a:fld id="{565CE74E-AB26-4998-AD42-012C4C1AD076}" type="slidenum">
               <a:rPr lang="zh-CN" altLang="en-US" smtClean="0"/>
+              <a:t>‹#›</a:t>
             </a:fld>
             <a:endParaRPr lang="zh-CN" altLang="en-US"/>
           </a:p>
@@ -1795,6 +1777,7 @@
           <a:p>
             <a:fld id="{D997B5FA-0921-464F-AAE1-844C04324D75}" type="datetimeFigureOut">
               <a:rPr lang="zh-CN" altLang="en-US" smtClean="0"/>
+              <a:t>2024/2/16</a:t>
             </a:fld>
             <a:endParaRPr lang="zh-CN" altLang="en-US"/>
           </a:p>
@@ -1836,6 +1819,7 @@
           <a:p>
             <a:fld id="{565CE74E-AB26-4998-AD42-012C4C1AD076}" type="slidenum">
               <a:rPr lang="zh-CN" altLang="en-US" smtClean="0"/>
+              <a:t>‹#›</a:t>
             </a:fld>
             <a:endParaRPr lang="zh-CN" altLang="en-US"/>
           </a:p>
@@ -1891,10 +1875,9 @@
           </a:lstStyle>
           <a:p>
             <a:r>
-              <a:rPr lang="zh-CN" altLang="en-US" smtClean="0"/>
+              <a:rPr lang="zh-CN" altLang="en-US"/>
               <a:t>单击此处编辑母版标题样式</a:t>
             </a:r>
-            <a:endParaRPr lang="zh-CN" altLang="en-US"/>
           </a:p>
         </p:txBody>
       </p:sp>
@@ -1948,42 +1931,37 @@
           <a:p>
             <a:pPr lvl="0"/>
             <a:r>
-              <a:rPr lang="zh-CN" altLang="en-US" smtClean="0"/>
+              <a:rPr lang="zh-CN" altLang="en-US"/>
               <a:t>单击此处编辑母版文本样式</a:t>
             </a:r>
-            <a:endParaRPr lang="zh-CN" altLang="en-US" smtClean="0"/>
           </a:p>
           <a:p>
             <a:pPr lvl="1"/>
             <a:r>
-              <a:rPr lang="zh-CN" altLang="en-US" smtClean="0"/>
+              <a:rPr lang="zh-CN" altLang="en-US"/>
               <a:t>第二级</a:t>
             </a:r>
-            <a:endParaRPr lang="zh-CN" altLang="en-US" smtClean="0"/>
           </a:p>
           <a:p>
             <a:pPr lvl="2"/>
             <a:r>
-              <a:rPr lang="zh-CN" altLang="en-US" smtClean="0"/>
+              <a:rPr lang="zh-CN" altLang="en-US"/>
               <a:t>第三级</a:t>
             </a:r>
-            <a:endParaRPr lang="zh-CN" altLang="en-US" smtClean="0"/>
           </a:p>
           <a:p>
             <a:pPr lvl="3"/>
             <a:r>
-              <a:rPr lang="zh-CN" altLang="en-US" smtClean="0"/>
+              <a:rPr lang="zh-CN" altLang="en-US"/>
               <a:t>第四级</a:t>
             </a:r>
-            <a:endParaRPr lang="zh-CN" altLang="en-US" smtClean="0"/>
           </a:p>
           <a:p>
             <a:pPr lvl="4"/>
             <a:r>
-              <a:rPr lang="zh-CN" altLang="en-US" smtClean="0"/>
+              <a:rPr lang="zh-CN" altLang="en-US"/>
               <a:t>第五级</a:t>
             </a:r>
-            <a:endParaRPr lang="zh-CN" altLang="en-US"/>
           </a:p>
         </p:txBody>
       </p:sp>
@@ -2046,10 +2024,9 @@
           <a:p>
             <a:pPr lvl="0"/>
             <a:r>
-              <a:rPr lang="zh-CN" altLang="en-US" smtClean="0"/>
+              <a:rPr lang="zh-CN" altLang="en-US"/>
               <a:t>单击此处编辑母版文本样式</a:t>
             </a:r>
-            <a:endParaRPr lang="zh-CN" altLang="en-US" smtClean="0"/>
           </a:p>
         </p:txBody>
       </p:sp>
@@ -2070,6 +2047,7 @@
           <a:p>
             <a:fld id="{D997B5FA-0921-464F-AAE1-844C04324D75}" type="datetimeFigureOut">
               <a:rPr lang="zh-CN" altLang="en-US" smtClean="0"/>
+              <a:t>2024/2/16</a:t>
             </a:fld>
             <a:endParaRPr lang="zh-CN" altLang="en-US"/>
           </a:p>
@@ -2111,6 +2089,7 @@
           <a:p>
             <a:fld id="{565CE74E-AB26-4998-AD42-012C4C1AD076}" type="slidenum">
               <a:rPr lang="zh-CN" altLang="en-US" smtClean="0"/>
+              <a:t>‹#›</a:t>
             </a:fld>
             <a:endParaRPr lang="zh-CN" altLang="en-US"/>
           </a:p>
@@ -2166,10 +2145,9 @@
           </a:lstStyle>
           <a:p>
             <a:r>
-              <a:rPr lang="zh-CN" altLang="en-US" smtClean="0"/>
+              <a:rPr lang="zh-CN" altLang="en-US"/>
               <a:t>单击此处编辑母版标题样式</a:t>
             </a:r>
-            <a:endParaRPr lang="zh-CN" altLang="en-US"/>
           </a:p>
         </p:txBody>
       </p:sp>
@@ -2293,10 +2271,9 @@
           <a:p>
             <a:pPr lvl="0"/>
             <a:r>
-              <a:rPr lang="zh-CN" altLang="en-US" smtClean="0"/>
+              <a:rPr lang="zh-CN" altLang="en-US"/>
               <a:t>单击此处编辑母版文本样式</a:t>
             </a:r>
-            <a:endParaRPr lang="zh-CN" altLang="en-US" smtClean="0"/>
           </a:p>
         </p:txBody>
       </p:sp>
@@ -2317,6 +2294,7 @@
           <a:p>
             <a:fld id="{D997B5FA-0921-464F-AAE1-844C04324D75}" type="datetimeFigureOut">
               <a:rPr lang="zh-CN" altLang="en-US" smtClean="0"/>
+              <a:t>2024/2/16</a:t>
             </a:fld>
             <a:endParaRPr lang="zh-CN" altLang="en-US"/>
           </a:p>
@@ -2358,6 +2336,7 @@
           <a:p>
             <a:fld id="{565CE74E-AB26-4998-AD42-012C4C1AD076}" type="slidenum">
               <a:rPr lang="zh-CN" altLang="en-US" smtClean="0"/>
+              <a:t>‹#›</a:t>
             </a:fld>
             <a:endParaRPr lang="zh-CN" altLang="en-US"/>
           </a:p>
@@ -2419,10 +2398,9 @@
           <a:lstStyle/>
           <a:p>
             <a:r>
-              <a:rPr lang="zh-CN" altLang="en-US" smtClean="0"/>
+              <a:rPr lang="zh-CN" altLang="en-US"/>
               <a:t>单击此处编辑母版标题样式</a:t>
             </a:r>
-            <a:endParaRPr lang="zh-CN" altLang="en-US"/>
           </a:p>
         </p:txBody>
       </p:sp>
@@ -2453,42 +2431,37 @@
           <a:p>
             <a:pPr lvl="0"/>
             <a:r>
-              <a:rPr lang="zh-CN" altLang="en-US" smtClean="0"/>
+              <a:rPr lang="zh-CN" altLang="en-US"/>
               <a:t>单击此处编辑母版文本样式</a:t>
             </a:r>
-            <a:endParaRPr lang="zh-CN" altLang="en-US" smtClean="0"/>
           </a:p>
           <a:p>
             <a:pPr lvl="1"/>
             <a:r>
-              <a:rPr lang="zh-CN" altLang="en-US" smtClean="0"/>
+              <a:rPr lang="zh-CN" altLang="en-US"/>
               <a:t>第二级</a:t>
             </a:r>
-            <a:endParaRPr lang="zh-CN" altLang="en-US" smtClean="0"/>
           </a:p>
           <a:p>
             <a:pPr lvl="2"/>
             <a:r>
-              <a:rPr lang="zh-CN" altLang="en-US" smtClean="0"/>
+              <a:rPr lang="zh-CN" altLang="en-US"/>
               <a:t>第三级</a:t>
             </a:r>
-            <a:endParaRPr lang="zh-CN" altLang="en-US" smtClean="0"/>
           </a:p>
           <a:p>
             <a:pPr lvl="3"/>
             <a:r>
-              <a:rPr lang="zh-CN" altLang="en-US" smtClean="0"/>
+              <a:rPr lang="zh-CN" altLang="en-US"/>
               <a:t>第四级</a:t>
             </a:r>
-            <a:endParaRPr lang="zh-CN" altLang="en-US" smtClean="0"/>
           </a:p>
           <a:p>
             <a:pPr lvl="4"/>
             <a:r>
-              <a:rPr lang="zh-CN" altLang="en-US" smtClean="0"/>
+              <a:rPr lang="zh-CN" altLang="en-US"/>
               <a:t>第五级</a:t>
             </a:r>
-            <a:endParaRPr lang="zh-CN" altLang="en-US"/>
           </a:p>
         </p:txBody>
       </p:sp>
@@ -2527,6 +2500,7 @@
           <a:p>
             <a:fld id="{D997B5FA-0921-464F-AAE1-844C04324D75}" type="datetimeFigureOut">
               <a:rPr lang="zh-CN" altLang="en-US" smtClean="0"/>
+              <a:t>2024/2/16</a:t>
             </a:fld>
             <a:endParaRPr lang="zh-CN" altLang="en-US"/>
           </a:p>
@@ -2604,6 +2578,7 @@
           <a:p>
             <a:fld id="{565CE74E-AB26-4998-AD42-012C4C1AD076}" type="slidenum">
               <a:rPr lang="zh-CN" altLang="en-US" smtClean="0"/>
+              <a:t>‹#›</a:t>
             </a:fld>
             <a:endParaRPr lang="zh-CN" altLang="en-US"/>
           </a:p>
@@ -2917,7 +2892,14 @@
         <p:cNvGrpSpPr/>
         <p:nvPr/>
       </p:nvGrpSpPr>
-      <p:grpSpPr/>
+      <p:grpSpPr>
+        <a:xfrm>
+          <a:off x="0" y="0"/>
+          <a:ext cx="0" cy="0"/>
+          <a:chOff x="0" y="0"/>
+          <a:chExt cx="0" cy="0"/>
+        </a:xfrm>
+      </p:grpSpPr>
       <p:sp>
         <p:nvSpPr>
           <p:cNvPr id="2" name="标题 1"/>
@@ -2931,12 +2913,12 @@
         <p:spPr/>
         <p:txBody>
           <a:bodyPr/>
+          <a:lstStyle/>
           <a:p>
             <a:r>
               <a:rPr lang="zh-CN" altLang="en-US"/>
               <a:t>解题思路</a:t>
             </a:r>
-            <a:endParaRPr lang="zh-CN" altLang="en-US"/>
           </a:p>
         </p:txBody>
       </p:sp>
@@ -2953,16 +2935,288 @@
         <p:spPr/>
         <p:txBody>
           <a:bodyPr/>
+          <a:lstStyle/>
           <a:p>
             <a:r>
               <a:rPr lang="en-US" altLang="zh-CN"/>
               <a:t>24_02_12_Demo</a:t>
             </a:r>
-            <a:endParaRPr lang="en-US" altLang="zh-CN"/>
           </a:p>
         </p:txBody>
       </p:sp>
     </p:spTree>
+  </p:cSld>
+  <p:clrMapOvr>
+    <a:masterClrMapping/>
+  </p:clrMapOvr>
+</p:sld>
+</file>
+
+<file path=ppt/slides/slide10.xml><?xml version="1.0" encoding="utf-8"?>
+<p:sld xmlns:a="http://schemas.openxmlformats.org/drawingml/2006/main" xmlns:r="http://schemas.openxmlformats.org/officeDocument/2006/relationships" xmlns:p="http://schemas.openxmlformats.org/presentationml/2006/main">
+  <p:cSld>
+    <p:spTree>
+      <p:nvGrpSpPr>
+        <p:cNvPr id="1" name=""/>
+        <p:cNvGrpSpPr/>
+        <p:nvPr/>
+      </p:nvGrpSpPr>
+      <p:grpSpPr>
+        <a:xfrm>
+          <a:off x="0" y="0"/>
+          <a:ext cx="0" cy="0"/>
+          <a:chOff x="0" y="0"/>
+          <a:chExt cx="0" cy="0"/>
+        </a:xfrm>
+      </p:grpSpPr>
+      <p:sp>
+        <p:nvSpPr>
+          <p:cNvPr id="2" name="标题 1">
+            <a:extLst>
+              <a:ext uri="{FF2B5EF4-FFF2-40B4-BE49-F238E27FC236}">
+                <a16:creationId xmlns:a16="http://schemas.microsoft.com/office/drawing/2014/main" id="{CA878705-D3B1-88F2-0063-0FAC81245D0B}"/>
+              </a:ext>
+            </a:extLst>
+          </p:cNvPr>
+          <p:cNvSpPr>
+            <a:spLocks noGrp="1"/>
+          </p:cNvSpPr>
+          <p:nvPr>
+            <p:ph type="title"/>
+          </p:nvPr>
+        </p:nvSpPr>
+        <p:spPr/>
+        <p:txBody>
+          <a:bodyPr/>
+          <a:lstStyle/>
+          <a:p>
+            <a:r>
+              <a:rPr lang="zh-CN" altLang="en-US" dirty="0"/>
+              <a:t>解决超时问题思路</a:t>
+            </a:r>
+          </a:p>
+        </p:txBody>
+      </p:sp>
+      <p:sp>
+        <p:nvSpPr>
+          <p:cNvPr id="3" name="内容占位符 2">
+            <a:extLst>
+              <a:ext uri="{FF2B5EF4-FFF2-40B4-BE49-F238E27FC236}">
+                <a16:creationId xmlns:a16="http://schemas.microsoft.com/office/drawing/2014/main" id="{CC445393-6F25-6CFB-A905-6787E0D3F29D}"/>
+              </a:ext>
+            </a:extLst>
+          </p:cNvPr>
+          <p:cNvSpPr>
+            <a:spLocks noGrp="1"/>
+          </p:cNvSpPr>
+          <p:nvPr>
+            <p:ph idx="1"/>
+          </p:nvPr>
+        </p:nvSpPr>
+        <p:spPr/>
+        <p:txBody>
+          <a:bodyPr/>
+          <a:lstStyle/>
+          <a:p>
+            <a:r>
+              <a:rPr lang="en-US" altLang="zh-CN" dirty="0"/>
+              <a:t>1. </a:t>
+            </a:r>
+            <a:r>
+              <a:rPr lang="zh-CN" altLang="en-US" dirty="0"/>
+              <a:t>分析超时的原因</a:t>
+            </a:r>
+            <a:endParaRPr lang="en-US" altLang="zh-CN" dirty="0"/>
+          </a:p>
+          <a:p>
+            <a:pPr lvl="1"/>
+            <a:r>
+              <a:rPr lang="zh-CN" altLang="en-US" dirty="0"/>
+              <a:t>（</a:t>
+            </a:r>
+            <a:r>
+              <a:rPr lang="en-US" altLang="zh-CN" dirty="0"/>
+              <a:t>1</a:t>
+            </a:r>
+            <a:r>
+              <a:rPr lang="zh-CN" altLang="en-US" dirty="0"/>
+              <a:t>）语言原因：</a:t>
+            </a:r>
+            <a:r>
+              <a:rPr lang="en-US" altLang="zh-CN" dirty="0"/>
+              <a:t>Python</a:t>
+            </a:r>
+            <a:r>
+              <a:rPr lang="zh-CN" altLang="en-US" dirty="0"/>
+              <a:t>太慢了</a:t>
+            </a:r>
+            <a:endParaRPr lang="en-US" altLang="zh-CN" dirty="0"/>
+          </a:p>
+          <a:p>
+            <a:pPr lvl="1"/>
+            <a:r>
+              <a:rPr lang="zh-CN" altLang="en-US" dirty="0"/>
+              <a:t>（</a:t>
+            </a:r>
+            <a:r>
+              <a:rPr lang="en-US" altLang="zh-CN" dirty="0"/>
+              <a:t>2</a:t>
+            </a:r>
+            <a:r>
+              <a:rPr lang="zh-CN" altLang="en-US" dirty="0"/>
+              <a:t>）算法原因：主要是</a:t>
+            </a:r>
+            <a:r>
+              <a:rPr lang="en-US" altLang="zh-CN" dirty="0"/>
+              <a:t>pod</a:t>
+            </a:r>
+            <a:r>
+              <a:rPr lang="zh-CN" altLang="en-US" dirty="0"/>
+              <a:t>调度算法</a:t>
+            </a:r>
+            <a:r>
+              <a:rPr lang="en-US" altLang="zh-CN" dirty="0"/>
+              <a:t>——</a:t>
+            </a:r>
+            <a:r>
+              <a:rPr lang="zh-CN" altLang="en-US" dirty="0"/>
+              <a:t>最佳适应算法太慢了</a:t>
+            </a:r>
+            <a:endParaRPr lang="en-US" altLang="zh-CN" dirty="0"/>
+          </a:p>
+          <a:p>
+            <a:r>
+              <a:rPr lang="en-US" altLang="zh-CN" dirty="0"/>
+              <a:t>2. </a:t>
+            </a:r>
+            <a:r>
+              <a:rPr lang="zh-CN" altLang="en-US" dirty="0"/>
+              <a:t>解决方式：</a:t>
+            </a:r>
+            <a:endParaRPr lang="en-US" altLang="zh-CN" dirty="0"/>
+          </a:p>
+          <a:p>
+            <a:pPr lvl="1"/>
+            <a:r>
+              <a:rPr lang="zh-CN" altLang="en-US" dirty="0"/>
+              <a:t>（</a:t>
+            </a:r>
+            <a:r>
+              <a:rPr lang="en-US" altLang="zh-CN" dirty="0"/>
+              <a:t>1</a:t>
+            </a:r>
+            <a:r>
+              <a:rPr lang="zh-CN" altLang="en-US" dirty="0"/>
+              <a:t>）语言层面：使用</a:t>
+            </a:r>
+            <a:r>
+              <a:rPr lang="en-US" altLang="zh-CN" dirty="0"/>
+              <a:t>C++</a:t>
+            </a:r>
+            <a:r>
+              <a:rPr lang="zh-CN" altLang="en-US" dirty="0"/>
+              <a:t>重写</a:t>
+            </a:r>
+            <a:endParaRPr lang="en-US" altLang="zh-CN" dirty="0"/>
+          </a:p>
+          <a:p>
+            <a:pPr lvl="1"/>
+            <a:r>
+              <a:rPr lang="zh-CN" altLang="en-US" dirty="0"/>
+              <a:t>（</a:t>
+            </a:r>
+            <a:r>
+              <a:rPr lang="en-US" altLang="zh-CN" dirty="0"/>
+              <a:t>2</a:t>
+            </a:r>
+            <a:r>
+              <a:rPr lang="zh-CN" altLang="en-US" dirty="0"/>
+              <a:t>）算法层面：</a:t>
+            </a:r>
+            <a:endParaRPr lang="en-US" altLang="zh-CN" dirty="0"/>
+          </a:p>
+          <a:p>
+            <a:pPr lvl="2"/>
+            <a:r>
+              <a:rPr lang="zh-CN" altLang="en-US" dirty="0"/>
+              <a:t>（</a:t>
+            </a:r>
+            <a:r>
+              <a:rPr lang="en-US" altLang="zh-CN" dirty="0"/>
+              <a:t>1</a:t>
+            </a:r>
+            <a:r>
+              <a:rPr lang="zh-CN" altLang="en-US" dirty="0"/>
+              <a:t>）其他资源分配算法</a:t>
+            </a:r>
+            <a:r>
+              <a:rPr lang="en-US" altLang="zh-CN" dirty="0"/>
+              <a:t>——</a:t>
+            </a:r>
+            <a:r>
+              <a:rPr lang="zh-CN" altLang="en-US" dirty="0"/>
+              <a:t>首次适应算法</a:t>
+            </a:r>
+            <a:r>
+              <a:rPr lang="en-US" altLang="zh-CN" dirty="0"/>
+              <a:t>……</a:t>
+            </a:r>
+          </a:p>
+          <a:p>
+            <a:pPr lvl="2"/>
+            <a:r>
+              <a:rPr lang="zh-CN" altLang="en-US" dirty="0"/>
+              <a:t>（</a:t>
+            </a:r>
+            <a:r>
+              <a:rPr lang="en-US" altLang="zh-CN" dirty="0"/>
+              <a:t>2</a:t>
+            </a:r>
+            <a:r>
+              <a:rPr lang="zh-CN" altLang="en-US" dirty="0"/>
+              <a:t>）优化</a:t>
+            </a:r>
+            <a:r>
+              <a:rPr lang="en-US" altLang="zh-CN" dirty="0"/>
+              <a:t>1</a:t>
+            </a:r>
+            <a:r>
+              <a:rPr lang="zh-CN" altLang="en-US" dirty="0"/>
+              <a:t>个</a:t>
+            </a:r>
+            <a:r>
+              <a:rPr lang="en-US" altLang="zh-CN" dirty="0"/>
+              <a:t>timestamp</a:t>
+            </a:r>
+            <a:r>
+              <a:rPr lang="zh-CN" altLang="en-US" dirty="0"/>
+              <a:t>中</a:t>
+            </a:r>
+            <a:r>
+              <a:rPr lang="en-US" altLang="zh-CN" dirty="0"/>
+              <a:t>CREATE</a:t>
+            </a:r>
+            <a:r>
+              <a:rPr lang="zh-CN" altLang="en-US" dirty="0"/>
+              <a:t>请求中多个</a:t>
+            </a:r>
+            <a:r>
+              <a:rPr lang="en-US" altLang="zh-CN" dirty="0"/>
+              <a:t>pod</a:t>
+            </a:r>
+            <a:r>
+              <a:rPr lang="zh-CN" altLang="en-US" dirty="0"/>
+              <a:t>申请，排序或者合并。</a:t>
+            </a:r>
+          </a:p>
+        </p:txBody>
+      </p:sp>
+    </p:spTree>
+    <p:extLst>
+      <p:ext uri="{BB962C8B-B14F-4D97-AF65-F5344CB8AC3E}">
+        <p14:creationId xmlns:p14="http://schemas.microsoft.com/office/powerpoint/2010/main" val="924009841"/>
+      </p:ext>
+    </p:extLst>
   </p:cSld>
   <p:clrMapOvr>
     <a:masterClrMapping/>
@@ -2979,7 +3233,14 @@
         <p:cNvGrpSpPr/>
         <p:nvPr/>
       </p:nvGrpSpPr>
-      <p:grpSpPr/>
+      <p:grpSpPr>
+        <a:xfrm>
+          <a:off x="0" y="0"/>
+          <a:ext cx="0" cy="0"/>
+          <a:chOff x="0" y="0"/>
+          <a:chExt cx="0" cy="0"/>
+        </a:xfrm>
+      </p:grpSpPr>
       <p:sp>
         <p:nvSpPr>
           <p:cNvPr id="2" name="标题 1"/>
@@ -2993,97 +3254,143 @@
         <p:spPr/>
         <p:txBody>
           <a:bodyPr/>
+          <a:lstStyle/>
           <a:p>
             <a:r>
               <a:rPr lang="zh-CN" altLang="en-US"/>
-              <a:t>解题</a:t>
+              <a:t>解题思路</a:t>
+            </a:r>
+          </a:p>
+        </p:txBody>
+      </p:sp>
+      <p:sp>
+        <p:nvSpPr>
+          <p:cNvPr id="3" name="内容占位符 2"/>
+          <p:cNvSpPr>
+            <a:spLocks noGrp="1"/>
+          </p:cNvSpPr>
+          <p:nvPr>
+            <p:ph idx="1"/>
+          </p:nvPr>
+        </p:nvSpPr>
+        <p:spPr/>
+        <p:txBody>
+          <a:bodyPr/>
+          <a:lstStyle/>
+          <a:p>
+            <a:r>
+              <a:rPr lang="en-US" altLang="zh-CN" dirty="0"/>
+              <a:t>1. </a:t>
+            </a:r>
+            <a:r>
+              <a:rPr lang="zh-CN" altLang="en-US" dirty="0"/>
+              <a:t>翻译问题，</a:t>
+            </a:r>
+            <a:r>
+              <a:rPr lang="zh-CN" altLang="en-US" b="1" dirty="0"/>
+              <a:t>problem_zh.docx。</a:t>
+            </a:r>
+          </a:p>
+          <a:p>
+            <a:r>
+              <a:rPr lang="en-US" altLang="zh-CN" dirty="0"/>
+              <a:t>2. </a:t>
+            </a:r>
+            <a:r>
+              <a:rPr lang="zh-CN" altLang="en-US" dirty="0"/>
+              <a:t>学习输入输出，可视化每步操作</a:t>
+            </a:r>
+            <a:r>
+              <a:rPr lang="en-US" altLang="zh-CN" dirty="0"/>
+              <a:t>P3</a:t>
+            </a:r>
+            <a:r>
+              <a:rPr lang="zh-CN" altLang="en-US" dirty="0"/>
+              <a:t>。</a:t>
+            </a:r>
+            <a:endParaRPr lang="en-US" altLang="zh-CN" dirty="0"/>
+          </a:p>
+          <a:p>
+            <a:r>
+              <a:rPr lang="en-US" altLang="zh-CN" dirty="0"/>
+              <a:t>3. </a:t>
+            </a:r>
+            <a:r>
+              <a:rPr lang="zh-CN" altLang="en-US" dirty="0"/>
+              <a:t>示例程序运行，评分程序</a:t>
+            </a:r>
+            <a:r>
+              <a:rPr lang="en-US" altLang="zh-CN" dirty="0"/>
+              <a:t>P3 </a:t>
+            </a:r>
+            <a:r>
+              <a:rPr lang="zh-CN" altLang="en-US" dirty="0"/>
+              <a:t>。</a:t>
+            </a:r>
+            <a:endParaRPr lang="en-US" altLang="zh-CN" dirty="0"/>
+          </a:p>
+          <a:p>
+            <a:r>
+              <a:rPr lang="en-US" altLang="zh-CN" dirty="0"/>
+              <a:t>4. </a:t>
+            </a:r>
+            <a:r>
+              <a:rPr lang="zh-CN" altLang="en-US" dirty="0"/>
+              <a:t>简单思路，学习网上现成</a:t>
+            </a:r>
+            <a:r>
+              <a:rPr lang="en-US" altLang="zh-CN" dirty="0"/>
+              <a:t>pod</a:t>
             </a:r>
             <a:r>
               <a:rPr lang="zh-CN" altLang="en-US"/>
-              <a:t>思路</a:t>
-            </a:r>
-            <a:endParaRPr lang="zh-CN" altLang="en-US"/>
-          </a:p>
-        </p:txBody>
-      </p:sp>
-      <p:sp>
-        <p:nvSpPr>
-          <p:cNvPr id="3" name="内容占位符 2"/>
-          <p:cNvSpPr>
-            <a:spLocks noGrp="1"/>
-          </p:cNvSpPr>
-          <p:nvPr>
-            <p:ph idx="1"/>
-          </p:nvPr>
-        </p:nvSpPr>
-        <p:spPr/>
-        <p:txBody>
-          <a:bodyPr/>
-          <a:p>
-            <a:r>
-              <a:rPr lang="en-US" altLang="zh-CN"/>
-              <a:t>1. </a:t>
-            </a:r>
-            <a:r>
-              <a:rPr lang="zh-CN" altLang="en-US"/>
-              <a:t>翻译问题，</a:t>
-            </a:r>
-            <a:r>
-              <a:rPr lang="zh-CN" altLang="en-US" b="1"/>
-              <a:t>problem_zh.docx</a:t>
-            </a:r>
-            <a:endParaRPr lang="zh-CN" altLang="en-US" b="1"/>
-          </a:p>
-          <a:p>
-            <a:r>
-              <a:rPr lang="en-US" altLang="zh-CN"/>
-              <a:t>2. </a:t>
-            </a:r>
-            <a:r>
-              <a:rPr lang="zh-CN" altLang="en-US"/>
-              <a:t>学习输入输出，可视化每步操作</a:t>
-            </a:r>
-            <a:endParaRPr lang="en-US" altLang="zh-CN"/>
-          </a:p>
-          <a:p>
-            <a:r>
-              <a:rPr lang="en-US" altLang="zh-CN"/>
-              <a:t>3. </a:t>
-            </a:r>
-            <a:r>
-              <a:rPr lang="zh-CN" altLang="en-US"/>
-              <a:t>示例程序运行</a:t>
-            </a:r>
-            <a:endParaRPr lang="en-US" altLang="zh-CN"/>
-          </a:p>
-          <a:p>
-            <a:r>
-              <a:rPr lang="en-US" altLang="zh-CN"/>
-              <a:t>4. </a:t>
-            </a:r>
-            <a:endParaRPr lang="en-US" altLang="zh-CN"/>
-          </a:p>
-          <a:p>
-            <a:r>
-              <a:rPr lang="en-US" altLang="zh-CN"/>
+              <a:t>思路。</a:t>
+            </a:r>
+            <a:endParaRPr lang="en-US" altLang="zh-CN" dirty="0"/>
+          </a:p>
+          <a:p>
+            <a:r>
+              <a:rPr lang="en-US" altLang="zh-CN" dirty="0"/>
               <a:t>5. </a:t>
             </a:r>
             <a:r>
-              <a:rPr lang="zh-CN" altLang="en-US"/>
+              <a:rPr lang="zh-CN" altLang="en-US" dirty="0"/>
+              <a:t>本地运行</a:t>
+            </a:r>
+            <a:r>
+              <a:rPr lang="en-US" altLang="zh-CN" dirty="0"/>
+              <a:t>+</a:t>
+            </a:r>
+            <a:r>
+              <a:rPr lang="zh-CN" altLang="en-US" dirty="0"/>
+              <a:t>网页提交评分。</a:t>
+            </a:r>
+            <a:endParaRPr lang="en-US" altLang="zh-CN" dirty="0"/>
+          </a:p>
+          <a:p>
+            <a:r>
+              <a:rPr lang="en-US" altLang="zh-CN" dirty="0"/>
+              <a:t>6. </a:t>
+            </a:r>
+            <a:r>
+              <a:rPr lang="zh-CN" altLang="en-US" dirty="0"/>
               <a:t>优化算法，从</a:t>
             </a:r>
             <a:r>
-              <a:rPr lang="en-US" altLang="zh-CN"/>
-              <a:t>K'S</a:t>
-            </a:r>
-            <a:endParaRPr lang="en-US" altLang="zh-CN"/>
-          </a:p>
-          <a:p>
-            <a:r>
-              <a:rPr lang="en-US" altLang="zh-CN"/>
-              <a:t>6. </a:t>
-            </a:r>
-            <a:endParaRPr lang="en-US" altLang="zh-CN"/>
+              <a:rPr lang="en-US" altLang="zh-CN" dirty="0"/>
+              <a:t>K8S</a:t>
+            </a:r>
+            <a:r>
+              <a:rPr lang="zh-CN" altLang="en-US" dirty="0"/>
+              <a:t>中学习。</a:t>
+            </a:r>
+            <a:endParaRPr lang="en-US" altLang="zh-CN" dirty="0"/>
+          </a:p>
+          <a:p>
+            <a:pPr marL="0" indent="0">
+              <a:buNone/>
+            </a:pPr>
+            <a:endParaRPr lang="en-US" altLang="zh-CN" dirty="0"/>
           </a:p>
         </p:txBody>
       </p:sp>
@@ -3095,9 +3402,3627 @@
 </p:sld>
 </file>
 
+<file path=ppt/slides/slide3.xml><?xml version="1.0" encoding="utf-8"?>
+<p:sld xmlns:a="http://schemas.openxmlformats.org/drawingml/2006/main" xmlns:r="http://schemas.openxmlformats.org/officeDocument/2006/relationships" xmlns:p="http://schemas.openxmlformats.org/presentationml/2006/main">
+  <p:cSld>
+    <p:spTree>
+      <p:nvGrpSpPr>
+        <p:cNvPr id="1" name=""/>
+        <p:cNvGrpSpPr/>
+        <p:nvPr/>
+      </p:nvGrpSpPr>
+      <p:grpSpPr>
+        <a:xfrm>
+          <a:off x="0" y="0"/>
+          <a:ext cx="0" cy="0"/>
+          <a:chOff x="0" y="0"/>
+          <a:chExt cx="0" cy="0"/>
+        </a:xfrm>
+      </p:grpSpPr>
+      <p:sp>
+        <p:nvSpPr>
+          <p:cNvPr id="2" name="标题 1"/>
+          <p:cNvSpPr>
+            <a:spLocks noGrp="1"/>
+          </p:cNvSpPr>
+          <p:nvPr>
+            <p:ph type="title"/>
+          </p:nvPr>
+        </p:nvSpPr>
+        <p:spPr/>
+        <p:txBody>
+          <a:bodyPr/>
+          <a:lstStyle/>
+          <a:p>
+            <a:r>
+              <a:rPr lang="zh-CN" altLang="en-US" dirty="0">
+                <a:sym typeface="+mn-ea"/>
+              </a:rPr>
+              <a:t>学习输入输出，示例程序运行</a:t>
+            </a:r>
+            <a:endParaRPr lang="zh-CN" altLang="en-US" dirty="0"/>
+          </a:p>
+        </p:txBody>
+      </p:sp>
+      <p:grpSp>
+        <p:nvGrpSpPr>
+          <p:cNvPr id="60" name="组合 59">
+            <a:extLst>
+              <a:ext uri="{FF2B5EF4-FFF2-40B4-BE49-F238E27FC236}">
+                <a16:creationId xmlns:a16="http://schemas.microsoft.com/office/drawing/2014/main" id="{F30AA7A2-1C55-B31D-8403-A141244A0D80}"/>
+              </a:ext>
+            </a:extLst>
+          </p:cNvPr>
+          <p:cNvGrpSpPr/>
+          <p:nvPr/>
+        </p:nvGrpSpPr>
+        <p:grpSpPr>
+          <a:xfrm>
+            <a:off x="180340" y="1237002"/>
+            <a:ext cx="11290300" cy="4493114"/>
+            <a:chOff x="180340" y="1237002"/>
+            <a:chExt cx="11290300" cy="4493114"/>
+          </a:xfrm>
+        </p:grpSpPr>
+        <p:sp>
+          <p:nvSpPr>
+            <p:cNvPr id="23" name="文本框 22">
+              <a:extLst>
+                <a:ext uri="{FF2B5EF4-FFF2-40B4-BE49-F238E27FC236}">
+                  <a16:creationId xmlns:a16="http://schemas.microsoft.com/office/drawing/2014/main" id="{8B5BE4CE-D332-70A8-8DC4-E8BB38985677}"/>
+                </a:ext>
+              </a:extLst>
+            </p:cNvPr>
+            <p:cNvSpPr txBox="1"/>
+            <p:nvPr/>
+          </p:nvSpPr>
+          <p:spPr>
+            <a:xfrm>
+              <a:off x="711817" y="1849848"/>
+              <a:ext cx="2762902" cy="369332"/>
+            </a:xfrm>
+            <a:prstGeom prst="rect">
+              <a:avLst/>
+            </a:prstGeom>
+            <a:noFill/>
+          </p:spPr>
+          <p:txBody>
+            <a:bodyPr wrap="square">
+              <a:spAutoFit/>
+            </a:bodyPr>
+            <a:lstStyle/>
+            <a:p>
+              <a:pPr marL="0" marR="0" algn="just">
+                <a:spcBef>
+                  <a:spcPts val="0"/>
+                </a:spcBef>
+                <a:spcAft>
+                  <a:spcPts val="0"/>
+                </a:spcAft>
+              </a:pPr>
+              <a:r>
+                <a:rPr lang="zh-CN" altLang="en-US" sz="1800" kern="100" dirty="0">
+                  <a:effectLst/>
+                  <a:latin typeface="Times New Roman" panose="02020603050405020304" pitchFamily="18" charset="0"/>
+                  <a:ea typeface="新宋体" panose="02010609030101010101" pitchFamily="49" charset="-122"/>
+                  <a:cs typeface="Times New Roman" panose="02020603050405020304" pitchFamily="18" charset="0"/>
+                </a:rPr>
+                <a:t>节点类型</a:t>
+              </a:r>
+              <a:r>
+                <a:rPr lang="en-US" altLang="zh-CN" sz="1800" kern="100" dirty="0">
+                  <a:effectLst/>
+                  <a:latin typeface="Times New Roman" panose="02020603050405020304" pitchFamily="18" charset="0"/>
+                  <a:ea typeface="新宋体" panose="02010609030101010101" pitchFamily="49" charset="-122"/>
+                  <a:cs typeface="Times New Roman" panose="02020603050405020304" pitchFamily="18" charset="0"/>
+                </a:rPr>
+                <a:t>flavor</a:t>
+              </a:r>
+              <a:r>
+                <a:rPr lang="zh-CN" altLang="en-US" sz="1800" kern="100" dirty="0">
+                  <a:effectLst/>
+                  <a:latin typeface="Times New Roman" panose="02020603050405020304" pitchFamily="18" charset="0"/>
+                  <a:ea typeface="新宋体" panose="02010609030101010101" pitchFamily="49" charset="-122"/>
+                  <a:cs typeface="Times New Roman" panose="02020603050405020304" pitchFamily="18" charset="0"/>
+                </a:rPr>
+                <a:t>数目 </a:t>
+              </a:r>
+              <a:r>
+                <a:rPr lang="en-US" altLang="zh-CN" sz="1800" kern="100" dirty="0">
+                  <a:effectLst/>
+                  <a:latin typeface="Times New Roman" panose="02020603050405020304" pitchFamily="18" charset="0"/>
+                  <a:ea typeface="新宋体" panose="02010609030101010101" pitchFamily="49" charset="-122"/>
+                  <a:cs typeface="Times New Roman" panose="02020603050405020304" pitchFamily="18" charset="0"/>
+                </a:rPr>
+                <a:t>F</a:t>
+              </a:r>
+              <a:endParaRPr lang="en-US" altLang="zh-CN" sz="1800" kern="100" dirty="0">
+                <a:effectLst/>
+                <a:latin typeface="等线" panose="02010600030101010101" pitchFamily="2" charset="-122"/>
+                <a:ea typeface="等线" panose="02010600030101010101" pitchFamily="2" charset="-122"/>
+                <a:cs typeface="Times New Roman" panose="02020603050405020304" pitchFamily="18" charset="0"/>
+              </a:endParaRPr>
+            </a:p>
+          </p:txBody>
+        </p:sp>
+        <p:sp>
+          <p:nvSpPr>
+            <p:cNvPr id="24" name="文本框 23">
+              <a:extLst>
+                <a:ext uri="{FF2B5EF4-FFF2-40B4-BE49-F238E27FC236}">
+                  <a16:creationId xmlns:a16="http://schemas.microsoft.com/office/drawing/2014/main" id="{18F4C44F-7D62-DEF2-F523-9541CFF1C855}"/>
+                </a:ext>
+              </a:extLst>
+            </p:cNvPr>
+            <p:cNvSpPr txBox="1"/>
+            <p:nvPr/>
+          </p:nvSpPr>
+          <p:spPr>
+            <a:xfrm>
+              <a:off x="716556" y="2441671"/>
+              <a:ext cx="2261302" cy="616867"/>
+            </a:xfrm>
+            <a:prstGeom prst="rect">
+              <a:avLst/>
+            </a:prstGeom>
+            <a:noFill/>
+          </p:spPr>
+          <p:txBody>
+            <a:bodyPr wrap="square">
+              <a:spAutoFit/>
+            </a:bodyPr>
+            <a:lstStyle/>
+            <a:p>
+              <a:pPr marL="0" marR="0" algn="just">
+                <a:spcBef>
+                  <a:spcPts val="0"/>
+                </a:spcBef>
+                <a:spcAft>
+                  <a:spcPts val="0"/>
+                </a:spcAft>
+              </a:pPr>
+              <a:r>
+                <a:rPr lang="en-US" altLang="zh-CN" kern="100" dirty="0">
+                  <a:latin typeface="Times New Roman" panose="02020603050405020304" pitchFamily="18" charset="0"/>
+                  <a:ea typeface="新宋体" panose="02010609030101010101" pitchFamily="49" charset="-122"/>
+                  <a:cs typeface="Times New Roman" panose="02020603050405020304" pitchFamily="18" charset="0"/>
+                </a:rPr>
+                <a:t>4</a:t>
+              </a:r>
+              <a:r>
+                <a:rPr lang="zh-CN" altLang="en-US" kern="100" dirty="0">
+                  <a:latin typeface="Times New Roman" panose="02020603050405020304" pitchFamily="18" charset="0"/>
+                  <a:ea typeface="新宋体" panose="02010609030101010101" pitchFamily="49" charset="-122"/>
+                  <a:cs typeface="Times New Roman" panose="02020603050405020304" pitchFamily="18" charset="0"/>
+                </a:rPr>
+                <a:t>个请求</a:t>
+              </a:r>
+              <a:endParaRPr lang="en-US" altLang="zh-CN" kern="100" dirty="0">
+                <a:latin typeface="Times New Roman" panose="02020603050405020304" pitchFamily="18" charset="0"/>
+                <a:ea typeface="新宋体" panose="02010609030101010101" pitchFamily="49" charset="-122"/>
+                <a:cs typeface="Times New Roman" panose="02020603050405020304" pitchFamily="18" charset="0"/>
+              </a:endParaRPr>
+            </a:p>
+            <a:p>
+              <a:pPr marL="0" marR="0" algn="just">
+                <a:spcBef>
+                  <a:spcPts val="0"/>
+                </a:spcBef>
+                <a:spcAft>
+                  <a:spcPts val="0"/>
+                </a:spcAft>
+              </a:pPr>
+              <a:r>
+                <a:rPr lang="zh-CN" altLang="en-US" sz="1800" kern="100" dirty="0">
+                  <a:effectLst/>
+                  <a:latin typeface="Times New Roman" panose="02020603050405020304" pitchFamily="18" charset="0"/>
+                  <a:ea typeface="新宋体" panose="02010609030101010101" pitchFamily="49" charset="-122"/>
+                  <a:cs typeface="Times New Roman" panose="02020603050405020304" pitchFamily="18" charset="0"/>
+                </a:rPr>
+                <a:t>请求</a:t>
+              </a:r>
+              <a:r>
+                <a:rPr lang="en-US" altLang="zh-CN" sz="1800" kern="100" dirty="0">
+                  <a:effectLst/>
+                  <a:latin typeface="Times New Roman" panose="02020603050405020304" pitchFamily="18" charset="0"/>
+                  <a:ea typeface="新宋体" panose="02010609030101010101" pitchFamily="49" charset="-122"/>
+                  <a:cs typeface="Times New Roman" panose="02020603050405020304" pitchFamily="18" charset="0"/>
+                </a:rPr>
+                <a:t>1</a:t>
+              </a:r>
+              <a:r>
+                <a:rPr lang="zh-CN" altLang="en-US" sz="1800" kern="100" dirty="0">
+                  <a:effectLst/>
+                  <a:latin typeface="Times New Roman" panose="02020603050405020304" pitchFamily="18" charset="0"/>
+                  <a:ea typeface="新宋体" panose="02010609030101010101" pitchFamily="49" charset="-122"/>
+                  <a:cs typeface="Times New Roman" panose="02020603050405020304" pitchFamily="18" charset="0"/>
+                </a:rPr>
+                <a:t>：</a:t>
+              </a:r>
+              <a:r>
+                <a:rPr lang="zh-CN" altLang="en-US" kern="100" dirty="0">
+                  <a:latin typeface="Times New Roman" panose="02020603050405020304" pitchFamily="18" charset="0"/>
+                  <a:ea typeface="新宋体" panose="02010609030101010101" pitchFamily="49" charset="-122"/>
+                  <a:cs typeface="Times New Roman" panose="02020603050405020304" pitchFamily="18" charset="0"/>
+                </a:rPr>
+                <a:t>创建</a:t>
+              </a:r>
+              <a:r>
+                <a:rPr lang="en-US" altLang="zh-CN" kern="100" dirty="0">
+                  <a:latin typeface="Times New Roman" panose="02020603050405020304" pitchFamily="18" charset="0"/>
+                  <a:ea typeface="新宋体" panose="02010609030101010101" pitchFamily="49" charset="-122"/>
+                  <a:cs typeface="Times New Roman" panose="02020603050405020304" pitchFamily="18" charset="0"/>
+                </a:rPr>
+                <a:t>4</a:t>
+              </a:r>
+              <a:r>
+                <a:rPr lang="zh-CN" altLang="en-US" kern="100" dirty="0">
+                  <a:latin typeface="Times New Roman" panose="02020603050405020304" pitchFamily="18" charset="0"/>
+                  <a:ea typeface="新宋体" panose="02010609030101010101" pitchFamily="49" charset="-122"/>
+                  <a:cs typeface="Times New Roman" panose="02020603050405020304" pitchFamily="18" charset="0"/>
+                </a:rPr>
+                <a:t>个</a:t>
+              </a:r>
+              <a:r>
+                <a:rPr lang="en-US" altLang="zh-CN" kern="100" dirty="0">
+                  <a:latin typeface="Times New Roman" panose="02020603050405020304" pitchFamily="18" charset="0"/>
+                  <a:ea typeface="新宋体" panose="02010609030101010101" pitchFamily="49" charset="-122"/>
+                  <a:cs typeface="Times New Roman" panose="02020603050405020304" pitchFamily="18" charset="0"/>
+                </a:rPr>
+                <a:t>pod</a:t>
+              </a:r>
+              <a:endParaRPr lang="en-US" altLang="zh-CN" sz="1800" kern="100" dirty="0">
+                <a:effectLst/>
+                <a:latin typeface="Times New Roman" panose="02020603050405020304" pitchFamily="18" charset="0"/>
+                <a:ea typeface="新宋体" panose="02010609030101010101" pitchFamily="49" charset="-122"/>
+                <a:cs typeface="Times New Roman" panose="02020603050405020304" pitchFamily="18" charset="0"/>
+              </a:endParaRPr>
+            </a:p>
+          </p:txBody>
+        </p:sp>
+        <p:sp>
+          <p:nvSpPr>
+            <p:cNvPr id="26" name="文本框 25">
+              <a:extLst>
+                <a:ext uri="{FF2B5EF4-FFF2-40B4-BE49-F238E27FC236}">
+                  <a16:creationId xmlns:a16="http://schemas.microsoft.com/office/drawing/2014/main" id="{E6D11A0A-82C3-3E1B-7183-169DAD4331FE}"/>
+                </a:ext>
+              </a:extLst>
+            </p:cNvPr>
+            <p:cNvSpPr txBox="1"/>
+            <p:nvPr/>
+          </p:nvSpPr>
+          <p:spPr>
+            <a:xfrm>
+              <a:off x="716556" y="3695881"/>
+              <a:ext cx="2167243" cy="352495"/>
+            </a:xfrm>
+            <a:prstGeom prst="rect">
+              <a:avLst/>
+            </a:prstGeom>
+            <a:noFill/>
+          </p:spPr>
+          <p:txBody>
+            <a:bodyPr wrap="square">
+              <a:spAutoFit/>
+            </a:bodyPr>
+            <a:lstStyle/>
+            <a:p>
+              <a:pPr marL="0" marR="0" algn="just">
+                <a:spcBef>
+                  <a:spcPts val="0"/>
+                </a:spcBef>
+                <a:spcAft>
+                  <a:spcPts val="0"/>
+                </a:spcAft>
+              </a:pPr>
+              <a:r>
+                <a:rPr lang="zh-CN" altLang="en-US" kern="100" dirty="0">
+                  <a:latin typeface="Times New Roman" panose="02020603050405020304" pitchFamily="18" charset="0"/>
+                  <a:ea typeface="新宋体" panose="02010609030101010101" pitchFamily="49" charset="-122"/>
+                  <a:cs typeface="Times New Roman" panose="02020603050405020304" pitchFamily="18" charset="0"/>
+                </a:rPr>
+                <a:t>请求</a:t>
+              </a:r>
+              <a:r>
+                <a:rPr lang="en-US" altLang="zh-CN" kern="100" dirty="0">
+                  <a:latin typeface="Times New Roman" panose="02020603050405020304" pitchFamily="18" charset="0"/>
+                  <a:ea typeface="新宋体" panose="02010609030101010101" pitchFamily="49" charset="-122"/>
+                  <a:cs typeface="Times New Roman" panose="02020603050405020304" pitchFamily="18" charset="0"/>
+                </a:rPr>
+                <a:t>2</a:t>
+              </a:r>
+              <a:r>
+                <a:rPr lang="zh-CN" altLang="en-US" kern="100" dirty="0">
+                  <a:latin typeface="Times New Roman" panose="02020603050405020304" pitchFamily="18" charset="0"/>
+                  <a:ea typeface="新宋体" panose="02010609030101010101" pitchFamily="49" charset="-122"/>
+                  <a:cs typeface="Times New Roman" panose="02020603050405020304" pitchFamily="18" charset="0"/>
+                </a:rPr>
+                <a:t>：删除</a:t>
+              </a:r>
+              <a:r>
+                <a:rPr lang="en-US" altLang="zh-CN" kern="100" dirty="0">
+                  <a:latin typeface="Times New Roman" panose="02020603050405020304" pitchFamily="18" charset="0"/>
+                  <a:ea typeface="新宋体" panose="02010609030101010101" pitchFamily="49" charset="-122"/>
+                  <a:cs typeface="Times New Roman" panose="02020603050405020304" pitchFamily="18" charset="0"/>
+                </a:rPr>
+                <a:t>1</a:t>
+              </a:r>
+              <a:r>
+                <a:rPr lang="zh-CN" altLang="en-US" kern="100" dirty="0">
+                  <a:latin typeface="Times New Roman" panose="02020603050405020304" pitchFamily="18" charset="0"/>
+                  <a:ea typeface="新宋体" panose="02010609030101010101" pitchFamily="49" charset="-122"/>
+                  <a:cs typeface="Times New Roman" panose="02020603050405020304" pitchFamily="18" charset="0"/>
+                </a:rPr>
+                <a:t>个</a:t>
+              </a:r>
+              <a:r>
+                <a:rPr lang="en-US" altLang="zh-CN" kern="100" dirty="0">
+                  <a:latin typeface="Times New Roman" panose="02020603050405020304" pitchFamily="18" charset="0"/>
+                  <a:ea typeface="新宋体" panose="02010609030101010101" pitchFamily="49" charset="-122"/>
+                  <a:cs typeface="Times New Roman" panose="02020603050405020304" pitchFamily="18" charset="0"/>
+                </a:rPr>
+                <a:t>pod</a:t>
+              </a:r>
+            </a:p>
+          </p:txBody>
+        </p:sp>
+        <p:sp>
+          <p:nvSpPr>
+            <p:cNvPr id="28" name="文本框 27">
+              <a:extLst>
+                <a:ext uri="{FF2B5EF4-FFF2-40B4-BE49-F238E27FC236}">
+                  <a16:creationId xmlns:a16="http://schemas.microsoft.com/office/drawing/2014/main" id="{675BD5F8-97D1-84D6-9D1F-5DC023127996}"/>
+                </a:ext>
+              </a:extLst>
+            </p:cNvPr>
+            <p:cNvSpPr txBox="1"/>
+            <p:nvPr/>
+          </p:nvSpPr>
+          <p:spPr>
+            <a:xfrm>
+              <a:off x="716556" y="4204450"/>
+              <a:ext cx="2167243" cy="352495"/>
+            </a:xfrm>
+            <a:prstGeom prst="rect">
+              <a:avLst/>
+            </a:prstGeom>
+            <a:noFill/>
+          </p:spPr>
+          <p:txBody>
+            <a:bodyPr wrap="square">
+              <a:spAutoFit/>
+            </a:bodyPr>
+            <a:lstStyle/>
+            <a:p>
+              <a:pPr marL="0" marR="0" algn="just">
+                <a:spcBef>
+                  <a:spcPts val="0"/>
+                </a:spcBef>
+                <a:spcAft>
+                  <a:spcPts val="0"/>
+                </a:spcAft>
+              </a:pPr>
+              <a:r>
+                <a:rPr lang="zh-CN" altLang="en-US" kern="100" dirty="0">
+                  <a:latin typeface="Times New Roman" panose="02020603050405020304" pitchFamily="18" charset="0"/>
+                  <a:ea typeface="新宋体" panose="02010609030101010101" pitchFamily="49" charset="-122"/>
+                  <a:cs typeface="Times New Roman" panose="02020603050405020304" pitchFamily="18" charset="0"/>
+                </a:rPr>
+                <a:t>请求</a:t>
+              </a:r>
+              <a:r>
+                <a:rPr lang="en-US" altLang="zh-CN" kern="100" dirty="0">
+                  <a:latin typeface="Times New Roman" panose="02020603050405020304" pitchFamily="18" charset="0"/>
+                  <a:ea typeface="新宋体" panose="02010609030101010101" pitchFamily="49" charset="-122"/>
+                  <a:cs typeface="Times New Roman" panose="02020603050405020304" pitchFamily="18" charset="0"/>
+                </a:rPr>
+                <a:t>3</a:t>
+              </a:r>
+              <a:r>
+                <a:rPr lang="zh-CN" altLang="en-US" kern="100" dirty="0">
+                  <a:latin typeface="Times New Roman" panose="02020603050405020304" pitchFamily="18" charset="0"/>
+                  <a:ea typeface="新宋体" panose="02010609030101010101" pitchFamily="49" charset="-122"/>
+                  <a:cs typeface="Times New Roman" panose="02020603050405020304" pitchFamily="18" charset="0"/>
+                </a:rPr>
+                <a:t>：创建</a:t>
+              </a:r>
+              <a:r>
+                <a:rPr lang="en-US" altLang="zh-CN" kern="100" dirty="0">
+                  <a:latin typeface="Times New Roman" panose="02020603050405020304" pitchFamily="18" charset="0"/>
+                  <a:ea typeface="新宋体" panose="02010609030101010101" pitchFamily="49" charset="-122"/>
+                  <a:cs typeface="Times New Roman" panose="02020603050405020304" pitchFamily="18" charset="0"/>
+                </a:rPr>
+                <a:t>1</a:t>
+              </a:r>
+              <a:r>
+                <a:rPr lang="zh-CN" altLang="en-US" kern="100" dirty="0">
+                  <a:latin typeface="Times New Roman" panose="02020603050405020304" pitchFamily="18" charset="0"/>
+                  <a:ea typeface="新宋体" panose="02010609030101010101" pitchFamily="49" charset="-122"/>
+                  <a:cs typeface="Times New Roman" panose="02020603050405020304" pitchFamily="18" charset="0"/>
+                </a:rPr>
+                <a:t>个</a:t>
+              </a:r>
+              <a:r>
+                <a:rPr lang="en-US" altLang="zh-CN" kern="100" dirty="0">
+                  <a:latin typeface="Times New Roman" panose="02020603050405020304" pitchFamily="18" charset="0"/>
+                  <a:ea typeface="新宋体" panose="02010609030101010101" pitchFamily="49" charset="-122"/>
+                  <a:cs typeface="Times New Roman" panose="02020603050405020304" pitchFamily="18" charset="0"/>
+                </a:rPr>
+                <a:t>pod</a:t>
+              </a:r>
+            </a:p>
+          </p:txBody>
+        </p:sp>
+        <p:sp>
+          <p:nvSpPr>
+            <p:cNvPr id="30" name="文本框 29">
+              <a:extLst>
+                <a:ext uri="{FF2B5EF4-FFF2-40B4-BE49-F238E27FC236}">
+                  <a16:creationId xmlns:a16="http://schemas.microsoft.com/office/drawing/2014/main" id="{BF9C127F-F5F4-EE77-1D1F-830B0D7BE8B0}"/>
+                </a:ext>
+              </a:extLst>
+            </p:cNvPr>
+            <p:cNvSpPr txBox="1"/>
+            <p:nvPr/>
+          </p:nvSpPr>
+          <p:spPr>
+            <a:xfrm>
+              <a:off x="716556" y="4772582"/>
+              <a:ext cx="2167243" cy="352495"/>
+            </a:xfrm>
+            <a:prstGeom prst="rect">
+              <a:avLst/>
+            </a:prstGeom>
+            <a:noFill/>
+          </p:spPr>
+          <p:txBody>
+            <a:bodyPr wrap="square">
+              <a:spAutoFit/>
+            </a:bodyPr>
+            <a:lstStyle/>
+            <a:p>
+              <a:pPr marL="0" marR="0" algn="just">
+                <a:spcBef>
+                  <a:spcPts val="0"/>
+                </a:spcBef>
+                <a:spcAft>
+                  <a:spcPts val="0"/>
+                </a:spcAft>
+              </a:pPr>
+              <a:r>
+                <a:rPr lang="zh-CN" altLang="en-US" kern="100" dirty="0">
+                  <a:latin typeface="Times New Roman" panose="02020603050405020304" pitchFamily="18" charset="0"/>
+                  <a:ea typeface="新宋体" panose="02010609030101010101" pitchFamily="49" charset="-122"/>
+                  <a:cs typeface="Times New Roman" panose="02020603050405020304" pitchFamily="18" charset="0"/>
+                </a:rPr>
+                <a:t>请求</a:t>
+              </a:r>
+              <a:r>
+                <a:rPr lang="en-US" altLang="zh-CN" kern="100" dirty="0">
+                  <a:latin typeface="Times New Roman" panose="02020603050405020304" pitchFamily="18" charset="0"/>
+                  <a:ea typeface="新宋体" panose="02010609030101010101" pitchFamily="49" charset="-122"/>
+                  <a:cs typeface="Times New Roman" panose="02020603050405020304" pitchFamily="18" charset="0"/>
+                </a:rPr>
+                <a:t>4</a:t>
+              </a:r>
+              <a:r>
+                <a:rPr lang="zh-CN" altLang="en-US" kern="100" dirty="0">
+                  <a:latin typeface="Times New Roman" panose="02020603050405020304" pitchFamily="18" charset="0"/>
+                  <a:ea typeface="新宋体" panose="02010609030101010101" pitchFamily="49" charset="-122"/>
+                  <a:cs typeface="Times New Roman" panose="02020603050405020304" pitchFamily="18" charset="0"/>
+                </a:rPr>
+                <a:t>：删除</a:t>
+              </a:r>
+              <a:r>
+                <a:rPr lang="en-US" altLang="zh-CN" kern="100" dirty="0">
+                  <a:latin typeface="Times New Roman" panose="02020603050405020304" pitchFamily="18" charset="0"/>
+                  <a:ea typeface="新宋体" panose="02010609030101010101" pitchFamily="49" charset="-122"/>
+                  <a:cs typeface="Times New Roman" panose="02020603050405020304" pitchFamily="18" charset="0"/>
+                </a:rPr>
+                <a:t>4</a:t>
+              </a:r>
+              <a:r>
+                <a:rPr lang="zh-CN" altLang="en-US" kern="100" dirty="0">
+                  <a:latin typeface="Times New Roman" panose="02020603050405020304" pitchFamily="18" charset="0"/>
+                  <a:ea typeface="新宋体" panose="02010609030101010101" pitchFamily="49" charset="-122"/>
+                  <a:cs typeface="Times New Roman" panose="02020603050405020304" pitchFamily="18" charset="0"/>
+                </a:rPr>
+                <a:t>个</a:t>
+              </a:r>
+              <a:r>
+                <a:rPr lang="en-US" altLang="zh-CN" kern="100" dirty="0">
+                  <a:latin typeface="Times New Roman" panose="02020603050405020304" pitchFamily="18" charset="0"/>
+                  <a:ea typeface="新宋体" panose="02010609030101010101" pitchFamily="49" charset="-122"/>
+                  <a:cs typeface="Times New Roman" panose="02020603050405020304" pitchFamily="18" charset="0"/>
+                </a:rPr>
+                <a:t>pod</a:t>
+              </a:r>
+              <a:endParaRPr lang="en-US" altLang="zh-CN" sz="1800" kern="100" dirty="0">
+                <a:effectLst/>
+                <a:latin typeface="等线" panose="02010600030101010101" pitchFamily="2" charset="-122"/>
+                <a:ea typeface="等线" panose="02010600030101010101" pitchFamily="2" charset="-122"/>
+                <a:cs typeface="Times New Roman" panose="02020603050405020304" pitchFamily="18" charset="0"/>
+              </a:endParaRPr>
+            </a:p>
+          </p:txBody>
+        </p:sp>
+        <p:sp>
+          <p:nvSpPr>
+            <p:cNvPr id="31" name="文本框 30">
+              <a:extLst>
+                <a:ext uri="{FF2B5EF4-FFF2-40B4-BE49-F238E27FC236}">
+                  <a16:creationId xmlns:a16="http://schemas.microsoft.com/office/drawing/2014/main" id="{FA970866-BE84-DCC6-46EF-391A661630E6}"/>
+                </a:ext>
+              </a:extLst>
+            </p:cNvPr>
+            <p:cNvSpPr txBox="1"/>
+            <p:nvPr/>
+          </p:nvSpPr>
+          <p:spPr>
+            <a:xfrm>
+              <a:off x="705651" y="5248917"/>
+              <a:ext cx="2167243" cy="352495"/>
+            </a:xfrm>
+            <a:prstGeom prst="rect">
+              <a:avLst/>
+            </a:prstGeom>
+            <a:noFill/>
+          </p:spPr>
+          <p:txBody>
+            <a:bodyPr wrap="square">
+              <a:spAutoFit/>
+            </a:bodyPr>
+            <a:lstStyle/>
+            <a:p>
+              <a:pPr marL="0" marR="0" algn="just">
+                <a:spcBef>
+                  <a:spcPts val="0"/>
+                </a:spcBef>
+                <a:spcAft>
+                  <a:spcPts val="0"/>
+                </a:spcAft>
+              </a:pPr>
+              <a:r>
+                <a:rPr lang="zh-CN" altLang="en-US" kern="100" dirty="0">
+                  <a:latin typeface="Times New Roman" panose="02020603050405020304" pitchFamily="18" charset="0"/>
+                  <a:ea typeface="新宋体" panose="02010609030101010101" pitchFamily="49" charset="-122"/>
+                  <a:cs typeface="Times New Roman" panose="02020603050405020304" pitchFamily="18" charset="0"/>
+                </a:rPr>
+                <a:t>结束</a:t>
+              </a:r>
+              <a:endParaRPr lang="en-US" altLang="zh-CN" sz="1800" kern="100" dirty="0">
+                <a:effectLst/>
+                <a:latin typeface="等线" panose="02010600030101010101" pitchFamily="2" charset="-122"/>
+                <a:ea typeface="等线" panose="02010600030101010101" pitchFamily="2" charset="-122"/>
+                <a:cs typeface="Times New Roman" panose="02020603050405020304" pitchFamily="18" charset="0"/>
+              </a:endParaRPr>
+            </a:p>
+          </p:txBody>
+        </p:sp>
+        <p:grpSp>
+          <p:nvGrpSpPr>
+            <p:cNvPr id="58" name="组合 57">
+              <a:extLst>
+                <a:ext uri="{FF2B5EF4-FFF2-40B4-BE49-F238E27FC236}">
+                  <a16:creationId xmlns:a16="http://schemas.microsoft.com/office/drawing/2014/main" id="{88D681BC-C138-9336-365B-667A27761C50}"/>
+                </a:ext>
+              </a:extLst>
+            </p:cNvPr>
+            <p:cNvGrpSpPr/>
+            <p:nvPr/>
+          </p:nvGrpSpPr>
+          <p:grpSpPr>
+            <a:xfrm>
+              <a:off x="3339817" y="1237002"/>
+              <a:ext cx="8130823" cy="4493114"/>
+              <a:chOff x="3024857" y="1237002"/>
+              <a:chExt cx="8130823" cy="4493114"/>
+            </a:xfrm>
+          </p:grpSpPr>
+          <p:pic>
+            <p:nvPicPr>
+              <p:cNvPr id="1894718481" name="图片 1"/>
+              <p:cNvPicPr>
+                <a:picLocks noChangeAspect="1"/>
+              </p:cNvPicPr>
+              <p:nvPr>
+                <p:custDataLst>
+                  <p:tags r:id="rId1"/>
+                </p:custDataLst>
+              </p:nvPr>
+            </p:nvPicPr>
+            <p:blipFill>
+              <a:blip r:embed="rId3"/>
+              <a:stretch>
+                <a:fillRect/>
+              </a:stretch>
+            </p:blipFill>
+            <p:spPr>
+              <a:xfrm>
+                <a:off x="3024857" y="1237002"/>
+                <a:ext cx="7931418" cy="4493114"/>
+              </a:xfrm>
+              <a:prstGeom prst="rect">
+                <a:avLst/>
+              </a:prstGeom>
+            </p:spPr>
+          </p:pic>
+          <p:sp>
+            <p:nvSpPr>
+              <p:cNvPr id="13" name="矩形 12">
+                <a:extLst>
+                  <a:ext uri="{FF2B5EF4-FFF2-40B4-BE49-F238E27FC236}">
+                    <a16:creationId xmlns:a16="http://schemas.microsoft.com/office/drawing/2014/main" id="{5A93AE20-63C5-EAFF-89A5-A3D78DF33F40}"/>
+                  </a:ext>
+                </a:extLst>
+              </p:cNvPr>
+              <p:cNvSpPr/>
+              <p:nvPr/>
+            </p:nvSpPr>
+            <p:spPr>
+              <a:xfrm>
+                <a:off x="7597958" y="2513508"/>
+                <a:ext cx="868961" cy="491657"/>
+              </a:xfrm>
+              <a:prstGeom prst="rect">
+                <a:avLst/>
+              </a:prstGeom>
+              <a:noFill/>
+              <a:ln>
+                <a:solidFill>
+                  <a:srgbClr val="FF0000"/>
+                </a:solidFill>
+                <a:prstDash val="lgDash"/>
+              </a:ln>
+            </p:spPr>
+            <p:style>
+              <a:lnRef idx="2">
+                <a:schemeClr val="accent1">
+                  <a:shade val="15000"/>
+                </a:schemeClr>
+              </a:lnRef>
+              <a:fillRef idx="1">
+                <a:schemeClr val="accent1"/>
+              </a:fillRef>
+              <a:effectRef idx="0">
+                <a:schemeClr val="accent1"/>
+              </a:effectRef>
+              <a:fontRef idx="minor">
+                <a:schemeClr val="lt1"/>
+              </a:fontRef>
+            </p:style>
+            <p:txBody>
+              <a:bodyPr rtlCol="0" anchor="ctr"/>
+              <a:lstStyle/>
+              <a:p>
+                <a:pPr algn="ctr"/>
+                <a:endParaRPr lang="zh-CN" altLang="en-US"/>
+              </a:p>
+            </p:txBody>
+          </p:sp>
+          <p:sp>
+            <p:nvSpPr>
+              <p:cNvPr id="14" name="矩形 13">
+                <a:extLst>
+                  <a:ext uri="{FF2B5EF4-FFF2-40B4-BE49-F238E27FC236}">
+                    <a16:creationId xmlns:a16="http://schemas.microsoft.com/office/drawing/2014/main" id="{29F9F2B4-4CA3-3E95-C81C-A24828B5F75C}"/>
+                  </a:ext>
+                </a:extLst>
+              </p:cNvPr>
+              <p:cNvSpPr/>
+              <p:nvPr/>
+            </p:nvSpPr>
+            <p:spPr>
+              <a:xfrm>
+                <a:off x="7597958" y="1909297"/>
+                <a:ext cx="868961" cy="491657"/>
+              </a:xfrm>
+              <a:prstGeom prst="rect">
+                <a:avLst/>
+              </a:prstGeom>
+              <a:noFill/>
+              <a:ln>
+                <a:solidFill>
+                  <a:srgbClr val="FF0000"/>
+                </a:solidFill>
+                <a:prstDash val="lgDash"/>
+              </a:ln>
+            </p:spPr>
+            <p:style>
+              <a:lnRef idx="2">
+                <a:schemeClr val="accent1">
+                  <a:shade val="15000"/>
+                </a:schemeClr>
+              </a:lnRef>
+              <a:fillRef idx="1">
+                <a:schemeClr val="accent1"/>
+              </a:fillRef>
+              <a:effectRef idx="0">
+                <a:schemeClr val="accent1"/>
+              </a:effectRef>
+              <a:fontRef idx="minor">
+                <a:schemeClr val="lt1"/>
+              </a:fontRef>
+            </p:style>
+            <p:txBody>
+              <a:bodyPr rtlCol="0" anchor="ctr"/>
+              <a:lstStyle/>
+              <a:p>
+                <a:pPr algn="ctr"/>
+                <a:endParaRPr lang="zh-CN" altLang="en-US"/>
+              </a:p>
+            </p:txBody>
+          </p:sp>
+          <p:cxnSp>
+            <p:nvCxnSpPr>
+              <p:cNvPr id="16" name="连接符: 肘形 15">
+                <a:extLst>
+                  <a:ext uri="{FF2B5EF4-FFF2-40B4-BE49-F238E27FC236}">
+                    <a16:creationId xmlns:a16="http://schemas.microsoft.com/office/drawing/2014/main" id="{CF809E98-A6C2-AF87-3424-EB0FD16C7484}"/>
+                  </a:ext>
+                </a:extLst>
+              </p:cNvPr>
+              <p:cNvCxnSpPr>
+                <a:endCxn id="14" idx="1"/>
+              </p:cNvCxnSpPr>
+              <p:nvPr/>
+            </p:nvCxnSpPr>
+            <p:spPr>
+              <a:xfrm flipV="1">
+                <a:off x="4307641" y="2155126"/>
+                <a:ext cx="3290317" cy="936029"/>
+              </a:xfrm>
+              <a:prstGeom prst="bentConnector3">
+                <a:avLst/>
+              </a:prstGeom>
+              <a:noFill/>
+              <a:ln>
+                <a:solidFill>
+                  <a:srgbClr val="FF0000"/>
+                </a:solidFill>
+                <a:prstDash val="lgDash"/>
+              </a:ln>
+            </p:spPr>
+            <p:style>
+              <a:lnRef idx="2">
+                <a:schemeClr val="accent1">
+                  <a:shade val="15000"/>
+                </a:schemeClr>
+              </a:lnRef>
+              <a:fillRef idx="1">
+                <a:schemeClr val="accent1"/>
+              </a:fillRef>
+              <a:effectRef idx="0">
+                <a:schemeClr val="accent1"/>
+              </a:effectRef>
+              <a:fontRef idx="minor">
+                <a:schemeClr val="lt1"/>
+              </a:fontRef>
+            </p:style>
+          </p:cxnSp>
+          <p:cxnSp>
+            <p:nvCxnSpPr>
+              <p:cNvPr id="17" name="连接符: 肘形 16">
+                <a:extLst>
+                  <a:ext uri="{FF2B5EF4-FFF2-40B4-BE49-F238E27FC236}">
+                    <a16:creationId xmlns:a16="http://schemas.microsoft.com/office/drawing/2014/main" id="{CA3BB643-7D7A-760E-E98E-E256ABD9BE75}"/>
+                  </a:ext>
+                </a:extLst>
+              </p:cNvPr>
+              <p:cNvCxnSpPr>
+                <a:cxnSpLocks/>
+              </p:cNvCxnSpPr>
+              <p:nvPr/>
+            </p:nvCxnSpPr>
+            <p:spPr>
+              <a:xfrm flipV="1">
+                <a:off x="4307641" y="2858654"/>
+                <a:ext cx="3290317" cy="1682457"/>
+              </a:xfrm>
+              <a:prstGeom prst="bentConnector3">
+                <a:avLst>
+                  <a:gd name="adj1" fmla="val 58167"/>
+                </a:avLst>
+              </a:prstGeom>
+              <a:noFill/>
+              <a:ln>
+                <a:solidFill>
+                  <a:srgbClr val="FF0000"/>
+                </a:solidFill>
+                <a:prstDash val="lgDash"/>
+              </a:ln>
+            </p:spPr>
+            <p:style>
+              <a:lnRef idx="2">
+                <a:schemeClr val="accent1">
+                  <a:shade val="15000"/>
+                </a:schemeClr>
+              </a:lnRef>
+              <a:fillRef idx="1">
+                <a:schemeClr val="accent1"/>
+              </a:fillRef>
+              <a:effectRef idx="0">
+                <a:schemeClr val="accent1"/>
+              </a:effectRef>
+              <a:fontRef idx="minor">
+                <a:schemeClr val="lt1"/>
+              </a:fontRef>
+            </p:style>
+          </p:cxnSp>
+          <p:grpSp>
+            <p:nvGrpSpPr>
+              <p:cNvPr id="35" name="组合 34">
+                <a:extLst>
+                  <a:ext uri="{FF2B5EF4-FFF2-40B4-BE49-F238E27FC236}">
+                    <a16:creationId xmlns:a16="http://schemas.microsoft.com/office/drawing/2014/main" id="{491981E2-D5E5-3312-3920-17416D4B189C}"/>
+                  </a:ext>
+                </a:extLst>
+              </p:cNvPr>
+              <p:cNvGrpSpPr/>
+              <p:nvPr/>
+            </p:nvGrpSpPr>
+            <p:grpSpPr>
+              <a:xfrm>
+                <a:off x="3186535" y="1848789"/>
+                <a:ext cx="1648685" cy="3752624"/>
+                <a:chOff x="2513434" y="2125003"/>
+                <a:chExt cx="1727434" cy="3931864"/>
+              </a:xfrm>
+            </p:grpSpPr>
+            <p:sp>
+              <p:nvSpPr>
+                <p:cNvPr id="3" name="矩形 2">
+                  <a:extLst>
+                    <a:ext uri="{FF2B5EF4-FFF2-40B4-BE49-F238E27FC236}">
+                      <a16:creationId xmlns:a16="http://schemas.microsoft.com/office/drawing/2014/main" id="{1A259218-E5BE-6BE6-D145-CB04A9213DE6}"/>
+                    </a:ext>
+                  </a:extLst>
+                </p:cNvPr>
+                <p:cNvSpPr/>
+                <p:nvPr/>
+              </p:nvSpPr>
+              <p:spPr>
+                <a:xfrm>
+                  <a:off x="2513434" y="2125003"/>
+                  <a:ext cx="1727434" cy="641937"/>
+                </a:xfrm>
+                <a:prstGeom prst="rect">
+                  <a:avLst/>
+                </a:prstGeom>
+                <a:noFill/>
+                <a:ln>
+                  <a:solidFill>
+                    <a:srgbClr val="FF0000"/>
+                  </a:solidFill>
+                </a:ln>
+              </p:spPr>
+              <p:style>
+                <a:lnRef idx="2">
+                  <a:schemeClr val="accent1">
+                    <a:shade val="15000"/>
+                  </a:schemeClr>
+                </a:lnRef>
+                <a:fillRef idx="1">
+                  <a:schemeClr val="accent1"/>
+                </a:fillRef>
+                <a:effectRef idx="0">
+                  <a:schemeClr val="accent1"/>
+                </a:effectRef>
+                <a:fontRef idx="minor">
+                  <a:schemeClr val="lt1"/>
+                </a:fontRef>
+              </p:style>
+              <p:txBody>
+                <a:bodyPr rtlCol="0" anchor="ctr"/>
+                <a:lstStyle/>
+                <a:p>
+                  <a:pPr algn="ctr"/>
+                  <a:endParaRPr lang="zh-CN" altLang="en-US"/>
+                </a:p>
+              </p:txBody>
+            </p:sp>
+            <p:sp>
+              <p:nvSpPr>
+                <p:cNvPr id="4" name="矩形 3">
+                  <a:extLst>
+                    <a:ext uri="{FF2B5EF4-FFF2-40B4-BE49-F238E27FC236}">
+                      <a16:creationId xmlns:a16="http://schemas.microsoft.com/office/drawing/2014/main" id="{693C4195-04E4-8645-A1C0-0F77711BCC9A}"/>
+                    </a:ext>
+                  </a:extLst>
+                </p:cNvPr>
+                <p:cNvSpPr/>
+                <p:nvPr/>
+              </p:nvSpPr>
+              <p:spPr>
+                <a:xfrm>
+                  <a:off x="2513434" y="2793687"/>
+                  <a:ext cx="1174655" cy="1266042"/>
+                </a:xfrm>
+                <a:prstGeom prst="rect">
+                  <a:avLst/>
+                </a:prstGeom>
+                <a:noFill/>
+                <a:ln>
+                  <a:solidFill>
+                    <a:srgbClr val="FF0000"/>
+                  </a:solidFill>
+                  <a:prstDash val="lgDash"/>
+                </a:ln>
+              </p:spPr>
+              <p:style>
+                <a:lnRef idx="2">
+                  <a:schemeClr val="accent1">
+                    <a:shade val="15000"/>
+                  </a:schemeClr>
+                </a:lnRef>
+                <a:fillRef idx="1">
+                  <a:schemeClr val="accent1"/>
+                </a:fillRef>
+                <a:effectRef idx="0">
+                  <a:schemeClr val="accent1"/>
+                </a:effectRef>
+                <a:fontRef idx="minor">
+                  <a:schemeClr val="lt1"/>
+                </a:fontRef>
+              </p:style>
+              <p:txBody>
+                <a:bodyPr rtlCol="0" anchor="ctr"/>
+                <a:lstStyle/>
+                <a:p>
+                  <a:pPr algn="ctr"/>
+                  <a:endParaRPr lang="zh-CN" altLang="en-US"/>
+                </a:p>
+              </p:txBody>
+            </p:sp>
+            <p:sp>
+              <p:nvSpPr>
+                <p:cNvPr id="5" name="矩形 4">
+                  <a:extLst>
+                    <a:ext uri="{FF2B5EF4-FFF2-40B4-BE49-F238E27FC236}">
+                      <a16:creationId xmlns:a16="http://schemas.microsoft.com/office/drawing/2014/main" id="{5F758F0B-9E05-FEC7-416D-BF9BB380750A}"/>
+                    </a:ext>
+                  </a:extLst>
+                </p:cNvPr>
+                <p:cNvSpPr/>
+                <p:nvPr/>
+              </p:nvSpPr>
+              <p:spPr>
+                <a:xfrm>
+                  <a:off x="2513434" y="4123998"/>
+                  <a:ext cx="1174655" cy="524174"/>
+                </a:xfrm>
+                <a:prstGeom prst="rect">
+                  <a:avLst/>
+                </a:prstGeom>
+                <a:noFill/>
+                <a:ln>
+                  <a:solidFill>
+                    <a:srgbClr val="FF0000"/>
+                  </a:solidFill>
+                  <a:prstDash val="lgDash"/>
+                </a:ln>
+              </p:spPr>
+              <p:style>
+                <a:lnRef idx="2">
+                  <a:schemeClr val="accent1">
+                    <a:shade val="15000"/>
+                  </a:schemeClr>
+                </a:lnRef>
+                <a:fillRef idx="1">
+                  <a:schemeClr val="accent1"/>
+                </a:fillRef>
+                <a:effectRef idx="0">
+                  <a:schemeClr val="accent1"/>
+                </a:effectRef>
+                <a:fontRef idx="minor">
+                  <a:schemeClr val="lt1"/>
+                </a:fontRef>
+              </p:style>
+              <p:txBody>
+                <a:bodyPr rtlCol="0" anchor="ctr"/>
+                <a:lstStyle/>
+                <a:p>
+                  <a:pPr algn="ctr"/>
+                  <a:endParaRPr lang="zh-CN" altLang="en-US"/>
+                </a:p>
+              </p:txBody>
+            </p:sp>
+            <p:sp>
+              <p:nvSpPr>
+                <p:cNvPr id="8" name="矩形 7">
+                  <a:extLst>
+                    <a:ext uri="{FF2B5EF4-FFF2-40B4-BE49-F238E27FC236}">
+                      <a16:creationId xmlns:a16="http://schemas.microsoft.com/office/drawing/2014/main" id="{D4F9AA1E-0909-8FDF-EB06-3DB2F498992C}"/>
+                    </a:ext>
+                  </a:extLst>
+                </p:cNvPr>
+                <p:cNvSpPr/>
+                <p:nvPr/>
+              </p:nvSpPr>
+              <p:spPr>
+                <a:xfrm>
+                  <a:off x="2513434" y="4683835"/>
+                  <a:ext cx="1174655" cy="524174"/>
+                </a:xfrm>
+                <a:prstGeom prst="rect">
+                  <a:avLst/>
+                </a:prstGeom>
+                <a:noFill/>
+                <a:ln>
+                  <a:solidFill>
+                    <a:srgbClr val="FF0000"/>
+                  </a:solidFill>
+                  <a:prstDash val="lgDash"/>
+                </a:ln>
+              </p:spPr>
+              <p:style>
+                <a:lnRef idx="2">
+                  <a:schemeClr val="accent1">
+                    <a:shade val="15000"/>
+                  </a:schemeClr>
+                </a:lnRef>
+                <a:fillRef idx="1">
+                  <a:schemeClr val="accent1"/>
+                </a:fillRef>
+                <a:effectRef idx="0">
+                  <a:schemeClr val="accent1"/>
+                </a:effectRef>
+                <a:fontRef idx="minor">
+                  <a:schemeClr val="lt1"/>
+                </a:fontRef>
+              </p:style>
+              <p:txBody>
+                <a:bodyPr rtlCol="0" anchor="ctr"/>
+                <a:lstStyle/>
+                <a:p>
+                  <a:pPr algn="ctr"/>
+                  <a:endParaRPr lang="zh-CN" altLang="en-US"/>
+                </a:p>
+              </p:txBody>
+            </p:sp>
+            <p:sp>
+              <p:nvSpPr>
+                <p:cNvPr id="9" name="矩形 8">
+                  <a:extLst>
+                    <a:ext uri="{FF2B5EF4-FFF2-40B4-BE49-F238E27FC236}">
+                      <a16:creationId xmlns:a16="http://schemas.microsoft.com/office/drawing/2014/main" id="{8CECCEBF-8559-CDBA-2917-08B8E2AAF121}"/>
+                    </a:ext>
+                  </a:extLst>
+                </p:cNvPr>
+                <p:cNvSpPr/>
+                <p:nvPr/>
+              </p:nvSpPr>
+              <p:spPr>
+                <a:xfrm>
+                  <a:off x="2513434" y="5243672"/>
+                  <a:ext cx="1174655" cy="524174"/>
+                </a:xfrm>
+                <a:prstGeom prst="rect">
+                  <a:avLst/>
+                </a:prstGeom>
+                <a:noFill/>
+                <a:ln>
+                  <a:solidFill>
+                    <a:srgbClr val="FF0000"/>
+                  </a:solidFill>
+                  <a:prstDash val="lgDash"/>
+                </a:ln>
+              </p:spPr>
+              <p:style>
+                <a:lnRef idx="2">
+                  <a:schemeClr val="accent1">
+                    <a:shade val="15000"/>
+                  </a:schemeClr>
+                </a:lnRef>
+                <a:fillRef idx="1">
+                  <a:schemeClr val="accent1"/>
+                </a:fillRef>
+                <a:effectRef idx="0">
+                  <a:schemeClr val="accent1"/>
+                </a:effectRef>
+                <a:fontRef idx="minor">
+                  <a:schemeClr val="lt1"/>
+                </a:fontRef>
+              </p:style>
+              <p:txBody>
+                <a:bodyPr rtlCol="0" anchor="ctr"/>
+                <a:lstStyle/>
+                <a:p>
+                  <a:pPr algn="ctr"/>
+                  <a:endParaRPr lang="zh-CN" altLang="en-US"/>
+                </a:p>
+              </p:txBody>
+            </p:sp>
+            <p:sp>
+              <p:nvSpPr>
+                <p:cNvPr id="11" name="矩形 10">
+                  <a:extLst>
+                    <a:ext uri="{FF2B5EF4-FFF2-40B4-BE49-F238E27FC236}">
+                      <a16:creationId xmlns:a16="http://schemas.microsoft.com/office/drawing/2014/main" id="{5AA88581-6A5D-E6A2-4CE6-ABAAD2F3FFA4}"/>
+                    </a:ext>
+                  </a:extLst>
+                </p:cNvPr>
+                <p:cNvSpPr/>
+                <p:nvPr/>
+              </p:nvSpPr>
+              <p:spPr>
+                <a:xfrm>
+                  <a:off x="2513434" y="2771863"/>
+                  <a:ext cx="1727434" cy="2995983"/>
+                </a:xfrm>
+                <a:prstGeom prst="rect">
+                  <a:avLst/>
+                </a:prstGeom>
+                <a:noFill/>
+                <a:ln>
+                  <a:solidFill>
+                    <a:srgbClr val="FF0000"/>
+                  </a:solidFill>
+                </a:ln>
+              </p:spPr>
+              <p:style>
+                <a:lnRef idx="2">
+                  <a:schemeClr val="accent1">
+                    <a:shade val="15000"/>
+                  </a:schemeClr>
+                </a:lnRef>
+                <a:fillRef idx="1">
+                  <a:schemeClr val="accent1"/>
+                </a:fillRef>
+                <a:effectRef idx="0">
+                  <a:schemeClr val="accent1"/>
+                </a:effectRef>
+                <a:fontRef idx="minor">
+                  <a:schemeClr val="lt1"/>
+                </a:fontRef>
+              </p:style>
+              <p:txBody>
+                <a:bodyPr rtlCol="0" anchor="ctr"/>
+                <a:lstStyle/>
+                <a:p>
+                  <a:pPr algn="ctr"/>
+                  <a:endParaRPr lang="zh-CN" altLang="en-US" dirty="0"/>
+                </a:p>
+              </p:txBody>
+            </p:sp>
+            <p:sp>
+              <p:nvSpPr>
+                <p:cNvPr id="34" name="矩形 33">
+                  <a:extLst>
+                    <a:ext uri="{FF2B5EF4-FFF2-40B4-BE49-F238E27FC236}">
+                      <a16:creationId xmlns:a16="http://schemas.microsoft.com/office/drawing/2014/main" id="{150D3779-4E90-8648-E92B-05D35AE492BC}"/>
+                    </a:ext>
+                  </a:extLst>
+                </p:cNvPr>
+                <p:cNvSpPr/>
+                <p:nvPr/>
+              </p:nvSpPr>
+              <p:spPr>
+                <a:xfrm>
+                  <a:off x="2513434" y="5807352"/>
+                  <a:ext cx="1727434" cy="249515"/>
+                </a:xfrm>
+                <a:prstGeom prst="rect">
+                  <a:avLst/>
+                </a:prstGeom>
+                <a:noFill/>
+                <a:ln>
+                  <a:solidFill>
+                    <a:srgbClr val="FF0000"/>
+                  </a:solidFill>
+                </a:ln>
+              </p:spPr>
+              <p:style>
+                <a:lnRef idx="2">
+                  <a:schemeClr val="accent1">
+                    <a:shade val="15000"/>
+                  </a:schemeClr>
+                </a:lnRef>
+                <a:fillRef idx="1">
+                  <a:schemeClr val="accent1"/>
+                </a:fillRef>
+                <a:effectRef idx="0">
+                  <a:schemeClr val="accent1"/>
+                </a:effectRef>
+                <a:fontRef idx="minor">
+                  <a:schemeClr val="lt1"/>
+                </a:fontRef>
+              </p:style>
+              <p:txBody>
+                <a:bodyPr rtlCol="0" anchor="ctr"/>
+                <a:lstStyle/>
+                <a:p>
+                  <a:pPr algn="ctr"/>
+                  <a:endParaRPr lang="zh-CN" altLang="en-US"/>
+                </a:p>
+              </p:txBody>
+            </p:sp>
+          </p:grpSp>
+          <p:sp>
+            <p:nvSpPr>
+              <p:cNvPr id="36" name="文本框 35">
+                <a:extLst>
+                  <a:ext uri="{FF2B5EF4-FFF2-40B4-BE49-F238E27FC236}">
+                    <a16:creationId xmlns:a16="http://schemas.microsoft.com/office/drawing/2014/main" id="{E0FCD9DA-9D7C-DCD0-413E-A928ECE9D0DB}"/>
+                  </a:ext>
+                </a:extLst>
+              </p:cNvPr>
+              <p:cNvSpPr txBox="1"/>
+              <p:nvPr/>
+            </p:nvSpPr>
+            <p:spPr>
+              <a:xfrm>
+                <a:off x="8894378" y="1848789"/>
+                <a:ext cx="2261302" cy="352495"/>
+              </a:xfrm>
+              <a:prstGeom prst="rect">
+                <a:avLst/>
+              </a:prstGeom>
+              <a:noFill/>
+            </p:spPr>
+            <p:txBody>
+              <a:bodyPr wrap="square">
+                <a:spAutoFit/>
+              </a:bodyPr>
+              <a:lstStyle/>
+              <a:p>
+                <a:pPr marL="0" marR="0" algn="just">
+                  <a:spcBef>
+                    <a:spcPts val="0"/>
+                  </a:spcBef>
+                  <a:spcAft>
+                    <a:spcPts val="0"/>
+                  </a:spcAft>
+                </a:pPr>
+                <a:r>
+                  <a:rPr lang="zh-CN" altLang="en-US" sz="1800" kern="100" dirty="0">
+                    <a:effectLst/>
+                    <a:latin typeface="Times New Roman" panose="02020603050405020304" pitchFamily="18" charset="0"/>
+                    <a:ea typeface="新宋体" panose="02010609030101010101" pitchFamily="49" charset="-122"/>
+                    <a:cs typeface="Times New Roman" panose="02020603050405020304" pitchFamily="18" charset="0"/>
+                  </a:rPr>
+                  <a:t>创建</a:t>
+                </a:r>
+                <a:r>
+                  <a:rPr lang="en-US" altLang="zh-CN" sz="1800" kern="100" dirty="0">
+                    <a:effectLst/>
+                    <a:latin typeface="Times New Roman" panose="02020603050405020304" pitchFamily="18" charset="0"/>
+                    <a:ea typeface="新宋体" panose="02010609030101010101" pitchFamily="49" charset="-122"/>
+                    <a:cs typeface="Times New Roman" panose="02020603050405020304" pitchFamily="18" charset="0"/>
+                  </a:rPr>
+                  <a:t>3</a:t>
+                </a:r>
+                <a:r>
+                  <a:rPr lang="zh-CN" altLang="en-US" sz="1800" kern="100" dirty="0">
+                    <a:effectLst/>
+                    <a:latin typeface="Times New Roman" panose="02020603050405020304" pitchFamily="18" charset="0"/>
+                    <a:ea typeface="新宋体" panose="02010609030101010101" pitchFamily="49" charset="-122"/>
+                    <a:cs typeface="Times New Roman" panose="02020603050405020304" pitchFamily="18" charset="0"/>
+                  </a:rPr>
+                  <a:t>个节点</a:t>
+                </a:r>
+                <a:endParaRPr lang="en-US" altLang="zh-CN" sz="1800" kern="100" dirty="0">
+                  <a:effectLst/>
+                  <a:latin typeface="Times New Roman" panose="02020603050405020304" pitchFamily="18" charset="0"/>
+                  <a:ea typeface="新宋体" panose="02010609030101010101" pitchFamily="49" charset="-122"/>
+                  <a:cs typeface="Times New Roman" panose="02020603050405020304" pitchFamily="18" charset="0"/>
+                </a:endParaRPr>
+              </a:p>
+            </p:txBody>
+          </p:sp>
+          <p:sp>
+            <p:nvSpPr>
+              <p:cNvPr id="37" name="文本框 36">
+                <a:extLst>
+                  <a:ext uri="{FF2B5EF4-FFF2-40B4-BE49-F238E27FC236}">
+                    <a16:creationId xmlns:a16="http://schemas.microsoft.com/office/drawing/2014/main" id="{51DEAA4F-6D52-CDEF-EF08-2A8CB8A9D42A}"/>
+                  </a:ext>
+                </a:extLst>
+              </p:cNvPr>
+              <p:cNvSpPr txBox="1"/>
+              <p:nvPr/>
+            </p:nvSpPr>
+            <p:spPr>
+              <a:xfrm>
+                <a:off x="8883061" y="2419217"/>
+                <a:ext cx="2261302" cy="352495"/>
+              </a:xfrm>
+              <a:prstGeom prst="rect">
+                <a:avLst/>
+              </a:prstGeom>
+              <a:noFill/>
+            </p:spPr>
+            <p:txBody>
+              <a:bodyPr wrap="square">
+                <a:spAutoFit/>
+              </a:bodyPr>
+              <a:lstStyle/>
+              <a:p>
+                <a:pPr marL="0" marR="0" algn="just">
+                  <a:spcBef>
+                    <a:spcPts val="0"/>
+                  </a:spcBef>
+                  <a:spcAft>
+                    <a:spcPts val="0"/>
+                  </a:spcAft>
+                </a:pPr>
+                <a:r>
+                  <a:rPr lang="zh-CN" altLang="en-US" sz="1800" kern="100" dirty="0">
+                    <a:effectLst/>
+                    <a:latin typeface="Times New Roman" panose="02020603050405020304" pitchFamily="18" charset="0"/>
+                    <a:ea typeface="新宋体" panose="02010609030101010101" pitchFamily="49" charset="-122"/>
+                    <a:cs typeface="Times New Roman" panose="02020603050405020304" pitchFamily="18" charset="0"/>
+                  </a:rPr>
+                  <a:t>创建</a:t>
+                </a:r>
+                <a:r>
+                  <a:rPr lang="en-US" altLang="zh-CN" sz="1800" kern="100" dirty="0">
+                    <a:effectLst/>
+                    <a:latin typeface="Times New Roman" panose="02020603050405020304" pitchFamily="18" charset="0"/>
+                    <a:ea typeface="新宋体" panose="02010609030101010101" pitchFamily="49" charset="-122"/>
+                    <a:cs typeface="Times New Roman" panose="02020603050405020304" pitchFamily="18" charset="0"/>
+                  </a:rPr>
+                  <a:t>0</a:t>
+                </a:r>
+                <a:r>
+                  <a:rPr lang="zh-CN" altLang="en-US" sz="1800" kern="100" dirty="0">
+                    <a:effectLst/>
+                    <a:latin typeface="Times New Roman" panose="02020603050405020304" pitchFamily="18" charset="0"/>
+                    <a:ea typeface="新宋体" panose="02010609030101010101" pitchFamily="49" charset="-122"/>
+                    <a:cs typeface="Times New Roman" panose="02020603050405020304" pitchFamily="18" charset="0"/>
+                  </a:rPr>
+                  <a:t>个节点</a:t>
+                </a:r>
+                <a:endParaRPr lang="en-US" altLang="zh-CN" sz="1800" kern="100" dirty="0">
+                  <a:effectLst/>
+                  <a:latin typeface="Times New Roman" panose="02020603050405020304" pitchFamily="18" charset="0"/>
+                  <a:ea typeface="新宋体" panose="02010609030101010101" pitchFamily="49" charset="-122"/>
+                  <a:cs typeface="Times New Roman" panose="02020603050405020304" pitchFamily="18" charset="0"/>
+                </a:endParaRPr>
+              </a:p>
+            </p:txBody>
+          </p:sp>
+        </p:grpSp>
+        <p:sp>
+          <p:nvSpPr>
+            <p:cNvPr id="48" name="文本框 47">
+              <a:extLst>
+                <a:ext uri="{FF2B5EF4-FFF2-40B4-BE49-F238E27FC236}">
+                  <a16:creationId xmlns:a16="http://schemas.microsoft.com/office/drawing/2014/main" id="{7C1060C4-999B-A8EB-7900-F0E56DFADE15}"/>
+                </a:ext>
+              </a:extLst>
+            </p:cNvPr>
+            <p:cNvSpPr txBox="1"/>
+            <p:nvPr/>
+          </p:nvSpPr>
+          <p:spPr>
+            <a:xfrm>
+              <a:off x="180340" y="1392294"/>
+              <a:ext cx="1841500" cy="369332"/>
+            </a:xfrm>
+            <a:prstGeom prst="rect">
+              <a:avLst/>
+            </a:prstGeom>
+            <a:noFill/>
+          </p:spPr>
+          <p:txBody>
+            <a:bodyPr wrap="square">
+              <a:spAutoFit/>
+            </a:bodyPr>
+            <a:lstStyle/>
+            <a:p>
+              <a:r>
+                <a:rPr lang="zh-CN" altLang="en-US" b="1" dirty="0">
+                  <a:sym typeface="+mn-ea"/>
+                </a:rPr>
+                <a:t>学习输入输出</a:t>
+              </a:r>
+              <a:endParaRPr lang="zh-CN" altLang="en-US" b="1" dirty="0"/>
+            </a:p>
+          </p:txBody>
+        </p:sp>
+      </p:grpSp>
+      <p:grpSp>
+        <p:nvGrpSpPr>
+          <p:cNvPr id="56" name="组合 55">
+            <a:extLst>
+              <a:ext uri="{FF2B5EF4-FFF2-40B4-BE49-F238E27FC236}">
+                <a16:creationId xmlns:a16="http://schemas.microsoft.com/office/drawing/2014/main" id="{F708DDC4-E017-1B76-39DF-5021731EC158}"/>
+              </a:ext>
+            </a:extLst>
+          </p:cNvPr>
+          <p:cNvGrpSpPr/>
+          <p:nvPr/>
+        </p:nvGrpSpPr>
+        <p:grpSpPr>
+          <a:xfrm>
+            <a:off x="71917" y="5487393"/>
+            <a:ext cx="11914344" cy="1443878"/>
+            <a:chOff x="71917" y="5782033"/>
+            <a:chExt cx="11914344" cy="1443878"/>
+          </a:xfrm>
+        </p:grpSpPr>
+        <p:grpSp>
+          <p:nvGrpSpPr>
+            <p:cNvPr id="55" name="组合 54">
+              <a:extLst>
+                <a:ext uri="{FF2B5EF4-FFF2-40B4-BE49-F238E27FC236}">
+                  <a16:creationId xmlns:a16="http://schemas.microsoft.com/office/drawing/2014/main" id="{B464D886-CA3A-9154-2570-43BCAD9C3634}"/>
+                </a:ext>
+              </a:extLst>
+            </p:cNvPr>
+            <p:cNvGrpSpPr/>
+            <p:nvPr/>
+          </p:nvGrpSpPr>
+          <p:grpSpPr>
+            <a:xfrm>
+              <a:off x="323511" y="6104173"/>
+              <a:ext cx="11662750" cy="1121738"/>
+              <a:chOff x="323511" y="6104173"/>
+              <a:chExt cx="11662750" cy="1121738"/>
+            </a:xfrm>
+          </p:grpSpPr>
+          <p:sp>
+            <p:nvSpPr>
+              <p:cNvPr id="40" name="文本框 39">
+                <a:extLst>
+                  <a:ext uri="{FF2B5EF4-FFF2-40B4-BE49-F238E27FC236}">
+                    <a16:creationId xmlns:a16="http://schemas.microsoft.com/office/drawing/2014/main" id="{58A1212E-3798-3D66-9483-CCAB789CD965}"/>
+                  </a:ext>
+                </a:extLst>
+              </p:cNvPr>
+              <p:cNvSpPr txBox="1"/>
+              <p:nvPr/>
+            </p:nvSpPr>
+            <p:spPr>
+              <a:xfrm>
+                <a:off x="2445269" y="6104173"/>
+                <a:ext cx="9540992" cy="323165"/>
+              </a:xfrm>
+              <a:prstGeom prst="rect">
+                <a:avLst/>
+              </a:prstGeom>
+              <a:noFill/>
+            </p:spPr>
+            <p:txBody>
+              <a:bodyPr wrap="square">
+                <a:spAutoFit/>
+              </a:bodyPr>
+              <a:lstStyle/>
+              <a:p>
+                <a:r>
+                  <a:rPr lang="en-US" altLang="zh-CN" sz="1500" dirty="0"/>
+                  <a:t>p</a:t>
+                </a:r>
+                <a:r>
+                  <a:rPr lang="zh-CN" altLang="en-US" sz="1500" dirty="0"/>
+                  <a:t>ython local_runner.py sample_tests/</a:t>
+                </a:r>
+                <a:r>
+                  <a:rPr lang="en-US" altLang="zh-CN" sz="1500" dirty="0"/>
+                  <a:t>demo</a:t>
+                </a:r>
+                <a:r>
+                  <a:rPr lang="zh-CN" altLang="en-US" sz="1500" dirty="0"/>
+                  <a:t>.txt sample_tests/</a:t>
+                </a:r>
+                <a:r>
+                  <a:rPr lang="en-US" altLang="zh-CN" sz="1500" dirty="0"/>
+                  <a:t>demo</a:t>
+                </a:r>
+                <a:r>
+                  <a:rPr lang="zh-CN" altLang="en-US" sz="1500" dirty="0"/>
+                  <a:t>_baseline.txt </a:t>
+                </a:r>
+                <a:r>
+                  <a:rPr lang="en-US" altLang="zh-CN" sz="1500" dirty="0"/>
+                  <a:t>--</a:t>
+                </a:r>
+                <a:r>
+                  <a:rPr lang="zh-CN" altLang="en-US" sz="1500" dirty="0"/>
+                  <a:t> python </a:t>
+                </a:r>
+                <a:r>
+                  <a:rPr lang="en-US" altLang="zh-CN" sz="1500" dirty="0"/>
+                  <a:t>test</a:t>
+                </a:r>
+                <a:r>
+                  <a:rPr lang="zh-CN" altLang="en-US" sz="1500" dirty="0"/>
+                  <a:t>.py</a:t>
+                </a:r>
+              </a:p>
+            </p:txBody>
+          </p:sp>
+          <p:sp>
+            <p:nvSpPr>
+              <p:cNvPr id="41" name="文本框 40">
+                <a:extLst>
+                  <a:ext uri="{FF2B5EF4-FFF2-40B4-BE49-F238E27FC236}">
+                    <a16:creationId xmlns:a16="http://schemas.microsoft.com/office/drawing/2014/main" id="{61B85649-2D6F-F2B1-31DB-21334E119C3A}"/>
+                  </a:ext>
+                </a:extLst>
+              </p:cNvPr>
+              <p:cNvSpPr txBox="1"/>
+              <p:nvPr/>
+            </p:nvSpPr>
+            <p:spPr>
+              <a:xfrm>
+                <a:off x="2445268" y="6507567"/>
+                <a:ext cx="9415413" cy="323165"/>
+              </a:xfrm>
+              <a:prstGeom prst="rect">
+                <a:avLst/>
+              </a:prstGeom>
+              <a:noFill/>
+            </p:spPr>
+            <p:txBody>
+              <a:bodyPr wrap="square">
+                <a:spAutoFit/>
+              </a:bodyPr>
+              <a:lstStyle/>
+              <a:p>
+                <a:r>
+                  <a:rPr lang="en-US" altLang="zh-CN" sz="1500" dirty="0"/>
+                  <a:t>python local_runner.py </a:t>
+                </a:r>
+                <a:r>
+                  <a:rPr lang="en-US" altLang="zh-CN" sz="1500" dirty="0" err="1"/>
+                  <a:t>sample_tests</a:t>
+                </a:r>
+                <a:r>
+                  <a:rPr lang="en-US" altLang="zh-CN" sz="1500" dirty="0"/>
+                  <a:t>/demo.txt -- </a:t>
+                </a:r>
+                <a:r>
+                  <a:rPr lang="zh-CN" altLang="en-US" sz="1500" dirty="0"/>
+                  <a:t>python </a:t>
+                </a:r>
+                <a:r>
+                  <a:rPr lang="en-US" altLang="zh-CN" sz="1500" dirty="0"/>
+                  <a:t>test</a:t>
+                </a:r>
+                <a:r>
+                  <a:rPr lang="zh-CN" altLang="en-US" sz="1500" dirty="0"/>
+                  <a:t>.py</a:t>
+                </a:r>
+                <a:endParaRPr lang="en-US" altLang="zh-CN" sz="1500" dirty="0"/>
+              </a:p>
+            </p:txBody>
+          </p:sp>
+          <p:sp>
+            <p:nvSpPr>
+              <p:cNvPr id="42" name="文本框 41">
+                <a:extLst>
+                  <a:ext uri="{FF2B5EF4-FFF2-40B4-BE49-F238E27FC236}">
+                    <a16:creationId xmlns:a16="http://schemas.microsoft.com/office/drawing/2014/main" id="{3CE49BE0-2EF0-AAE4-F7E0-185CA4ECD4C5}"/>
+                  </a:ext>
+                </a:extLst>
+              </p:cNvPr>
+              <p:cNvSpPr txBox="1"/>
+              <p:nvPr/>
+            </p:nvSpPr>
+            <p:spPr>
+              <a:xfrm flipH="1">
+                <a:off x="323511" y="6118926"/>
+                <a:ext cx="2270761" cy="369332"/>
+              </a:xfrm>
+              <a:prstGeom prst="rect">
+                <a:avLst/>
+              </a:prstGeom>
+              <a:noFill/>
+            </p:spPr>
+            <p:txBody>
+              <a:bodyPr wrap="square" rtlCol="0">
+                <a:spAutoFit/>
+              </a:bodyPr>
+              <a:lstStyle/>
+              <a:p>
+                <a:r>
+                  <a:rPr lang="zh-CN" altLang="en-US" dirty="0"/>
+                  <a:t>与</a:t>
+                </a:r>
+                <a:r>
+                  <a:rPr lang="en-US" altLang="zh-CN" dirty="0"/>
+                  <a:t>baseline</a:t>
+                </a:r>
+                <a:r>
+                  <a:rPr lang="zh-CN" altLang="en-US" dirty="0"/>
+                  <a:t>对比执行：</a:t>
+                </a:r>
+              </a:p>
+            </p:txBody>
+          </p:sp>
+          <p:sp>
+            <p:nvSpPr>
+              <p:cNvPr id="43" name="文本框 42">
+                <a:extLst>
+                  <a:ext uri="{FF2B5EF4-FFF2-40B4-BE49-F238E27FC236}">
+                    <a16:creationId xmlns:a16="http://schemas.microsoft.com/office/drawing/2014/main" id="{F2A1ABB9-EECD-28D9-5FBF-293DDDA9A7CD}"/>
+                  </a:ext>
+                </a:extLst>
+              </p:cNvPr>
+              <p:cNvSpPr txBox="1"/>
+              <p:nvPr/>
+            </p:nvSpPr>
+            <p:spPr>
+              <a:xfrm flipH="1">
+                <a:off x="331319" y="6507567"/>
+                <a:ext cx="2270761" cy="369332"/>
+              </a:xfrm>
+              <a:prstGeom prst="rect">
+                <a:avLst/>
+              </a:prstGeom>
+              <a:noFill/>
+            </p:spPr>
+            <p:txBody>
+              <a:bodyPr wrap="square" rtlCol="0">
+                <a:spAutoFit/>
+              </a:bodyPr>
+              <a:lstStyle/>
+              <a:p>
+                <a:r>
+                  <a:rPr lang="zh-CN" altLang="en-US" dirty="0"/>
+                  <a:t>单独执行：</a:t>
+                </a:r>
+              </a:p>
+            </p:txBody>
+          </p:sp>
+          <p:grpSp>
+            <p:nvGrpSpPr>
+              <p:cNvPr id="52" name="组合 51">
+                <a:extLst>
+                  <a:ext uri="{FF2B5EF4-FFF2-40B4-BE49-F238E27FC236}">
+                    <a16:creationId xmlns:a16="http://schemas.microsoft.com/office/drawing/2014/main" id="{B6E94B3B-071C-99D7-18B1-FE7ACBCC6B65}"/>
+                  </a:ext>
+                </a:extLst>
+              </p:cNvPr>
+              <p:cNvGrpSpPr/>
+              <p:nvPr/>
+            </p:nvGrpSpPr>
+            <p:grpSpPr>
+              <a:xfrm>
+                <a:off x="4366260" y="6452864"/>
+                <a:ext cx="1889760" cy="768349"/>
+                <a:chOff x="4366260" y="6361424"/>
+                <a:chExt cx="1889760" cy="768349"/>
+              </a:xfrm>
+            </p:grpSpPr>
+            <p:sp>
+              <p:nvSpPr>
+                <p:cNvPr id="45" name="文本框 44">
+                  <a:extLst>
+                    <a:ext uri="{FF2B5EF4-FFF2-40B4-BE49-F238E27FC236}">
+                      <a16:creationId xmlns:a16="http://schemas.microsoft.com/office/drawing/2014/main" id="{0E8C27BE-A67C-A040-8433-E5CD3B284E84}"/>
+                    </a:ext>
+                  </a:extLst>
+                </p:cNvPr>
+                <p:cNvSpPr txBox="1"/>
+                <p:nvPr/>
+              </p:nvSpPr>
+              <p:spPr>
+                <a:xfrm>
+                  <a:off x="4897716" y="6760441"/>
+                  <a:ext cx="1107996" cy="369332"/>
+                </a:xfrm>
+                <a:prstGeom prst="rect">
+                  <a:avLst/>
+                </a:prstGeom>
+                <a:noFill/>
+              </p:spPr>
+              <p:txBody>
+                <a:bodyPr wrap="none" rtlCol="0">
+                  <a:spAutoFit/>
+                </a:bodyPr>
+                <a:lstStyle/>
+                <a:p>
+                  <a:r>
+                    <a:rPr lang="zh-CN" altLang="en-US" dirty="0"/>
+                    <a:t>测试用例</a:t>
+                  </a:r>
+                </a:p>
+              </p:txBody>
+            </p:sp>
+            <p:sp>
+              <p:nvSpPr>
+                <p:cNvPr id="49" name="矩形 48">
+                  <a:extLst>
+                    <a:ext uri="{FF2B5EF4-FFF2-40B4-BE49-F238E27FC236}">
+                      <a16:creationId xmlns:a16="http://schemas.microsoft.com/office/drawing/2014/main" id="{ACFBE10A-07DE-2A04-0902-9781CA53B33D}"/>
+                    </a:ext>
+                  </a:extLst>
+                </p:cNvPr>
+                <p:cNvSpPr/>
+                <p:nvPr/>
+              </p:nvSpPr>
+              <p:spPr>
+                <a:xfrm>
+                  <a:off x="4366260" y="6361424"/>
+                  <a:ext cx="1889760" cy="399017"/>
+                </a:xfrm>
+                <a:prstGeom prst="rect">
+                  <a:avLst/>
+                </a:prstGeom>
+                <a:noFill/>
+                <a:ln>
+                  <a:solidFill>
+                    <a:srgbClr val="FF0000"/>
+                  </a:solidFill>
+                </a:ln>
+              </p:spPr>
+              <p:style>
+                <a:lnRef idx="2">
+                  <a:schemeClr val="accent1">
+                    <a:shade val="15000"/>
+                  </a:schemeClr>
+                </a:lnRef>
+                <a:fillRef idx="1">
+                  <a:schemeClr val="accent1"/>
+                </a:fillRef>
+                <a:effectRef idx="0">
+                  <a:schemeClr val="accent1"/>
+                </a:effectRef>
+                <a:fontRef idx="minor">
+                  <a:schemeClr val="lt1"/>
+                </a:fontRef>
+              </p:style>
+              <p:txBody>
+                <a:bodyPr rtlCol="0" anchor="ctr"/>
+                <a:lstStyle/>
+                <a:p>
+                  <a:pPr algn="ctr"/>
+                  <a:endParaRPr lang="zh-CN" altLang="en-US"/>
+                </a:p>
+              </p:txBody>
+            </p:sp>
+          </p:grpSp>
+          <p:grpSp>
+            <p:nvGrpSpPr>
+              <p:cNvPr id="51" name="组合 50">
+                <a:extLst>
+                  <a:ext uri="{FF2B5EF4-FFF2-40B4-BE49-F238E27FC236}">
+                    <a16:creationId xmlns:a16="http://schemas.microsoft.com/office/drawing/2014/main" id="{8E793F36-8391-3BA5-5CE8-CE6100CA1AAC}"/>
+                  </a:ext>
+                </a:extLst>
+              </p:cNvPr>
+              <p:cNvGrpSpPr/>
+              <p:nvPr/>
+            </p:nvGrpSpPr>
+            <p:grpSpPr>
+              <a:xfrm>
+                <a:off x="6365236" y="6452864"/>
+                <a:ext cx="2728592" cy="773047"/>
+                <a:chOff x="6365236" y="6361424"/>
+                <a:chExt cx="2728592" cy="773047"/>
+              </a:xfrm>
+            </p:grpSpPr>
+            <p:sp>
+              <p:nvSpPr>
+                <p:cNvPr id="46" name="文本框 45">
+                  <a:extLst>
+                    <a:ext uri="{FF2B5EF4-FFF2-40B4-BE49-F238E27FC236}">
+                      <a16:creationId xmlns:a16="http://schemas.microsoft.com/office/drawing/2014/main" id="{75BB10F4-2669-3B1A-3D2B-75E21100E8D9}"/>
+                    </a:ext>
+                  </a:extLst>
+                </p:cNvPr>
+                <p:cNvSpPr txBox="1"/>
+                <p:nvPr/>
+              </p:nvSpPr>
+              <p:spPr>
+                <a:xfrm>
+                  <a:off x="7302220" y="6765139"/>
+                  <a:ext cx="1107996" cy="369332"/>
+                </a:xfrm>
+                <a:prstGeom prst="rect">
+                  <a:avLst/>
+                </a:prstGeom>
+                <a:noFill/>
+              </p:spPr>
+              <p:txBody>
+                <a:bodyPr wrap="none" rtlCol="0">
+                  <a:spAutoFit/>
+                </a:bodyPr>
+                <a:lstStyle/>
+                <a:p>
+                  <a:r>
+                    <a:rPr lang="zh-CN" altLang="en-US" dirty="0"/>
+                    <a:t>算法脚本</a:t>
+                  </a:r>
+                </a:p>
+              </p:txBody>
+            </p:sp>
+            <p:sp>
+              <p:nvSpPr>
+                <p:cNvPr id="50" name="矩形 49">
+                  <a:extLst>
+                    <a:ext uri="{FF2B5EF4-FFF2-40B4-BE49-F238E27FC236}">
+                      <a16:creationId xmlns:a16="http://schemas.microsoft.com/office/drawing/2014/main" id="{DF3E3501-E686-099C-E7C2-E8306584A963}"/>
+                    </a:ext>
+                  </a:extLst>
+                </p:cNvPr>
+                <p:cNvSpPr/>
+                <p:nvPr/>
+              </p:nvSpPr>
+              <p:spPr>
+                <a:xfrm>
+                  <a:off x="6365236" y="6361424"/>
+                  <a:ext cx="2728592" cy="399017"/>
+                </a:xfrm>
+                <a:prstGeom prst="rect">
+                  <a:avLst/>
+                </a:prstGeom>
+                <a:noFill/>
+                <a:ln>
+                  <a:solidFill>
+                    <a:srgbClr val="FF0000"/>
+                  </a:solidFill>
+                </a:ln>
+              </p:spPr>
+              <p:style>
+                <a:lnRef idx="2">
+                  <a:schemeClr val="accent1">
+                    <a:shade val="15000"/>
+                  </a:schemeClr>
+                </a:lnRef>
+                <a:fillRef idx="1">
+                  <a:schemeClr val="accent1"/>
+                </a:fillRef>
+                <a:effectRef idx="0">
+                  <a:schemeClr val="accent1"/>
+                </a:effectRef>
+                <a:fontRef idx="minor">
+                  <a:schemeClr val="lt1"/>
+                </a:fontRef>
+              </p:style>
+              <p:txBody>
+                <a:bodyPr rtlCol="0" anchor="ctr"/>
+                <a:lstStyle/>
+                <a:p>
+                  <a:pPr algn="ctr"/>
+                  <a:endParaRPr lang="zh-CN" altLang="en-US"/>
+                </a:p>
+              </p:txBody>
+            </p:sp>
+          </p:grpSp>
+        </p:grpSp>
+        <p:sp>
+          <p:nvSpPr>
+            <p:cNvPr id="54" name="文本框 53">
+              <a:extLst>
+                <a:ext uri="{FF2B5EF4-FFF2-40B4-BE49-F238E27FC236}">
+                  <a16:creationId xmlns:a16="http://schemas.microsoft.com/office/drawing/2014/main" id="{C40849AE-0602-97C6-FC7B-DF956B30067D}"/>
+                </a:ext>
+              </a:extLst>
+            </p:cNvPr>
+            <p:cNvSpPr txBox="1"/>
+            <p:nvPr/>
+          </p:nvSpPr>
+          <p:spPr>
+            <a:xfrm>
+              <a:off x="71917" y="5782033"/>
+              <a:ext cx="1841500" cy="369332"/>
+            </a:xfrm>
+            <a:prstGeom prst="rect">
+              <a:avLst/>
+            </a:prstGeom>
+            <a:noFill/>
+          </p:spPr>
+          <p:txBody>
+            <a:bodyPr wrap="square">
+              <a:spAutoFit/>
+            </a:bodyPr>
+            <a:lstStyle/>
+            <a:p>
+              <a:r>
+                <a:rPr lang="zh-CN" altLang="en-US" b="1" dirty="0">
+                  <a:sym typeface="+mn-ea"/>
+                </a:rPr>
+                <a:t>示例程序运行</a:t>
+              </a:r>
+              <a:endParaRPr lang="zh-CN" altLang="en-US" b="1" dirty="0"/>
+            </a:p>
+          </p:txBody>
+        </p:sp>
+      </p:grpSp>
+    </p:spTree>
+  </p:cSld>
+  <p:clrMapOvr>
+    <a:masterClrMapping/>
+  </p:clrMapOvr>
+</p:sld>
+</file>
+
+<file path=ppt/slides/slide4.xml><?xml version="1.0" encoding="utf-8"?>
+<p:sld xmlns:a="http://schemas.openxmlformats.org/drawingml/2006/main" xmlns:r="http://schemas.openxmlformats.org/officeDocument/2006/relationships" xmlns:p="http://schemas.openxmlformats.org/presentationml/2006/main">
+  <p:cSld>
+    <p:spTree>
+      <p:nvGrpSpPr>
+        <p:cNvPr id="1" name="">
+          <a:extLst>
+            <a:ext uri="{FF2B5EF4-FFF2-40B4-BE49-F238E27FC236}">
+              <a16:creationId xmlns:a16="http://schemas.microsoft.com/office/drawing/2014/main" id="{DF220E98-A55F-CC60-04B7-BCFF787E0944}"/>
+            </a:ext>
+          </a:extLst>
+        </p:cNvPr>
+        <p:cNvGrpSpPr/>
+        <p:nvPr/>
+      </p:nvGrpSpPr>
+      <p:grpSpPr>
+        <a:xfrm>
+          <a:off x="0" y="0"/>
+          <a:ext cx="0" cy="0"/>
+          <a:chOff x="0" y="0"/>
+          <a:chExt cx="0" cy="0"/>
+        </a:xfrm>
+      </p:grpSpPr>
+      <p:sp>
+        <p:nvSpPr>
+          <p:cNvPr id="2" name="标题 1">
+            <a:extLst>
+              <a:ext uri="{FF2B5EF4-FFF2-40B4-BE49-F238E27FC236}">
+                <a16:creationId xmlns:a16="http://schemas.microsoft.com/office/drawing/2014/main" id="{27C2A83A-44C0-9BEE-8F2E-34763FD1DDA8}"/>
+              </a:ext>
+            </a:extLst>
+          </p:cNvPr>
+          <p:cNvSpPr>
+            <a:spLocks noGrp="1"/>
+          </p:cNvSpPr>
+          <p:nvPr>
+            <p:ph type="ctrTitle"/>
+          </p:nvPr>
+        </p:nvSpPr>
+        <p:spPr/>
+        <p:txBody>
+          <a:bodyPr/>
+          <a:lstStyle/>
+          <a:p>
+            <a:r>
+              <a:rPr lang="zh-CN" altLang="en-US" dirty="0"/>
+              <a:t>简单思路</a:t>
+            </a:r>
+          </a:p>
+        </p:txBody>
+      </p:sp>
+      <p:sp>
+        <p:nvSpPr>
+          <p:cNvPr id="3" name="副标题 2">
+            <a:extLst>
+              <a:ext uri="{FF2B5EF4-FFF2-40B4-BE49-F238E27FC236}">
+                <a16:creationId xmlns:a16="http://schemas.microsoft.com/office/drawing/2014/main" id="{62892D2E-0BBC-E80E-A6C9-48BA95FDF46A}"/>
+              </a:ext>
+            </a:extLst>
+          </p:cNvPr>
+          <p:cNvSpPr>
+            <a:spLocks noGrp="1"/>
+          </p:cNvSpPr>
+          <p:nvPr>
+            <p:ph type="subTitle" idx="1"/>
+          </p:nvPr>
+        </p:nvSpPr>
+        <p:spPr/>
+        <p:txBody>
+          <a:bodyPr/>
+          <a:lstStyle/>
+          <a:p>
+            <a:r>
+              <a:rPr lang="zh-CN" altLang="en-US" dirty="0"/>
+              <a:t>贪心算法 </a:t>
+            </a:r>
+            <a:r>
+              <a:rPr lang="en-US" altLang="zh-CN" dirty="0"/>
+              <a:t>baseline-</a:t>
+            </a:r>
+            <a:r>
+              <a:rPr lang="en-US" altLang="zh-CN" b="1" dirty="0">
+                <a:solidFill>
+                  <a:srgbClr val="FF0000"/>
+                </a:solidFill>
+              </a:rPr>
+              <a:t>24_02_14_baseline</a:t>
+            </a:r>
+          </a:p>
+        </p:txBody>
+      </p:sp>
+    </p:spTree>
+    <p:extLst>
+      <p:ext uri="{BB962C8B-B14F-4D97-AF65-F5344CB8AC3E}">
+        <p14:creationId xmlns:p14="http://schemas.microsoft.com/office/powerpoint/2010/main" val="2260305462"/>
+      </p:ext>
+    </p:extLst>
+  </p:cSld>
+  <p:clrMapOvr>
+    <a:masterClrMapping/>
+  </p:clrMapOvr>
+</p:sld>
+</file>
+
+<file path=ppt/slides/slide5.xml><?xml version="1.0" encoding="utf-8"?>
+<p:sld xmlns:a="http://schemas.openxmlformats.org/drawingml/2006/main" xmlns:r="http://schemas.openxmlformats.org/officeDocument/2006/relationships" xmlns:p="http://schemas.openxmlformats.org/presentationml/2006/main">
+  <p:cSld>
+    <p:spTree>
+      <p:nvGrpSpPr>
+        <p:cNvPr id="1" name=""/>
+        <p:cNvGrpSpPr/>
+        <p:nvPr/>
+      </p:nvGrpSpPr>
+      <p:grpSpPr>
+        <a:xfrm>
+          <a:off x="0" y="0"/>
+          <a:ext cx="0" cy="0"/>
+          <a:chOff x="0" y="0"/>
+          <a:chExt cx="0" cy="0"/>
+        </a:xfrm>
+      </p:grpSpPr>
+      <p:sp>
+        <p:nvSpPr>
+          <p:cNvPr id="2" name="标题 1">
+            <a:extLst>
+              <a:ext uri="{FF2B5EF4-FFF2-40B4-BE49-F238E27FC236}">
+                <a16:creationId xmlns:a16="http://schemas.microsoft.com/office/drawing/2014/main" id="{98E1BDE1-DAA0-76CA-A955-F51F29A92E95}"/>
+              </a:ext>
+            </a:extLst>
+          </p:cNvPr>
+          <p:cNvSpPr>
+            <a:spLocks noGrp="1"/>
+          </p:cNvSpPr>
+          <p:nvPr>
+            <p:ph type="title"/>
+          </p:nvPr>
+        </p:nvSpPr>
+        <p:spPr/>
+        <p:txBody>
+          <a:bodyPr/>
+          <a:lstStyle/>
+          <a:p>
+            <a:r>
+              <a:rPr lang="en-US" altLang="zh-CN" dirty="0"/>
+              <a:t>K8s</a:t>
+            </a:r>
+            <a:r>
+              <a:rPr lang="zh-CN" altLang="en-US" dirty="0"/>
+              <a:t>基础学习</a:t>
+            </a:r>
+          </a:p>
+        </p:txBody>
+      </p:sp>
+      <p:sp>
+        <p:nvSpPr>
+          <p:cNvPr id="3" name="内容占位符 2">
+            <a:extLst>
+              <a:ext uri="{FF2B5EF4-FFF2-40B4-BE49-F238E27FC236}">
+                <a16:creationId xmlns:a16="http://schemas.microsoft.com/office/drawing/2014/main" id="{F5866915-CCB1-5B73-233B-6D69EC3E982E}"/>
+              </a:ext>
+            </a:extLst>
+          </p:cNvPr>
+          <p:cNvSpPr>
+            <a:spLocks noGrp="1"/>
+          </p:cNvSpPr>
+          <p:nvPr>
+            <p:ph idx="1"/>
+          </p:nvPr>
+        </p:nvSpPr>
+        <p:spPr/>
+        <p:txBody>
+          <a:bodyPr/>
+          <a:lstStyle/>
+          <a:p>
+            <a:r>
+              <a:rPr lang="en-US" altLang="zh-CN" dirty="0"/>
+              <a:t>1. </a:t>
+            </a:r>
+            <a:r>
+              <a:rPr lang="zh-CN" altLang="en-US" dirty="0"/>
+              <a:t>简单了解</a:t>
+            </a:r>
+            <a:r>
+              <a:rPr lang="en-US" altLang="zh-CN" dirty="0"/>
+              <a:t>K8S</a:t>
+            </a:r>
+            <a:r>
+              <a:rPr lang="zh-CN" altLang="en-US" dirty="0"/>
+              <a:t>：</a:t>
+            </a:r>
+            <a:r>
+              <a:rPr lang="en-US" altLang="zh-CN" dirty="0"/>
+              <a:t> https://www.bilibili.com/video/BV1DL4y187cL</a:t>
+            </a:r>
+          </a:p>
+          <a:p>
+            <a:pPr lvl="1"/>
+            <a:r>
+              <a:rPr lang="zh-CN" altLang="en-US" sz="1800" dirty="0"/>
+              <a:t>（</a:t>
+            </a:r>
+            <a:r>
+              <a:rPr lang="en-US" altLang="zh-CN" sz="1800" dirty="0"/>
+              <a:t>1</a:t>
+            </a:r>
+            <a:r>
+              <a:rPr lang="zh-CN" altLang="en-US" sz="1800" dirty="0"/>
+              <a:t>）</a:t>
+            </a:r>
+            <a:r>
+              <a:rPr lang="en-US" altLang="zh-CN" sz="1800" dirty="0"/>
+              <a:t>K8S</a:t>
+            </a:r>
+            <a:r>
+              <a:rPr lang="zh-CN" altLang="en-US" sz="1800" dirty="0"/>
+              <a:t>与</a:t>
+            </a:r>
+            <a:r>
+              <a:rPr lang="en-US" altLang="zh-CN" sz="1800" dirty="0"/>
+              <a:t>Docker</a:t>
+            </a:r>
+            <a:r>
+              <a:rPr lang="zh-CN" altLang="en-US" sz="1800" dirty="0"/>
+              <a:t>的关系：</a:t>
+            </a:r>
+            <a:r>
+              <a:rPr lang="en-US" altLang="zh-CN" sz="1800" dirty="0"/>
+              <a:t>Docker</a:t>
+            </a:r>
+            <a:r>
+              <a:rPr lang="zh-CN" altLang="en-US" sz="1800" dirty="0"/>
+              <a:t>的每个容器即为</a:t>
+            </a:r>
+            <a:r>
+              <a:rPr lang="en-US" altLang="zh-CN" sz="1800" dirty="0"/>
+              <a:t>pod</a:t>
+            </a:r>
+            <a:r>
+              <a:rPr lang="zh-CN" altLang="en-US" sz="1800" dirty="0"/>
+              <a:t>，</a:t>
+            </a:r>
+            <a:r>
+              <a:rPr lang="en-US" altLang="zh-CN" sz="1800" dirty="0"/>
+              <a:t>K8S</a:t>
+            </a:r>
+            <a:r>
+              <a:rPr lang="zh-CN" altLang="en-US" sz="1800" dirty="0"/>
+              <a:t>调度这些到不同的机器节点上。所有的机器节点构成了集群。</a:t>
+            </a:r>
+            <a:endParaRPr lang="en-US" altLang="zh-CN" sz="1800" dirty="0"/>
+          </a:p>
+          <a:p>
+            <a:pPr lvl="1"/>
+            <a:r>
+              <a:rPr lang="zh-CN" altLang="en-US" sz="1800" dirty="0"/>
+              <a:t>（</a:t>
+            </a:r>
+            <a:r>
+              <a:rPr lang="en-US" altLang="zh-CN" sz="1800" dirty="0"/>
+              <a:t>2</a:t>
+            </a:r>
+            <a:r>
+              <a:rPr lang="zh-CN" altLang="en-US" sz="1800" dirty="0"/>
+              <a:t>）</a:t>
+            </a:r>
+            <a:r>
+              <a:rPr lang="en-US" altLang="zh-CN" sz="1800" dirty="0"/>
+              <a:t>K8S</a:t>
+            </a:r>
+            <a:r>
+              <a:rPr lang="zh-CN" altLang="en-US" sz="1800" dirty="0"/>
+              <a:t>的调度即为该问题的解决思路。</a:t>
+            </a:r>
+            <a:endParaRPr lang="en-US" altLang="zh-CN" sz="1800" dirty="0"/>
+          </a:p>
+          <a:p>
+            <a:pPr lvl="1"/>
+            <a:r>
+              <a:rPr lang="zh-CN" altLang="en-US" sz="1800" dirty="0"/>
+              <a:t>（</a:t>
+            </a:r>
+            <a:r>
+              <a:rPr lang="en-US" altLang="zh-CN" sz="1800" dirty="0"/>
+              <a:t>2</a:t>
+            </a:r>
+            <a:r>
+              <a:rPr lang="zh-CN" altLang="en-US" sz="1800" dirty="0"/>
+              <a:t>）使用</a:t>
+            </a:r>
+            <a:r>
+              <a:rPr lang="en-US" altLang="zh-CN" sz="1800" dirty="0" err="1"/>
+              <a:t>minicube</a:t>
+            </a:r>
+            <a:r>
+              <a:rPr lang="zh-CN" altLang="en-US" sz="1800" dirty="0"/>
+              <a:t>模拟集群。</a:t>
+            </a:r>
+            <a:endParaRPr lang="en-US" altLang="zh-CN" sz="1800" dirty="0"/>
+          </a:p>
+          <a:p>
+            <a:r>
+              <a:rPr lang="en-US" altLang="zh-CN" dirty="0"/>
+              <a:t>2. </a:t>
+            </a:r>
+            <a:r>
+              <a:rPr lang="zh-CN" altLang="en-US" dirty="0"/>
+              <a:t>本地家庭版本的</a:t>
+            </a:r>
+            <a:r>
+              <a:rPr lang="en-US" altLang="zh-CN" dirty="0"/>
+              <a:t>windows 11</a:t>
+            </a:r>
+            <a:r>
+              <a:rPr lang="zh-CN" altLang="en-US" dirty="0"/>
+              <a:t>，不好启用</a:t>
+            </a:r>
+            <a:r>
+              <a:rPr lang="en-US" altLang="zh-CN" dirty="0"/>
+              <a:t>docker</a:t>
+            </a:r>
+            <a:r>
+              <a:rPr lang="zh-CN" altLang="en-US" dirty="0"/>
+              <a:t>环境实操</a:t>
+            </a:r>
+            <a:endParaRPr lang="en-US" altLang="zh-CN" dirty="0"/>
+          </a:p>
+          <a:p>
+            <a:pPr lvl="1"/>
+            <a:r>
+              <a:rPr lang="zh-CN" altLang="en-US" sz="1800" dirty="0"/>
+              <a:t>（</a:t>
+            </a:r>
+            <a:r>
+              <a:rPr lang="en-US" altLang="zh-CN" sz="1800" dirty="0"/>
+              <a:t>1</a:t>
+            </a:r>
+            <a:r>
+              <a:rPr lang="zh-CN" altLang="en-US" sz="1800" dirty="0"/>
+              <a:t>）后续及时修改</a:t>
+            </a:r>
+            <a:r>
+              <a:rPr lang="en-US" altLang="zh-CN" sz="1800" dirty="0"/>
+              <a:t>windows 11</a:t>
+            </a:r>
+            <a:r>
+              <a:rPr lang="zh-CN" altLang="en-US" sz="1800" dirty="0"/>
+              <a:t>版本为专业版。</a:t>
+            </a:r>
+            <a:endParaRPr lang="en-US" altLang="zh-CN" sz="1800" dirty="0"/>
+          </a:p>
+          <a:p>
+            <a:pPr lvl="1"/>
+            <a:r>
+              <a:rPr lang="zh-CN" altLang="en-US" sz="1800" dirty="0"/>
+              <a:t>（</a:t>
+            </a:r>
+            <a:r>
+              <a:rPr lang="en-US" altLang="zh-CN" sz="1800" dirty="0"/>
+              <a:t>2</a:t>
+            </a:r>
+            <a:r>
+              <a:rPr lang="zh-CN" altLang="en-US" sz="1800" dirty="0"/>
+              <a:t>）</a:t>
+            </a:r>
+            <a:r>
+              <a:rPr lang="en-US" altLang="zh-CN" sz="1800" dirty="0" err="1"/>
+              <a:t>minicube</a:t>
+            </a:r>
+            <a:r>
+              <a:rPr lang="zh-CN" altLang="en-US" sz="1800" dirty="0"/>
+              <a:t>搞好了，</a:t>
+            </a:r>
+            <a:r>
+              <a:rPr lang="en-US" altLang="zh-CN" sz="1800" dirty="0"/>
+              <a:t>docker</a:t>
+            </a:r>
+            <a:r>
+              <a:rPr lang="zh-CN" altLang="en-US" sz="1800" dirty="0"/>
+              <a:t>没搞好。</a:t>
+            </a:r>
+            <a:endParaRPr lang="en-US" altLang="zh-CN" sz="1800" dirty="0"/>
+          </a:p>
+          <a:p>
+            <a:pPr lvl="1"/>
+            <a:r>
+              <a:rPr lang="zh-CN" altLang="en-US" sz="1800" dirty="0"/>
+              <a:t>（</a:t>
+            </a:r>
+            <a:r>
+              <a:rPr lang="en-US" altLang="zh-CN" sz="1800" dirty="0"/>
+              <a:t>3</a:t>
+            </a:r>
+            <a:r>
+              <a:rPr lang="zh-CN" altLang="en-US" sz="1800" dirty="0"/>
+              <a:t>）暂时不实操了，先了解其中的调度算法。</a:t>
+            </a:r>
+          </a:p>
+        </p:txBody>
+      </p:sp>
+    </p:spTree>
+    <p:extLst>
+      <p:ext uri="{BB962C8B-B14F-4D97-AF65-F5344CB8AC3E}">
+        <p14:creationId xmlns:p14="http://schemas.microsoft.com/office/powerpoint/2010/main" val="1956608245"/>
+      </p:ext>
+    </p:extLst>
+  </p:cSld>
+  <p:clrMapOvr>
+    <a:masterClrMapping/>
+  </p:clrMapOvr>
+</p:sld>
+</file>
+
+<file path=ppt/slides/slide6.xml><?xml version="1.0" encoding="utf-8"?>
+<p:sld xmlns:a="http://schemas.openxmlformats.org/drawingml/2006/main" xmlns:r="http://schemas.openxmlformats.org/officeDocument/2006/relationships" xmlns:p="http://schemas.openxmlformats.org/presentationml/2006/main">
+  <p:cSld>
+    <p:spTree>
+      <p:nvGrpSpPr>
+        <p:cNvPr id="1" name=""/>
+        <p:cNvGrpSpPr/>
+        <p:nvPr/>
+      </p:nvGrpSpPr>
+      <p:grpSpPr>
+        <a:xfrm>
+          <a:off x="0" y="0"/>
+          <a:ext cx="0" cy="0"/>
+          <a:chOff x="0" y="0"/>
+          <a:chExt cx="0" cy="0"/>
+        </a:xfrm>
+      </p:grpSpPr>
+      <p:sp>
+        <p:nvSpPr>
+          <p:cNvPr id="2" name="标题 1">
+            <a:extLst>
+              <a:ext uri="{FF2B5EF4-FFF2-40B4-BE49-F238E27FC236}">
+                <a16:creationId xmlns:a16="http://schemas.microsoft.com/office/drawing/2014/main" id="{CDCFCC30-F316-B1A9-BA59-5A2C8D5B92E5}"/>
+              </a:ext>
+            </a:extLst>
+          </p:cNvPr>
+          <p:cNvSpPr>
+            <a:spLocks noGrp="1"/>
+          </p:cNvSpPr>
+          <p:nvPr>
+            <p:ph type="title"/>
+          </p:nvPr>
+        </p:nvSpPr>
+        <p:spPr/>
+        <p:txBody>
+          <a:bodyPr/>
+          <a:lstStyle/>
+          <a:p>
+            <a:r>
+              <a:rPr lang="en-US" altLang="zh-CN" dirty="0"/>
+              <a:t>K8S</a:t>
+            </a:r>
+            <a:r>
+              <a:rPr lang="zh-CN" altLang="en-US" dirty="0"/>
+              <a:t>调度策略学习</a:t>
+            </a:r>
+          </a:p>
+        </p:txBody>
+      </p:sp>
+      <p:sp>
+        <p:nvSpPr>
+          <p:cNvPr id="3" name="内容占位符 2">
+            <a:extLst>
+              <a:ext uri="{FF2B5EF4-FFF2-40B4-BE49-F238E27FC236}">
+                <a16:creationId xmlns:a16="http://schemas.microsoft.com/office/drawing/2014/main" id="{75FE125B-52F8-6051-4257-648A9F6B7D24}"/>
+              </a:ext>
+            </a:extLst>
+          </p:cNvPr>
+          <p:cNvSpPr>
+            <a:spLocks noGrp="1"/>
+          </p:cNvSpPr>
+          <p:nvPr>
+            <p:ph idx="1"/>
+          </p:nvPr>
+        </p:nvSpPr>
+        <p:spPr/>
+        <p:txBody>
+          <a:bodyPr>
+            <a:normAutofit/>
+          </a:bodyPr>
+          <a:lstStyle/>
+          <a:p>
+            <a:r>
+              <a:rPr lang="en-US" altLang="zh-CN" dirty="0"/>
+              <a:t>1. </a:t>
+            </a:r>
+            <a:r>
+              <a:rPr lang="zh-CN" altLang="en-US" dirty="0"/>
+              <a:t>了解</a:t>
+            </a:r>
+            <a:r>
+              <a:rPr lang="en-US" altLang="zh-CN" dirty="0"/>
+              <a:t>K8S</a:t>
+            </a:r>
+            <a:r>
+              <a:rPr lang="zh-CN" altLang="en-US" dirty="0"/>
+              <a:t>的</a:t>
+            </a:r>
+            <a:r>
+              <a:rPr lang="en-US" altLang="zh-CN" dirty="0"/>
+              <a:t>4</a:t>
+            </a:r>
+            <a:r>
+              <a:rPr lang="zh-CN" altLang="en-US" dirty="0"/>
+              <a:t>类调度：</a:t>
+            </a:r>
+            <a:endParaRPr lang="en-US" altLang="zh-CN" dirty="0"/>
+          </a:p>
+          <a:p>
+            <a:pPr lvl="1"/>
+            <a:r>
+              <a:rPr lang="zh-CN" altLang="en-US" sz="1900" b="1" dirty="0">
+                <a:solidFill>
+                  <a:srgbClr val="FF0000"/>
+                </a:solidFill>
+              </a:rPr>
+              <a:t>（</a:t>
+            </a:r>
+            <a:r>
+              <a:rPr lang="en-US" altLang="zh-CN" sz="1900" b="1" dirty="0">
+                <a:solidFill>
+                  <a:srgbClr val="FF0000"/>
+                </a:solidFill>
+              </a:rPr>
+              <a:t>1</a:t>
+            </a:r>
+            <a:r>
+              <a:rPr lang="zh-CN" altLang="en-US" sz="1900" b="1" dirty="0">
+                <a:solidFill>
+                  <a:srgbClr val="FF0000"/>
+                </a:solidFill>
+              </a:rPr>
+              <a:t>）自动调度：运行在哪个节点上完全由</a:t>
+            </a:r>
+            <a:r>
+              <a:rPr lang="en-US" altLang="zh-CN" sz="1900" b="1" dirty="0">
+                <a:solidFill>
+                  <a:srgbClr val="FF0000"/>
+                </a:solidFill>
+              </a:rPr>
+              <a:t>Scheduler</a:t>
+            </a:r>
+            <a:r>
+              <a:rPr lang="zh-CN" altLang="en-US" sz="1900" b="1" dirty="0">
+                <a:solidFill>
+                  <a:srgbClr val="FF0000"/>
+                </a:solidFill>
+              </a:rPr>
+              <a:t>经过一系列的算法计算得出</a:t>
+            </a:r>
+            <a:endParaRPr lang="en-US" altLang="zh-CN" sz="1900" b="1" dirty="0">
+              <a:solidFill>
+                <a:srgbClr val="FF0000"/>
+              </a:solidFill>
+            </a:endParaRPr>
+          </a:p>
+          <a:p>
+            <a:pPr lvl="1"/>
+            <a:r>
+              <a:rPr lang="zh-CN" altLang="en-US" sz="1900" dirty="0"/>
+              <a:t>（</a:t>
+            </a:r>
+            <a:r>
+              <a:rPr lang="en-US" altLang="zh-CN" sz="1900" dirty="0"/>
+              <a:t>2</a:t>
+            </a:r>
+            <a:r>
+              <a:rPr lang="zh-CN" altLang="en-US" sz="1900" dirty="0"/>
+              <a:t>）定向调度：</a:t>
+            </a:r>
+            <a:r>
+              <a:rPr lang="en-US" altLang="zh-CN" sz="1900" dirty="0" err="1"/>
+              <a:t>NodeName</a:t>
+            </a:r>
+            <a:r>
+              <a:rPr lang="zh-CN" altLang="en-US" sz="1900" dirty="0"/>
+              <a:t>（根据节点名调度）、</a:t>
+            </a:r>
+            <a:r>
+              <a:rPr lang="en-US" altLang="zh-CN" sz="1900" dirty="0" err="1"/>
+              <a:t>NodeSelector</a:t>
+            </a:r>
+            <a:r>
+              <a:rPr lang="zh-CN" altLang="en-US" sz="1900" dirty="0"/>
+              <a:t>（根据标签调度）。</a:t>
+            </a:r>
+            <a:endParaRPr lang="en-US" altLang="zh-CN" sz="1900" dirty="0"/>
+          </a:p>
+          <a:p>
+            <a:pPr lvl="1"/>
+            <a:r>
+              <a:rPr lang="zh-CN" altLang="en-US" sz="1900" dirty="0"/>
+              <a:t>（</a:t>
+            </a:r>
+            <a:r>
+              <a:rPr lang="en-US" altLang="zh-CN" sz="1900" dirty="0"/>
+              <a:t>3</a:t>
+            </a:r>
+            <a:r>
+              <a:rPr lang="zh-CN" altLang="en-US" sz="1900" dirty="0"/>
+              <a:t>）亲和性调度：</a:t>
+            </a:r>
+            <a:r>
+              <a:rPr lang="en-US" altLang="zh-CN" sz="1900" dirty="0" err="1"/>
+              <a:t>NodeAffinity</a:t>
+            </a:r>
+            <a:r>
+              <a:rPr lang="zh-CN" altLang="en-US" sz="1900" dirty="0"/>
+              <a:t>（节点亲和性）、</a:t>
+            </a:r>
+            <a:r>
+              <a:rPr lang="en-US" altLang="zh-CN" sz="1900" dirty="0" err="1"/>
+              <a:t>PodAffinity</a:t>
+            </a:r>
+            <a:r>
+              <a:rPr lang="zh-CN" altLang="en-US" sz="1900" dirty="0"/>
+              <a:t>（</a:t>
+            </a:r>
+            <a:r>
+              <a:rPr lang="en-US" altLang="zh-CN" sz="1900" dirty="0"/>
+              <a:t>Pod</a:t>
+            </a:r>
+            <a:r>
+              <a:rPr lang="zh-CN" altLang="en-US" sz="1900" dirty="0"/>
+              <a:t>亲和性）、</a:t>
+            </a:r>
+            <a:r>
+              <a:rPr lang="en-US" altLang="zh-CN" sz="1900" dirty="0" err="1"/>
+              <a:t>PodAntiAffinity</a:t>
+            </a:r>
+            <a:r>
+              <a:rPr lang="zh-CN" altLang="en-US" sz="1900" dirty="0"/>
+              <a:t>（</a:t>
+            </a:r>
+            <a:r>
+              <a:rPr lang="en-US" altLang="zh-CN" sz="1900" dirty="0"/>
+              <a:t>Pod</a:t>
+            </a:r>
+            <a:r>
+              <a:rPr lang="zh-CN" altLang="en-US" sz="1900" dirty="0"/>
+              <a:t>反亲和性）。</a:t>
+            </a:r>
+            <a:endParaRPr lang="en-US" altLang="zh-CN" sz="1900" dirty="0"/>
+          </a:p>
+          <a:p>
+            <a:pPr lvl="1"/>
+            <a:r>
+              <a:rPr lang="zh-CN" altLang="en-US" sz="1900" dirty="0"/>
+              <a:t>（</a:t>
+            </a:r>
+            <a:r>
+              <a:rPr lang="en-US" altLang="zh-CN" sz="1900" dirty="0"/>
+              <a:t>4</a:t>
+            </a:r>
+            <a:r>
+              <a:rPr lang="zh-CN" altLang="en-US" sz="1900" dirty="0"/>
+              <a:t>）污点（容忍）调度：</a:t>
+            </a:r>
+            <a:r>
+              <a:rPr lang="en-US" altLang="zh-CN" sz="1900" dirty="0"/>
+              <a:t>Taints</a:t>
+            </a:r>
+            <a:r>
+              <a:rPr lang="zh-CN" altLang="en-US" sz="1900" dirty="0"/>
+              <a:t>（</a:t>
+            </a:r>
+            <a:r>
+              <a:rPr lang="en-US" altLang="zh-CN" sz="1900" dirty="0"/>
+              <a:t>node</a:t>
+            </a:r>
+            <a:r>
+              <a:rPr lang="zh-CN" altLang="en-US" sz="1900" dirty="0"/>
+              <a:t>声明有污点）、</a:t>
+            </a:r>
+            <a:r>
+              <a:rPr lang="en-US" altLang="zh-CN" sz="1900" dirty="0"/>
+              <a:t>Toleration</a:t>
+            </a:r>
+            <a:r>
+              <a:rPr lang="zh-CN" altLang="en-US" sz="1900" dirty="0"/>
+              <a:t>（</a:t>
+            </a:r>
+            <a:r>
+              <a:rPr lang="en-US" altLang="zh-CN" sz="1900" dirty="0"/>
+              <a:t>Pod</a:t>
+            </a:r>
+            <a:r>
+              <a:rPr lang="zh-CN" altLang="en-US" sz="1900" dirty="0"/>
+              <a:t>声明容忍污点）。</a:t>
+            </a:r>
+          </a:p>
+          <a:p>
+            <a:r>
+              <a:rPr lang="en-US" altLang="zh-CN" dirty="0"/>
+              <a:t>2. </a:t>
+            </a:r>
+            <a:r>
+              <a:rPr lang="zh-CN" altLang="en-US" dirty="0"/>
+              <a:t>参考：</a:t>
+            </a:r>
+            <a:endParaRPr lang="en-US" altLang="zh-CN" dirty="0"/>
+          </a:p>
+          <a:p>
+            <a:pPr lvl="1"/>
+            <a:r>
+              <a:rPr lang="zh-CN" altLang="en-US" sz="1800" dirty="0"/>
+              <a:t>（</a:t>
+            </a:r>
+            <a:r>
+              <a:rPr lang="en-US" altLang="zh-CN" sz="1800" dirty="0"/>
+              <a:t>1</a:t>
+            </a:r>
+            <a:r>
+              <a:rPr lang="zh-CN" altLang="en-US" sz="1800" dirty="0"/>
+              <a:t>）详述：</a:t>
+            </a:r>
+            <a:r>
+              <a:rPr lang="en-US" altLang="zh-CN" sz="1800" dirty="0"/>
+              <a:t>https://blog.csdn.net/qq_28903377/article/details/124624134</a:t>
+            </a:r>
+          </a:p>
+          <a:p>
+            <a:pPr lvl="1"/>
+            <a:r>
+              <a:rPr lang="zh-CN" altLang="en-US" sz="1800" dirty="0"/>
+              <a:t>（</a:t>
+            </a:r>
+            <a:r>
+              <a:rPr lang="en-US" altLang="zh-CN" sz="1800" dirty="0"/>
+              <a:t>2</a:t>
+            </a:r>
+            <a:r>
+              <a:rPr lang="zh-CN" altLang="en-US" sz="1800" dirty="0"/>
+              <a:t>）兔子交配的例子：</a:t>
+            </a:r>
+            <a:r>
+              <a:rPr lang="en-US" altLang="zh-CN" sz="1800" dirty="0"/>
+              <a:t>https://developer.aliyun.com/article/986018#slide-0</a:t>
+            </a:r>
+            <a:endParaRPr lang="zh-CN" altLang="en-US" sz="1800" dirty="0"/>
+          </a:p>
+        </p:txBody>
+      </p:sp>
+    </p:spTree>
+    <p:extLst>
+      <p:ext uri="{BB962C8B-B14F-4D97-AF65-F5344CB8AC3E}">
+        <p14:creationId xmlns:p14="http://schemas.microsoft.com/office/powerpoint/2010/main" val="3471974419"/>
+      </p:ext>
+    </p:extLst>
+  </p:cSld>
+  <p:clrMapOvr>
+    <a:masterClrMapping/>
+  </p:clrMapOvr>
+</p:sld>
+</file>
+
+<file path=ppt/slides/slide7.xml><?xml version="1.0" encoding="utf-8"?>
+<p:sld xmlns:a="http://schemas.openxmlformats.org/drawingml/2006/main" xmlns:r="http://schemas.openxmlformats.org/officeDocument/2006/relationships" xmlns:p="http://schemas.openxmlformats.org/presentationml/2006/main">
+  <p:cSld>
+    <p:spTree>
+      <p:nvGrpSpPr>
+        <p:cNvPr id="1" name=""/>
+        <p:cNvGrpSpPr/>
+        <p:nvPr/>
+      </p:nvGrpSpPr>
+      <p:grpSpPr>
+        <a:xfrm>
+          <a:off x="0" y="0"/>
+          <a:ext cx="0" cy="0"/>
+          <a:chOff x="0" y="0"/>
+          <a:chExt cx="0" cy="0"/>
+        </a:xfrm>
+      </p:grpSpPr>
+      <p:sp>
+        <p:nvSpPr>
+          <p:cNvPr id="2" name="标题 1">
+            <a:extLst>
+              <a:ext uri="{FF2B5EF4-FFF2-40B4-BE49-F238E27FC236}">
+                <a16:creationId xmlns:a16="http://schemas.microsoft.com/office/drawing/2014/main" id="{4776A46E-1DAF-FB08-4826-FAF5AD2C52B0}"/>
+              </a:ext>
+            </a:extLst>
+          </p:cNvPr>
+          <p:cNvSpPr>
+            <a:spLocks noGrp="1"/>
+          </p:cNvSpPr>
+          <p:nvPr>
+            <p:ph type="title"/>
+          </p:nvPr>
+        </p:nvSpPr>
+        <p:spPr/>
+        <p:txBody>
+          <a:bodyPr/>
+          <a:lstStyle/>
+          <a:p>
+            <a:r>
+              <a:rPr lang="en-US" altLang="zh-CN" dirty="0"/>
+              <a:t>Baseline</a:t>
+            </a:r>
+            <a:r>
+              <a:rPr lang="zh-CN" altLang="en-US" dirty="0"/>
+              <a:t>提交</a:t>
+            </a:r>
+          </a:p>
+        </p:txBody>
+      </p:sp>
+      <p:sp>
+        <p:nvSpPr>
+          <p:cNvPr id="3" name="内容占位符 2">
+            <a:extLst>
+              <a:ext uri="{FF2B5EF4-FFF2-40B4-BE49-F238E27FC236}">
+                <a16:creationId xmlns:a16="http://schemas.microsoft.com/office/drawing/2014/main" id="{08EFC6D3-CBDE-D3AF-B488-6F6425C50864}"/>
+              </a:ext>
+            </a:extLst>
+          </p:cNvPr>
+          <p:cNvSpPr>
+            <a:spLocks noGrp="1"/>
+          </p:cNvSpPr>
+          <p:nvPr>
+            <p:ph idx="1"/>
+          </p:nvPr>
+        </p:nvSpPr>
+        <p:spPr>
+          <a:xfrm>
+            <a:off x="838199" y="1825625"/>
+            <a:ext cx="11265311" cy="4351338"/>
+          </a:xfrm>
+        </p:spPr>
+        <p:txBody>
+          <a:bodyPr>
+            <a:normAutofit/>
+          </a:bodyPr>
+          <a:lstStyle/>
+          <a:p>
+            <a:r>
+              <a:rPr lang="en-US" altLang="zh-CN" dirty="0"/>
+              <a:t>1. </a:t>
+            </a:r>
+            <a:r>
+              <a:rPr lang="zh-CN" altLang="en-US" dirty="0"/>
+              <a:t>简单思路尝试提交，</a:t>
+            </a:r>
+            <a:r>
+              <a:rPr lang="en-US" altLang="zh-CN" dirty="0"/>
+              <a:t>baseline</a:t>
+            </a:r>
+          </a:p>
+          <a:p>
+            <a:pPr lvl="1"/>
+            <a:r>
+              <a:rPr lang="zh-CN" altLang="en-US" dirty="0"/>
+              <a:t>（</a:t>
+            </a:r>
+            <a:r>
+              <a:rPr lang="en-US" altLang="zh-CN" dirty="0"/>
+              <a:t>1</a:t>
+            </a:r>
+            <a:r>
+              <a:rPr lang="zh-CN" altLang="en-US" dirty="0"/>
+              <a:t>）</a:t>
+            </a:r>
+            <a:r>
+              <a:rPr lang="en-US" altLang="zh-CN" dirty="0"/>
+              <a:t>pod</a:t>
+            </a:r>
+            <a:r>
+              <a:rPr lang="zh-CN" altLang="en-US" dirty="0"/>
+              <a:t>调度算法：最佳适应算法，把</a:t>
+            </a:r>
+            <a:r>
+              <a:rPr lang="en-US" altLang="zh-CN" dirty="0"/>
+              <a:t>pod</a:t>
+            </a:r>
+            <a:r>
+              <a:rPr lang="zh-CN" altLang="en-US" dirty="0"/>
+              <a:t>安排到满足要求的资源最小节点上。</a:t>
+            </a:r>
+            <a:endParaRPr lang="en-US" altLang="zh-CN" dirty="0"/>
+          </a:p>
+          <a:p>
+            <a:pPr lvl="1"/>
+            <a:r>
+              <a:rPr lang="zh-CN" altLang="en-US" dirty="0"/>
+              <a:t>（</a:t>
+            </a:r>
+            <a:r>
+              <a:rPr lang="en-US" altLang="zh-CN" dirty="0"/>
+              <a:t>2</a:t>
+            </a:r>
+            <a:r>
+              <a:rPr lang="zh-CN" altLang="en-US" dirty="0"/>
+              <a:t>）节点扩展算法：找到满足要求且价格最低的</a:t>
+            </a:r>
+            <a:r>
+              <a:rPr lang="en-US" altLang="zh-CN" dirty="0"/>
+              <a:t>flavor</a:t>
+            </a:r>
+            <a:r>
+              <a:rPr lang="zh-CN" altLang="en-US" dirty="0"/>
+              <a:t>创建新的节点。</a:t>
+            </a:r>
+            <a:endParaRPr lang="en-US" altLang="zh-CN" dirty="0"/>
+          </a:p>
+          <a:p>
+            <a:r>
+              <a:rPr lang="en-US" altLang="zh-CN" dirty="0"/>
+              <a:t>2. </a:t>
+            </a:r>
+            <a:r>
+              <a:rPr lang="zh-CN" altLang="en-US" dirty="0"/>
+              <a:t>测试</a:t>
+            </a:r>
+            <a:r>
+              <a:rPr lang="en-US" altLang="zh-CN" dirty="0"/>
+              <a:t>00~04.txt</a:t>
+            </a:r>
+            <a:r>
+              <a:rPr lang="zh-CN" altLang="en-US" dirty="0"/>
+              <a:t>，此时相当于</a:t>
+            </a:r>
+            <a:r>
+              <a:rPr lang="en-US" altLang="zh-CN" dirty="0"/>
+              <a:t>baseline</a:t>
+            </a:r>
+          </a:p>
+          <a:p>
+            <a:pPr lvl="1"/>
+            <a:r>
+              <a:rPr lang="zh-CN" altLang="en-US" dirty="0"/>
+              <a:t>（</a:t>
+            </a:r>
+            <a:r>
+              <a:rPr lang="en-US" altLang="zh-CN" dirty="0"/>
+              <a:t>1</a:t>
+            </a:r>
+            <a:r>
+              <a:rPr lang="zh-CN" altLang="en-US" dirty="0"/>
+              <a:t>）计算</a:t>
+            </a:r>
+            <a:r>
+              <a:rPr lang="en-US" altLang="zh-CN" dirty="0"/>
+              <a:t>cost</a:t>
+            </a:r>
+            <a:r>
+              <a:rPr lang="zh-CN" altLang="en-US" dirty="0"/>
+              <a:t>：</a:t>
+            </a:r>
+            <a:r>
+              <a:rPr lang="en-US" altLang="zh-CN" dirty="0"/>
+              <a:t>python local_runner.py </a:t>
+            </a:r>
+            <a:r>
+              <a:rPr lang="en-US" altLang="zh-CN" dirty="0" err="1"/>
+              <a:t>sample_tests</a:t>
+            </a:r>
+            <a:r>
+              <a:rPr lang="en-US" altLang="zh-CN" dirty="0"/>
+              <a:t>/00.txt -- </a:t>
+            </a:r>
+            <a:r>
+              <a:rPr lang="zh-CN" altLang="en-US" dirty="0"/>
+              <a:t>python </a:t>
+            </a:r>
+            <a:r>
+              <a:rPr lang="en-US" altLang="zh-CN" dirty="0"/>
+              <a:t>main.py</a:t>
+            </a:r>
+          </a:p>
+          <a:p>
+            <a:pPr lvl="1"/>
+            <a:r>
+              <a:rPr lang="zh-CN" altLang="en-US" dirty="0"/>
+              <a:t>（</a:t>
+            </a:r>
+            <a:r>
+              <a:rPr lang="en-US" altLang="zh-CN" dirty="0"/>
+              <a:t>2</a:t>
+            </a:r>
+            <a:r>
+              <a:rPr lang="zh-CN" altLang="en-US" dirty="0"/>
+              <a:t>）计算与</a:t>
+            </a:r>
+            <a:r>
+              <a:rPr lang="en-US" altLang="zh-CN" dirty="0"/>
+              <a:t>baseline</a:t>
+            </a:r>
+            <a:r>
+              <a:rPr lang="zh-CN" altLang="en-US" dirty="0"/>
+              <a:t>相比的结果，</a:t>
+            </a:r>
+            <a:r>
+              <a:rPr lang="en-US" altLang="zh-CN" dirty="0"/>
+              <a:t>1000</a:t>
+            </a:r>
+            <a:r>
+              <a:rPr lang="zh-CN" altLang="en-US" dirty="0"/>
+              <a:t>表示相等，：</a:t>
+            </a:r>
+            <a:r>
+              <a:rPr lang="en-US" altLang="zh-CN" dirty="0"/>
+              <a:t>p</a:t>
+            </a:r>
+            <a:r>
+              <a:rPr lang="zh-CN" altLang="en-US" dirty="0"/>
+              <a:t>ython local_runner.py sample_tests/</a:t>
+            </a:r>
+            <a:r>
+              <a:rPr lang="en-US" altLang="zh-CN" dirty="0"/>
+              <a:t>00.txt </a:t>
+            </a:r>
+            <a:r>
+              <a:rPr lang="zh-CN" altLang="en-US" dirty="0"/>
+              <a:t>sample_tests/</a:t>
+            </a:r>
+            <a:r>
+              <a:rPr lang="en-US" altLang="zh-CN" dirty="0"/>
+              <a:t>00</a:t>
+            </a:r>
+            <a:r>
+              <a:rPr lang="zh-CN" altLang="en-US" dirty="0"/>
+              <a:t>_baseline.txt </a:t>
+            </a:r>
+            <a:r>
+              <a:rPr lang="en-US" altLang="zh-CN" dirty="0"/>
+              <a:t>--</a:t>
+            </a:r>
+            <a:r>
+              <a:rPr lang="zh-CN" altLang="en-US" dirty="0"/>
+              <a:t> python </a:t>
+            </a:r>
+            <a:r>
+              <a:rPr lang="en-US" altLang="zh-CN" dirty="0"/>
+              <a:t>main.py </a:t>
+            </a:r>
+          </a:p>
+          <a:p>
+            <a:r>
+              <a:rPr lang="en-US" altLang="zh-CN" dirty="0"/>
+              <a:t>3. </a:t>
+            </a:r>
+            <a:r>
+              <a:rPr lang="zh-CN" altLang="en-US" dirty="0"/>
+              <a:t>提交：部分测试用例超时</a:t>
+            </a:r>
+            <a:endParaRPr lang="en-US" altLang="zh-CN" dirty="0"/>
+          </a:p>
+        </p:txBody>
+      </p:sp>
+      <p:pic>
+        <p:nvPicPr>
+          <p:cNvPr id="5" name="图片 4">
+            <a:extLst>
+              <a:ext uri="{FF2B5EF4-FFF2-40B4-BE49-F238E27FC236}">
+                <a16:creationId xmlns:a16="http://schemas.microsoft.com/office/drawing/2014/main" id="{020D0E4C-0443-EDEB-6E5E-0DBF91349BF5}"/>
+              </a:ext>
+            </a:extLst>
+          </p:cNvPr>
+          <p:cNvPicPr>
+            <a:picLocks noChangeAspect="1"/>
+          </p:cNvPicPr>
+          <p:nvPr/>
+        </p:nvPicPr>
+        <p:blipFill>
+          <a:blip r:embed="rId2"/>
+          <a:stretch>
+            <a:fillRect/>
+          </a:stretch>
+        </p:blipFill>
+        <p:spPr>
+          <a:xfrm>
+            <a:off x="1976600" y="5273670"/>
+            <a:ext cx="8238799" cy="824609"/>
+          </a:xfrm>
+          <a:prstGeom prst="rect">
+            <a:avLst/>
+          </a:prstGeom>
+        </p:spPr>
+      </p:pic>
+    </p:spTree>
+    <p:extLst>
+      <p:ext uri="{BB962C8B-B14F-4D97-AF65-F5344CB8AC3E}">
+        <p14:creationId xmlns:p14="http://schemas.microsoft.com/office/powerpoint/2010/main" val="3100001991"/>
+      </p:ext>
+    </p:extLst>
+  </p:cSld>
+  <p:clrMapOvr>
+    <a:masterClrMapping/>
+  </p:clrMapOvr>
+</p:sld>
+</file>
+
+<file path=ppt/slides/slide8.xml><?xml version="1.0" encoding="utf-8"?>
+<p:sld xmlns:a="http://schemas.openxmlformats.org/drawingml/2006/main" xmlns:r="http://schemas.openxmlformats.org/officeDocument/2006/relationships" xmlns:p="http://schemas.openxmlformats.org/presentationml/2006/main">
+  <p:cSld>
+    <p:spTree>
+      <p:nvGrpSpPr>
+        <p:cNvPr id="1" name=""/>
+        <p:cNvGrpSpPr/>
+        <p:nvPr/>
+      </p:nvGrpSpPr>
+      <p:grpSpPr>
+        <a:xfrm>
+          <a:off x="0" y="0"/>
+          <a:ext cx="0" cy="0"/>
+          <a:chOff x="0" y="0"/>
+          <a:chExt cx="0" cy="0"/>
+        </a:xfrm>
+      </p:grpSpPr>
+      <p:sp>
+        <p:nvSpPr>
+          <p:cNvPr id="2" name="标题 1">
+            <a:extLst>
+              <a:ext uri="{FF2B5EF4-FFF2-40B4-BE49-F238E27FC236}">
+                <a16:creationId xmlns:a16="http://schemas.microsoft.com/office/drawing/2014/main" id="{5AF96EC5-55F7-12D1-A217-E5FA7469F9AC}"/>
+              </a:ext>
+            </a:extLst>
+          </p:cNvPr>
+          <p:cNvSpPr>
+            <a:spLocks noGrp="1"/>
+          </p:cNvSpPr>
+          <p:nvPr>
+            <p:ph type="title"/>
+          </p:nvPr>
+        </p:nvSpPr>
+        <p:spPr/>
+        <p:txBody>
+          <a:bodyPr/>
+          <a:lstStyle/>
+          <a:p>
+            <a:r>
+              <a:rPr lang="zh-CN" altLang="en-US" dirty="0"/>
+              <a:t>可视化调度策略</a:t>
+            </a:r>
+          </a:p>
+        </p:txBody>
+      </p:sp>
+      <p:sp>
+        <p:nvSpPr>
+          <p:cNvPr id="3" name="内容占位符 2">
+            <a:extLst>
+              <a:ext uri="{FF2B5EF4-FFF2-40B4-BE49-F238E27FC236}">
+                <a16:creationId xmlns:a16="http://schemas.microsoft.com/office/drawing/2014/main" id="{75F96CD7-E32C-4F41-A094-FA85FED0319D}"/>
+              </a:ext>
+            </a:extLst>
+          </p:cNvPr>
+          <p:cNvSpPr>
+            <a:spLocks noGrp="1"/>
+          </p:cNvSpPr>
+          <p:nvPr>
+            <p:ph idx="1"/>
+          </p:nvPr>
+        </p:nvSpPr>
+        <p:spPr/>
+        <p:txBody>
+          <a:bodyPr>
+            <a:normAutofit fontScale="92500" lnSpcReduction="20000"/>
+          </a:bodyPr>
+          <a:lstStyle/>
+          <a:p>
+            <a:r>
+              <a:rPr lang="en-US" altLang="zh-CN" dirty="0"/>
+              <a:t>1. logging</a:t>
+            </a:r>
+            <a:r>
+              <a:rPr lang="zh-CN" altLang="en-US" dirty="0"/>
+              <a:t>模块保存日志输出。</a:t>
+            </a:r>
+            <a:endParaRPr lang="en-US" altLang="zh-CN" dirty="0"/>
+          </a:p>
+          <a:p>
+            <a:r>
+              <a:rPr lang="en-US" altLang="zh-CN" dirty="0"/>
+              <a:t>2. </a:t>
+            </a:r>
+            <a:r>
+              <a:rPr lang="zh-CN" altLang="en-US" dirty="0"/>
+              <a:t>使用正则表达式解析日志输出，并可视化。</a:t>
+            </a:r>
+            <a:endParaRPr lang="en-US" altLang="zh-CN" dirty="0"/>
+          </a:p>
+          <a:p>
+            <a:pPr lvl="1"/>
+            <a:r>
+              <a:rPr lang="zh-CN" altLang="en-US" dirty="0"/>
+              <a:t>（</a:t>
+            </a:r>
+            <a:r>
+              <a:rPr lang="en-US" altLang="zh-CN" dirty="0"/>
+              <a:t>1</a:t>
+            </a:r>
+            <a:r>
+              <a:rPr lang="zh-CN" altLang="en-US" dirty="0"/>
+              <a:t>）可以随着</a:t>
+            </a:r>
+            <a:r>
+              <a:rPr lang="en-US" altLang="zh-CN" dirty="0"/>
+              <a:t>timestamp</a:t>
+            </a:r>
+            <a:r>
+              <a:rPr lang="zh-CN" altLang="en-US" dirty="0"/>
+              <a:t>变化的资源占用情况，百分比。</a:t>
+            </a:r>
+            <a:endParaRPr lang="en-US" altLang="zh-CN" dirty="0"/>
+          </a:p>
+          <a:p>
+            <a:pPr lvl="1"/>
+            <a:r>
+              <a:rPr lang="zh-CN" altLang="en-US" dirty="0"/>
+              <a:t>（</a:t>
+            </a:r>
+            <a:r>
+              <a:rPr lang="en-US" altLang="zh-CN" dirty="0"/>
+              <a:t>2</a:t>
+            </a:r>
+            <a:r>
+              <a:rPr lang="zh-CN" altLang="en-US" dirty="0"/>
+              <a:t>）看到是</a:t>
+            </a:r>
+            <a:r>
+              <a:rPr lang="en-US" altLang="zh-CN" dirty="0"/>
+              <a:t>CPU</a:t>
+            </a:r>
+            <a:r>
+              <a:rPr lang="zh-CN" altLang="en-US" dirty="0"/>
+              <a:t>比例大还是内存比例大。</a:t>
+            </a:r>
+            <a:endParaRPr lang="en-US" altLang="zh-CN" dirty="0"/>
+          </a:p>
+          <a:p>
+            <a:pPr lvl="1"/>
+            <a:r>
+              <a:rPr lang="zh-CN" altLang="en-US" dirty="0"/>
+              <a:t>（</a:t>
+            </a:r>
+            <a:r>
+              <a:rPr lang="en-US" altLang="zh-CN" dirty="0"/>
+              <a:t>3</a:t>
+            </a:r>
+            <a:r>
+              <a:rPr lang="zh-CN" altLang="en-US" dirty="0"/>
+              <a:t>）具体节点</a:t>
+            </a:r>
+            <a:r>
+              <a:rPr lang="zh-CN" altLang="en-US" b="1" dirty="0"/>
+              <a:t>内部</a:t>
+            </a:r>
+            <a:r>
+              <a:rPr lang="en-US" altLang="zh-CN" b="1" dirty="0"/>
+              <a:t>pod</a:t>
+            </a:r>
+            <a:r>
+              <a:rPr lang="zh-CN" altLang="en-US" b="1" dirty="0"/>
+              <a:t>的可视化方式后续再加上去</a:t>
+            </a:r>
+            <a:r>
+              <a:rPr lang="zh-CN" altLang="en-US" dirty="0"/>
+              <a:t>。</a:t>
+            </a:r>
+            <a:endParaRPr lang="en-US" altLang="zh-CN" dirty="0"/>
+          </a:p>
+          <a:p>
+            <a:r>
+              <a:rPr lang="en-US" altLang="zh-CN" dirty="0"/>
+              <a:t>3. </a:t>
+            </a:r>
+            <a:r>
+              <a:rPr lang="zh-CN" altLang="en-US" dirty="0"/>
+              <a:t>寻找几个测试用例</a:t>
+            </a:r>
+            <a:r>
+              <a:rPr lang="en-US" altLang="zh-CN" dirty="0" err="1"/>
+              <a:t>sample_tests</a:t>
+            </a:r>
+            <a:endParaRPr lang="en-US" altLang="zh-CN" dirty="0"/>
+          </a:p>
+          <a:p>
+            <a:pPr lvl="1"/>
+            <a:r>
+              <a:rPr lang="zh-CN" altLang="en-US" dirty="0"/>
+              <a:t>（</a:t>
+            </a:r>
+            <a:r>
+              <a:rPr lang="en-US" altLang="zh-CN" dirty="0"/>
+              <a:t>1</a:t>
+            </a:r>
+            <a:r>
+              <a:rPr lang="zh-CN" altLang="en-US" dirty="0"/>
+              <a:t>）</a:t>
+            </a:r>
+            <a:r>
+              <a:rPr lang="en-US" altLang="zh-CN" dirty="0"/>
+              <a:t>demo.txt</a:t>
+            </a:r>
+            <a:r>
+              <a:rPr lang="zh-CN" altLang="en-US" dirty="0"/>
+              <a:t>：</a:t>
+            </a:r>
+            <a:r>
+              <a:rPr lang="en-US" altLang="zh-CN" dirty="0"/>
+              <a:t>pdf</a:t>
+            </a:r>
+            <a:r>
+              <a:rPr lang="zh-CN" altLang="en-US" dirty="0"/>
+              <a:t>文档中的例子</a:t>
+            </a:r>
+            <a:endParaRPr lang="en-US" altLang="zh-CN" dirty="0"/>
+          </a:p>
+          <a:p>
+            <a:pPr lvl="1"/>
+            <a:r>
+              <a:rPr lang="zh-CN" altLang="en-US" dirty="0"/>
+              <a:t>（</a:t>
+            </a:r>
+            <a:r>
+              <a:rPr lang="en-US" altLang="zh-CN" dirty="0"/>
+              <a:t>2</a:t>
+            </a:r>
+            <a:r>
+              <a:rPr lang="zh-CN" altLang="en-US" dirty="0"/>
+              <a:t>）</a:t>
+            </a:r>
+            <a:r>
+              <a:rPr lang="en-US" altLang="zh-CN" dirty="0"/>
+              <a:t>00_head20.txt</a:t>
+            </a:r>
+            <a:r>
+              <a:rPr lang="zh-CN" altLang="en-US" dirty="0"/>
+              <a:t>：大规模，</a:t>
+            </a:r>
+            <a:r>
+              <a:rPr lang="en-US" altLang="zh-CN" dirty="0"/>
+              <a:t>00</a:t>
+            </a:r>
+            <a:r>
+              <a:rPr lang="zh-CN" altLang="en-US" dirty="0"/>
+              <a:t>的前</a:t>
+            </a:r>
+            <a:r>
+              <a:rPr lang="en-US" altLang="zh-CN" dirty="0"/>
+              <a:t>20</a:t>
+            </a:r>
+            <a:r>
+              <a:rPr lang="zh-CN" altLang="en-US" dirty="0"/>
+              <a:t>次请求，密集创建，密集删除</a:t>
+            </a:r>
+            <a:endParaRPr lang="en-US" altLang="zh-CN" dirty="0"/>
+          </a:p>
+          <a:p>
+            <a:pPr lvl="1"/>
+            <a:r>
+              <a:rPr lang="zh-CN" altLang="en-US" dirty="0"/>
+              <a:t>（</a:t>
+            </a:r>
+            <a:r>
+              <a:rPr lang="en-US" altLang="zh-CN" dirty="0"/>
+              <a:t>3</a:t>
+            </a:r>
+            <a:r>
+              <a:rPr lang="zh-CN" altLang="en-US" dirty="0"/>
+              <a:t>）</a:t>
+            </a:r>
+            <a:r>
+              <a:rPr lang="en-US" altLang="zh-CN" dirty="0"/>
+              <a:t>01_head20.txt</a:t>
+            </a:r>
+            <a:r>
+              <a:rPr lang="zh-CN" altLang="en-US" dirty="0"/>
+              <a:t>：大规模，</a:t>
+            </a:r>
+            <a:r>
+              <a:rPr lang="en-US" altLang="zh-CN" dirty="0"/>
+              <a:t>01</a:t>
+            </a:r>
+            <a:r>
+              <a:rPr lang="zh-CN" altLang="en-US" dirty="0"/>
+              <a:t>的前</a:t>
+            </a:r>
+            <a:r>
+              <a:rPr lang="en-US" altLang="zh-CN" dirty="0"/>
+              <a:t>100</a:t>
+            </a:r>
+            <a:r>
+              <a:rPr lang="zh-CN" altLang="en-US" dirty="0"/>
+              <a:t>次请求，密集创建，创建与删除交错</a:t>
+            </a:r>
+            <a:endParaRPr lang="en-US" altLang="zh-CN" dirty="0"/>
+          </a:p>
+          <a:p>
+            <a:pPr lvl="1"/>
+            <a:r>
+              <a:rPr lang="zh-CN" altLang="en-US" dirty="0"/>
+              <a:t>（</a:t>
+            </a:r>
+            <a:r>
+              <a:rPr lang="en-US" altLang="zh-CN" dirty="0"/>
+              <a:t>4</a:t>
+            </a:r>
+            <a:r>
+              <a:rPr lang="zh-CN" altLang="en-US" dirty="0"/>
+              <a:t>）</a:t>
+            </a:r>
+            <a:r>
+              <a:rPr lang="en-US" altLang="zh-CN" dirty="0"/>
+              <a:t>02_head20.txt</a:t>
+            </a:r>
+            <a:r>
+              <a:rPr lang="zh-CN" altLang="en-US" dirty="0"/>
+              <a:t>：大规模，</a:t>
+            </a:r>
+            <a:r>
+              <a:rPr lang="en-US" altLang="zh-CN" dirty="0"/>
+              <a:t>02</a:t>
+            </a:r>
+            <a:r>
+              <a:rPr lang="zh-CN" altLang="en-US" dirty="0"/>
+              <a:t>的前</a:t>
+            </a:r>
+            <a:r>
+              <a:rPr lang="en-US" altLang="zh-CN" dirty="0"/>
+              <a:t>100</a:t>
+            </a:r>
+            <a:r>
+              <a:rPr lang="zh-CN" altLang="en-US" dirty="0"/>
+              <a:t>次请求，太</a:t>
+            </a:r>
+            <a:r>
+              <a:rPr lang="zh-CN" altLang="en-US"/>
+              <a:t>大了（无法可视化），丢弃。</a:t>
+            </a:r>
+            <a:endParaRPr lang="en-US" altLang="zh-CN" dirty="0"/>
+          </a:p>
+          <a:p>
+            <a:pPr lvl="1"/>
+            <a:r>
+              <a:rPr lang="zh-CN" altLang="en-US" dirty="0"/>
+              <a:t>（</a:t>
+            </a:r>
+            <a:r>
+              <a:rPr lang="en-US" altLang="zh-CN" dirty="0"/>
+              <a:t>5</a:t>
+            </a:r>
+            <a:r>
+              <a:rPr lang="zh-CN" altLang="en-US" dirty="0"/>
+              <a:t>）</a:t>
+            </a:r>
+            <a:r>
+              <a:rPr lang="en-US" altLang="zh-CN" dirty="0"/>
+              <a:t>03_head20.txt</a:t>
+            </a:r>
+            <a:r>
+              <a:rPr lang="zh-CN" altLang="en-US" dirty="0"/>
+              <a:t>：小规模，</a:t>
+            </a:r>
+            <a:r>
+              <a:rPr lang="en-US" altLang="zh-CN" dirty="0"/>
+              <a:t>03</a:t>
+            </a:r>
+            <a:r>
+              <a:rPr lang="zh-CN" altLang="en-US" dirty="0"/>
+              <a:t>的前</a:t>
+            </a:r>
+            <a:r>
+              <a:rPr lang="en-US" altLang="zh-CN" dirty="0"/>
+              <a:t>20</a:t>
+            </a:r>
+            <a:r>
+              <a:rPr lang="zh-CN" altLang="en-US" dirty="0"/>
+              <a:t>次请求，创建与删除交错</a:t>
+            </a:r>
+            <a:endParaRPr lang="en-US" altLang="zh-CN" dirty="0"/>
+          </a:p>
+          <a:p>
+            <a:r>
+              <a:rPr lang="en-US" altLang="zh-CN" dirty="0"/>
+              <a:t>4. </a:t>
+            </a:r>
+            <a:r>
+              <a:rPr lang="zh-CN" altLang="en-US" dirty="0"/>
+              <a:t>保存代码，日志，可视化结果到</a:t>
+            </a:r>
+            <a:r>
+              <a:rPr lang="en-US" altLang="zh-CN" b="1" dirty="0">
+                <a:solidFill>
+                  <a:srgbClr val="FF0000"/>
+                </a:solidFill>
+              </a:rPr>
+              <a:t>24_02_14_baseline</a:t>
+            </a:r>
+            <a:r>
+              <a:rPr lang="zh-CN" altLang="en-US" dirty="0"/>
+              <a:t>中</a:t>
+            </a:r>
+          </a:p>
+        </p:txBody>
+      </p:sp>
+      <p:pic>
+        <p:nvPicPr>
+          <p:cNvPr id="5" name="图片 4">
+            <a:extLst>
+              <a:ext uri="{FF2B5EF4-FFF2-40B4-BE49-F238E27FC236}">
+                <a16:creationId xmlns:a16="http://schemas.microsoft.com/office/drawing/2014/main" id="{E7E04CE7-B48A-0E54-C4DE-2F6077827AEA}"/>
+              </a:ext>
+            </a:extLst>
+          </p:cNvPr>
+          <p:cNvPicPr>
+            <a:picLocks noChangeAspect="1"/>
+          </p:cNvPicPr>
+          <p:nvPr/>
+        </p:nvPicPr>
+        <p:blipFill>
+          <a:blip r:embed="rId2"/>
+          <a:stretch>
+            <a:fillRect/>
+          </a:stretch>
+        </p:blipFill>
+        <p:spPr>
+          <a:xfrm>
+            <a:off x="9653270" y="1294924"/>
+            <a:ext cx="2762250" cy="2762250"/>
+          </a:xfrm>
+          <a:prstGeom prst="rect">
+            <a:avLst/>
+          </a:prstGeom>
+          <a:ln>
+            <a:solidFill>
+              <a:schemeClr val="tx1"/>
+            </a:solidFill>
+          </a:ln>
+        </p:spPr>
+      </p:pic>
+      <p:cxnSp>
+        <p:nvCxnSpPr>
+          <p:cNvPr id="7" name="直接箭头连接符 6">
+            <a:extLst>
+              <a:ext uri="{FF2B5EF4-FFF2-40B4-BE49-F238E27FC236}">
+                <a16:creationId xmlns:a16="http://schemas.microsoft.com/office/drawing/2014/main" id="{12800460-C210-B946-580F-D56786A251FB}"/>
+              </a:ext>
+            </a:extLst>
+          </p:cNvPr>
+          <p:cNvCxnSpPr>
+            <a:cxnSpLocks/>
+            <a:endCxn id="5" idx="1"/>
+          </p:cNvCxnSpPr>
+          <p:nvPr/>
+        </p:nvCxnSpPr>
+        <p:spPr>
+          <a:xfrm flipV="1">
+            <a:off x="6471920" y="2676049"/>
+            <a:ext cx="3181350" cy="915511"/>
+          </a:xfrm>
+          <a:prstGeom prst="straightConnector1">
+            <a:avLst/>
+          </a:prstGeom>
+          <a:ln>
+            <a:tailEnd type="triangle"/>
+          </a:ln>
+        </p:spPr>
+        <p:style>
+          <a:lnRef idx="1">
+            <a:schemeClr val="accent1"/>
+          </a:lnRef>
+          <a:fillRef idx="0">
+            <a:schemeClr val="accent1"/>
+          </a:fillRef>
+          <a:effectRef idx="0">
+            <a:schemeClr val="accent1"/>
+          </a:effectRef>
+          <a:fontRef idx="minor">
+            <a:schemeClr val="tx1"/>
+          </a:fontRef>
+        </p:style>
+      </p:cxnSp>
+    </p:spTree>
+    <p:extLst>
+      <p:ext uri="{BB962C8B-B14F-4D97-AF65-F5344CB8AC3E}">
+        <p14:creationId xmlns:p14="http://schemas.microsoft.com/office/powerpoint/2010/main" val="3209862966"/>
+      </p:ext>
+    </p:extLst>
+  </p:cSld>
+  <p:clrMapOvr>
+    <a:masterClrMapping/>
+  </p:clrMapOvr>
+</p:sld>
+</file>
+
+<file path=ppt/slides/slide9.xml><?xml version="1.0" encoding="utf-8"?>
+<p:sld xmlns:a="http://schemas.openxmlformats.org/drawingml/2006/main" xmlns:r="http://schemas.openxmlformats.org/officeDocument/2006/relationships" xmlns:p="http://schemas.openxmlformats.org/presentationml/2006/main">
+  <p:cSld>
+    <p:spTree>
+      <p:nvGrpSpPr>
+        <p:cNvPr id="1" name="">
+          <a:extLst>
+            <a:ext uri="{FF2B5EF4-FFF2-40B4-BE49-F238E27FC236}">
+              <a16:creationId xmlns:a16="http://schemas.microsoft.com/office/drawing/2014/main" id="{9EFCCC60-4B13-E411-3C23-F0264D39B40E}"/>
+            </a:ext>
+          </a:extLst>
+        </p:cNvPr>
+        <p:cNvGrpSpPr/>
+        <p:nvPr/>
+      </p:nvGrpSpPr>
+      <p:grpSpPr>
+        <a:xfrm>
+          <a:off x="0" y="0"/>
+          <a:ext cx="0" cy="0"/>
+          <a:chOff x="0" y="0"/>
+          <a:chExt cx="0" cy="0"/>
+        </a:xfrm>
+      </p:grpSpPr>
+      <p:sp>
+        <p:nvSpPr>
+          <p:cNvPr id="2" name="标题 1">
+            <a:extLst>
+              <a:ext uri="{FF2B5EF4-FFF2-40B4-BE49-F238E27FC236}">
+                <a16:creationId xmlns:a16="http://schemas.microsoft.com/office/drawing/2014/main" id="{E4EDBDB5-E6F3-02F1-E132-39198B29D31C}"/>
+              </a:ext>
+            </a:extLst>
+          </p:cNvPr>
+          <p:cNvSpPr>
+            <a:spLocks noGrp="1"/>
+          </p:cNvSpPr>
+          <p:nvPr>
+            <p:ph type="ctrTitle"/>
+          </p:nvPr>
+        </p:nvSpPr>
+        <p:spPr/>
+        <p:txBody>
+          <a:bodyPr/>
+          <a:lstStyle/>
+          <a:p>
+            <a:r>
+              <a:rPr lang="zh-CN" altLang="en-US" dirty="0"/>
+              <a:t>解决超时问题</a:t>
+            </a:r>
+          </a:p>
+        </p:txBody>
+      </p:sp>
+      <p:sp>
+        <p:nvSpPr>
+          <p:cNvPr id="3" name="副标题 2">
+            <a:extLst>
+              <a:ext uri="{FF2B5EF4-FFF2-40B4-BE49-F238E27FC236}">
+                <a16:creationId xmlns:a16="http://schemas.microsoft.com/office/drawing/2014/main" id="{8E057C4D-C72A-4A71-43D8-7993B80C6452}"/>
+              </a:ext>
+            </a:extLst>
+          </p:cNvPr>
+          <p:cNvSpPr>
+            <a:spLocks noGrp="1"/>
+          </p:cNvSpPr>
+          <p:nvPr>
+            <p:ph type="subTitle" idx="1"/>
+          </p:nvPr>
+        </p:nvSpPr>
+        <p:spPr/>
+        <p:txBody>
+          <a:bodyPr/>
+          <a:lstStyle/>
+          <a:p>
+            <a:r>
+              <a:rPr lang="zh-CN" altLang="en-US" dirty="0"/>
+              <a:t>贪心算法 </a:t>
+            </a:r>
+            <a:r>
+              <a:rPr lang="en-US" altLang="zh-CN" dirty="0"/>
+              <a:t>baseline</a:t>
+            </a:r>
+          </a:p>
+        </p:txBody>
+      </p:sp>
+    </p:spTree>
+    <p:extLst>
+      <p:ext uri="{BB962C8B-B14F-4D97-AF65-F5344CB8AC3E}">
+        <p14:creationId xmlns:p14="http://schemas.microsoft.com/office/powerpoint/2010/main" val="902524906"/>
+      </p:ext>
+    </p:extLst>
+  </p:cSld>
+  <p:clrMapOvr>
+    <a:masterClrMapping/>
+  </p:clrMapOvr>
+</p:sld>
+</file>
+
 <file path=ppt/tags/tag1.xml><?xml version="1.0" encoding="utf-8"?>
-<p:tagLst xmlns:p="http://schemas.openxmlformats.org/presentationml/2006/main">
-  <p:tag name="commondata" val="eyJoZGlkIjoiMzEwNTM5NzYwMDRjMzkwZTVkZjY2ODkwMGIxNGU0OTUifQ=="/>
+<p:tagLst xmlns:a="http://schemas.openxmlformats.org/drawingml/2006/main" xmlns:r="http://schemas.openxmlformats.org/officeDocument/2006/relationships" xmlns:p="http://schemas.openxmlformats.org/presentationml/2006/main">
+  <p:tag name="COMMONDATA" val="eyJoZGlkIjoiMzEwNTM5NzYwMDRjMzkwZTVkZjY2ODkwMGIxNGU0OTUifQ=="/>
+</p:tagLst>
+</file>
+
+<file path=ppt/tags/tag2.xml><?xml version="1.0" encoding="utf-8"?>
+<p:tagLst xmlns:a="http://schemas.openxmlformats.org/drawingml/2006/main" xmlns:r="http://schemas.openxmlformats.org/officeDocument/2006/relationships" xmlns:p="http://schemas.openxmlformats.org/presentationml/2006/main">
+  <p:tag name="KSO_WM_BEAUTIFY_FLAG" val=""/>
 </p:tagLst>
 </file>
 
@@ -3344,6 +7269,8 @@
       </a:bgFillStyleLst>
     </a:fmtScheme>
   </a:themeElements>
+  <a:objectDefaults/>
+  <a:extraClrSchemeLst/>
   <a:extLst>
     <a:ext uri="{05A4C25C-085E-4340-85A3-A5531E510DB2}">
       <thm15:themeFamily xmlns:thm15="http://schemas.microsoft.com/office/thememl/2012/main" name="Office Theme" id="{62F939B6-93AF-4DB8-9C6B-D6C7DFDC589F}" vid="{4A3C46E8-61CC-4603-A589-7422A47A8E4A}"/>

--- a/huawei/4_ESC/日志记录.pptx
+++ b/huawei/4_ESC/日志记录.pptx
@@ -4,6 +4,9 @@
   <p:sldMasterIdLst>
     <p:sldMasterId id="2147483648" r:id="rId1"/>
   </p:sldMasterIdLst>
+  <p:notesMasterIdLst>
+    <p:notesMasterId r:id="rId14"/>
+  </p:notesMasterIdLst>
   <p:sldIdLst>
     <p:sldId id="256" r:id="rId2"/>
     <p:sldId id="257" r:id="rId3"/>
@@ -15,11 +18,13 @@
     <p:sldId id="265" r:id="rId9"/>
     <p:sldId id="264" r:id="rId10"/>
     <p:sldId id="263" r:id="rId11"/>
+    <p:sldId id="266" r:id="rId12"/>
+    <p:sldId id="267" r:id="rId13"/>
   </p:sldIdLst>
   <p:sldSz cx="12192000" cy="6858000"/>
   <p:notesSz cx="6858000" cy="9144000"/>
   <p:custDataLst>
-    <p:tags r:id="rId12"/>
+    <p:tags r:id="rId15"/>
   </p:custDataLst>
   <p:defaultTextStyle>
     <a:defPPr>
@@ -124,6 +129,443 @@
 </p:presentation>
 </file>
 
+<file path=ppt/notesMasters/notesMaster1.xml><?xml version="1.0" encoding="utf-8"?>
+<p:notesMaster xmlns:a="http://schemas.openxmlformats.org/drawingml/2006/main" xmlns:r="http://schemas.openxmlformats.org/officeDocument/2006/relationships" xmlns:p="http://schemas.openxmlformats.org/presentationml/2006/main">
+  <p:cSld>
+    <p:bg>
+      <p:bgRef idx="1001">
+        <a:schemeClr val="bg1"/>
+      </p:bgRef>
+    </p:bg>
+    <p:spTree>
+      <p:nvGrpSpPr>
+        <p:cNvPr id="1" name=""/>
+        <p:cNvGrpSpPr/>
+        <p:nvPr/>
+      </p:nvGrpSpPr>
+      <p:grpSpPr>
+        <a:xfrm>
+          <a:off x="0" y="0"/>
+          <a:ext cx="0" cy="0"/>
+          <a:chOff x="0" y="0"/>
+          <a:chExt cx="0" cy="0"/>
+        </a:xfrm>
+      </p:grpSpPr>
+      <p:sp>
+        <p:nvSpPr>
+          <p:cNvPr id="2" name="页眉占位符 1"/>
+          <p:cNvSpPr>
+            <a:spLocks noGrp="1"/>
+          </p:cNvSpPr>
+          <p:nvPr>
+            <p:ph type="hdr" sz="quarter"/>
+          </p:nvPr>
+        </p:nvSpPr>
+        <p:spPr>
+          <a:xfrm>
+            <a:off x="0" y="0"/>
+            <a:ext cx="2971800" cy="458788"/>
+          </a:xfrm>
+          <a:prstGeom prst="rect">
+            <a:avLst/>
+          </a:prstGeom>
+        </p:spPr>
+        <p:txBody>
+          <a:bodyPr vert="horz" lIns="91440" tIns="45720" rIns="91440" bIns="45720" rtlCol="0"/>
+          <a:lstStyle>
+            <a:lvl1pPr algn="l">
+              <a:defRPr sz="1200"/>
+            </a:lvl1pPr>
+          </a:lstStyle>
+          <a:p>
+            <a:endParaRPr lang="zh-CN" altLang="en-US"/>
+          </a:p>
+        </p:txBody>
+      </p:sp>
+      <p:sp>
+        <p:nvSpPr>
+          <p:cNvPr id="3" name="日期占位符 2"/>
+          <p:cNvSpPr>
+            <a:spLocks noGrp="1"/>
+          </p:cNvSpPr>
+          <p:nvPr>
+            <p:ph type="dt" idx="1"/>
+          </p:nvPr>
+        </p:nvSpPr>
+        <p:spPr>
+          <a:xfrm>
+            <a:off x="3884613" y="0"/>
+            <a:ext cx="2971800" cy="458788"/>
+          </a:xfrm>
+          <a:prstGeom prst="rect">
+            <a:avLst/>
+          </a:prstGeom>
+        </p:spPr>
+        <p:txBody>
+          <a:bodyPr vert="horz" lIns="91440" tIns="45720" rIns="91440" bIns="45720" rtlCol="0"/>
+          <a:lstStyle>
+            <a:lvl1pPr algn="r">
+              <a:defRPr sz="1200"/>
+            </a:lvl1pPr>
+          </a:lstStyle>
+          <a:p>
+            <a:fld id="{9CF1AEC7-C93F-45AC-92FB-0B528F2A198C}" type="datetimeFigureOut">
+              <a:rPr lang="zh-CN" altLang="en-US" smtClean="0"/>
+              <a:t>2024/2/19</a:t>
+            </a:fld>
+            <a:endParaRPr lang="zh-CN" altLang="en-US"/>
+          </a:p>
+        </p:txBody>
+      </p:sp>
+      <p:sp>
+        <p:nvSpPr>
+          <p:cNvPr id="4" name="幻灯片图像占位符 3"/>
+          <p:cNvSpPr>
+            <a:spLocks noGrp="1" noRot="1" noChangeAspect="1"/>
+          </p:cNvSpPr>
+          <p:nvPr>
+            <p:ph type="sldImg" idx="2"/>
+          </p:nvPr>
+        </p:nvSpPr>
+        <p:spPr>
+          <a:xfrm>
+            <a:off x="685800" y="1143000"/>
+            <a:ext cx="5486400" cy="3086100"/>
+          </a:xfrm>
+          <a:prstGeom prst="rect">
+            <a:avLst/>
+          </a:prstGeom>
+          <a:noFill/>
+          <a:ln w="12700">
+            <a:solidFill>
+              <a:prstClr val="black"/>
+            </a:solidFill>
+          </a:ln>
+        </p:spPr>
+        <p:txBody>
+          <a:bodyPr vert="horz" lIns="91440" tIns="45720" rIns="91440" bIns="45720" rtlCol="0" anchor="ctr"/>
+          <a:lstStyle/>
+          <a:p>
+            <a:endParaRPr lang="zh-CN" altLang="en-US"/>
+          </a:p>
+        </p:txBody>
+      </p:sp>
+      <p:sp>
+        <p:nvSpPr>
+          <p:cNvPr id="5" name="备注占位符 4"/>
+          <p:cNvSpPr>
+            <a:spLocks noGrp="1"/>
+          </p:cNvSpPr>
+          <p:nvPr>
+            <p:ph type="body" sz="quarter" idx="3"/>
+          </p:nvPr>
+        </p:nvSpPr>
+        <p:spPr>
+          <a:xfrm>
+            <a:off x="685800" y="4400550"/>
+            <a:ext cx="5486400" cy="3600450"/>
+          </a:xfrm>
+          <a:prstGeom prst="rect">
+            <a:avLst/>
+          </a:prstGeom>
+        </p:spPr>
+        <p:txBody>
+          <a:bodyPr vert="horz" lIns="91440" tIns="45720" rIns="91440" bIns="45720" rtlCol="0"/>
+          <a:lstStyle/>
+          <a:p>
+            <a:pPr lvl="0"/>
+            <a:r>
+              <a:rPr lang="zh-CN" altLang="en-US"/>
+              <a:t>单击此处编辑母版文本样式</a:t>
+            </a:r>
+          </a:p>
+          <a:p>
+            <a:pPr lvl="1"/>
+            <a:r>
+              <a:rPr lang="zh-CN" altLang="en-US"/>
+              <a:t>二级</a:t>
+            </a:r>
+          </a:p>
+          <a:p>
+            <a:pPr lvl="2"/>
+            <a:r>
+              <a:rPr lang="zh-CN" altLang="en-US"/>
+              <a:t>三级</a:t>
+            </a:r>
+          </a:p>
+          <a:p>
+            <a:pPr lvl="3"/>
+            <a:r>
+              <a:rPr lang="zh-CN" altLang="en-US"/>
+              <a:t>四级</a:t>
+            </a:r>
+          </a:p>
+          <a:p>
+            <a:pPr lvl="4"/>
+            <a:r>
+              <a:rPr lang="zh-CN" altLang="en-US"/>
+              <a:t>五级</a:t>
+            </a:r>
+          </a:p>
+        </p:txBody>
+      </p:sp>
+      <p:sp>
+        <p:nvSpPr>
+          <p:cNvPr id="6" name="页脚占位符 5"/>
+          <p:cNvSpPr>
+            <a:spLocks noGrp="1"/>
+          </p:cNvSpPr>
+          <p:nvPr>
+            <p:ph type="ftr" sz="quarter" idx="4"/>
+          </p:nvPr>
+        </p:nvSpPr>
+        <p:spPr>
+          <a:xfrm>
+            <a:off x="0" y="8685213"/>
+            <a:ext cx="2971800" cy="458787"/>
+          </a:xfrm>
+          <a:prstGeom prst="rect">
+            <a:avLst/>
+          </a:prstGeom>
+        </p:spPr>
+        <p:txBody>
+          <a:bodyPr vert="horz" lIns="91440" tIns="45720" rIns="91440" bIns="45720" rtlCol="0" anchor="b"/>
+          <a:lstStyle>
+            <a:lvl1pPr algn="l">
+              <a:defRPr sz="1200"/>
+            </a:lvl1pPr>
+          </a:lstStyle>
+          <a:p>
+            <a:endParaRPr lang="zh-CN" altLang="en-US"/>
+          </a:p>
+        </p:txBody>
+      </p:sp>
+      <p:sp>
+        <p:nvSpPr>
+          <p:cNvPr id="7" name="灯片编号占位符 6"/>
+          <p:cNvSpPr>
+            <a:spLocks noGrp="1"/>
+          </p:cNvSpPr>
+          <p:nvPr>
+            <p:ph type="sldNum" sz="quarter" idx="5"/>
+          </p:nvPr>
+        </p:nvSpPr>
+        <p:spPr>
+          <a:xfrm>
+            <a:off x="3884613" y="8685213"/>
+            <a:ext cx="2971800" cy="458787"/>
+          </a:xfrm>
+          <a:prstGeom prst="rect">
+            <a:avLst/>
+          </a:prstGeom>
+        </p:spPr>
+        <p:txBody>
+          <a:bodyPr vert="horz" lIns="91440" tIns="45720" rIns="91440" bIns="45720" rtlCol="0" anchor="b"/>
+          <a:lstStyle>
+            <a:lvl1pPr algn="r">
+              <a:defRPr sz="1200"/>
+            </a:lvl1pPr>
+          </a:lstStyle>
+          <a:p>
+            <a:fld id="{06F1B9E3-40F2-4FB0-BA60-5CCC3CE15F6B}" type="slidenum">
+              <a:rPr lang="zh-CN" altLang="en-US" smtClean="0"/>
+              <a:t>‹#›</a:t>
+            </a:fld>
+            <a:endParaRPr lang="zh-CN" altLang="en-US"/>
+          </a:p>
+        </p:txBody>
+      </p:sp>
+    </p:spTree>
+    <p:extLst>
+      <p:ext uri="{BB962C8B-B14F-4D97-AF65-F5344CB8AC3E}">
+        <p14:creationId xmlns:p14="http://schemas.microsoft.com/office/powerpoint/2010/main" val="2390570155"/>
+      </p:ext>
+    </p:extLst>
+  </p:cSld>
+  <p:clrMap bg1="lt1" tx1="dk1" bg2="lt2" tx2="dk2" accent1="accent1" accent2="accent2" accent3="accent3" accent4="accent4" accent5="accent5" accent6="accent6" hlink="hlink" folHlink="folHlink"/>
+  <p:notesStyle>
+    <a:lvl1pPr marL="0" algn="l" defTabSz="914400" rtl="0" eaLnBrk="1" latinLnBrk="0" hangingPunct="1">
+      <a:defRPr sz="1200" kern="1200">
+        <a:solidFill>
+          <a:schemeClr val="tx1"/>
+        </a:solidFill>
+        <a:latin typeface="+mn-lt"/>
+        <a:ea typeface="+mn-ea"/>
+        <a:cs typeface="+mn-cs"/>
+      </a:defRPr>
+    </a:lvl1pPr>
+    <a:lvl2pPr marL="457200" algn="l" defTabSz="914400" rtl="0" eaLnBrk="1" latinLnBrk="0" hangingPunct="1">
+      <a:defRPr sz="1200" kern="1200">
+        <a:solidFill>
+          <a:schemeClr val="tx1"/>
+        </a:solidFill>
+        <a:latin typeface="+mn-lt"/>
+        <a:ea typeface="+mn-ea"/>
+        <a:cs typeface="+mn-cs"/>
+      </a:defRPr>
+    </a:lvl2pPr>
+    <a:lvl3pPr marL="914400" algn="l" defTabSz="914400" rtl="0" eaLnBrk="1" latinLnBrk="0" hangingPunct="1">
+      <a:defRPr sz="1200" kern="1200">
+        <a:solidFill>
+          <a:schemeClr val="tx1"/>
+        </a:solidFill>
+        <a:latin typeface="+mn-lt"/>
+        <a:ea typeface="+mn-ea"/>
+        <a:cs typeface="+mn-cs"/>
+      </a:defRPr>
+    </a:lvl3pPr>
+    <a:lvl4pPr marL="1371600" algn="l" defTabSz="914400" rtl="0" eaLnBrk="1" latinLnBrk="0" hangingPunct="1">
+      <a:defRPr sz="1200" kern="1200">
+        <a:solidFill>
+          <a:schemeClr val="tx1"/>
+        </a:solidFill>
+        <a:latin typeface="+mn-lt"/>
+        <a:ea typeface="+mn-ea"/>
+        <a:cs typeface="+mn-cs"/>
+      </a:defRPr>
+    </a:lvl4pPr>
+    <a:lvl5pPr marL="1828800" algn="l" defTabSz="914400" rtl="0" eaLnBrk="1" latinLnBrk="0" hangingPunct="1">
+      <a:defRPr sz="1200" kern="1200">
+        <a:solidFill>
+          <a:schemeClr val="tx1"/>
+        </a:solidFill>
+        <a:latin typeface="+mn-lt"/>
+        <a:ea typeface="+mn-ea"/>
+        <a:cs typeface="+mn-cs"/>
+      </a:defRPr>
+    </a:lvl5pPr>
+    <a:lvl6pPr marL="2286000" algn="l" defTabSz="914400" rtl="0" eaLnBrk="1" latinLnBrk="0" hangingPunct="1">
+      <a:defRPr sz="1200" kern="1200">
+        <a:solidFill>
+          <a:schemeClr val="tx1"/>
+        </a:solidFill>
+        <a:latin typeface="+mn-lt"/>
+        <a:ea typeface="+mn-ea"/>
+        <a:cs typeface="+mn-cs"/>
+      </a:defRPr>
+    </a:lvl6pPr>
+    <a:lvl7pPr marL="2743200" algn="l" defTabSz="914400" rtl="0" eaLnBrk="1" latinLnBrk="0" hangingPunct="1">
+      <a:defRPr sz="1200" kern="1200">
+        <a:solidFill>
+          <a:schemeClr val="tx1"/>
+        </a:solidFill>
+        <a:latin typeface="+mn-lt"/>
+        <a:ea typeface="+mn-ea"/>
+        <a:cs typeface="+mn-cs"/>
+      </a:defRPr>
+    </a:lvl7pPr>
+    <a:lvl8pPr marL="3200400" algn="l" defTabSz="914400" rtl="0" eaLnBrk="1" latinLnBrk="0" hangingPunct="1">
+      <a:defRPr sz="1200" kern="1200">
+        <a:solidFill>
+          <a:schemeClr val="tx1"/>
+        </a:solidFill>
+        <a:latin typeface="+mn-lt"/>
+        <a:ea typeface="+mn-ea"/>
+        <a:cs typeface="+mn-cs"/>
+      </a:defRPr>
+    </a:lvl8pPr>
+    <a:lvl9pPr marL="3657600" algn="l" defTabSz="914400" rtl="0" eaLnBrk="1" latinLnBrk="0" hangingPunct="1">
+      <a:defRPr sz="1200" kern="1200">
+        <a:solidFill>
+          <a:schemeClr val="tx1"/>
+        </a:solidFill>
+        <a:latin typeface="+mn-lt"/>
+        <a:ea typeface="+mn-ea"/>
+        <a:cs typeface="+mn-cs"/>
+      </a:defRPr>
+    </a:lvl9pPr>
+  </p:notesStyle>
+</p:notesMaster>
+</file>
+
+<file path=ppt/notesSlides/notesSlide1.xml><?xml version="1.0" encoding="utf-8"?>
+<p:notes xmlns:a="http://schemas.openxmlformats.org/drawingml/2006/main" xmlns:r="http://schemas.openxmlformats.org/officeDocument/2006/relationships" xmlns:p="http://schemas.openxmlformats.org/presentationml/2006/main">
+  <p:cSld>
+    <p:spTree>
+      <p:nvGrpSpPr>
+        <p:cNvPr id="1" name=""/>
+        <p:cNvGrpSpPr/>
+        <p:nvPr/>
+      </p:nvGrpSpPr>
+      <p:grpSpPr>
+        <a:xfrm>
+          <a:off x="0" y="0"/>
+          <a:ext cx="0" cy="0"/>
+          <a:chOff x="0" y="0"/>
+          <a:chExt cx="0" cy="0"/>
+        </a:xfrm>
+      </p:grpSpPr>
+      <p:sp>
+        <p:nvSpPr>
+          <p:cNvPr id="2" name="幻灯片图像占位符 1"/>
+          <p:cNvSpPr>
+            <a:spLocks noGrp="1" noRot="1" noChangeAspect="1"/>
+          </p:cNvSpPr>
+          <p:nvPr>
+            <p:ph type="sldImg"/>
+          </p:nvPr>
+        </p:nvSpPr>
+        <p:spPr/>
+      </p:sp>
+      <p:sp>
+        <p:nvSpPr>
+          <p:cNvPr id="3" name="备注占位符 2"/>
+          <p:cNvSpPr>
+            <a:spLocks noGrp="1"/>
+          </p:cNvSpPr>
+          <p:nvPr>
+            <p:ph type="body" idx="1"/>
+          </p:nvPr>
+        </p:nvSpPr>
+        <p:spPr/>
+        <p:txBody>
+          <a:bodyPr/>
+          <a:lstStyle/>
+          <a:p>
+            <a:r>
+              <a:rPr lang="en-US" altLang="zh-CN" dirty="0"/>
+              <a:t>24_02_19_cpp/main_best_fit.cpp</a:t>
+            </a:r>
+            <a:endParaRPr lang="zh-CN" altLang="en-US" dirty="0"/>
+          </a:p>
+        </p:txBody>
+      </p:sp>
+      <p:sp>
+        <p:nvSpPr>
+          <p:cNvPr id="4" name="灯片编号占位符 3"/>
+          <p:cNvSpPr>
+            <a:spLocks noGrp="1"/>
+          </p:cNvSpPr>
+          <p:nvPr>
+            <p:ph type="sldNum" sz="quarter" idx="5"/>
+          </p:nvPr>
+        </p:nvSpPr>
+        <p:spPr/>
+        <p:txBody>
+          <a:bodyPr/>
+          <a:lstStyle/>
+          <a:p>
+            <a:fld id="{06F1B9E3-40F2-4FB0-BA60-5CCC3CE15F6B}" type="slidenum">
+              <a:rPr lang="zh-CN" altLang="en-US" smtClean="0"/>
+              <a:t>11</a:t>
+            </a:fld>
+            <a:endParaRPr lang="zh-CN" altLang="en-US"/>
+          </a:p>
+        </p:txBody>
+      </p:sp>
+    </p:spTree>
+    <p:extLst>
+      <p:ext uri="{BB962C8B-B14F-4D97-AF65-F5344CB8AC3E}">
+        <p14:creationId xmlns:p14="http://schemas.microsoft.com/office/powerpoint/2010/main" val="1897433144"/>
+      </p:ext>
+    </p:extLst>
+  </p:cSld>
+  <p:clrMapOvr>
+    <a:masterClrMapping/>
+  </p:clrMapOvr>
+</p:notes>
+</file>
+
 <file path=ppt/slideLayouts/slideLayout1.xml><?xml version="1.0" encoding="utf-8"?>
 <p:sldLayout xmlns:a="http://schemas.openxmlformats.org/drawingml/2006/main" xmlns:r="http://schemas.openxmlformats.org/officeDocument/2006/relationships" xmlns:p="http://schemas.openxmlformats.org/presentationml/2006/main" type="title" preserve="1">
   <p:cSld name="标题幻灯片">
@@ -253,7 +695,7 @@
           <a:p>
             <a:fld id="{D997B5FA-0921-464F-AAE1-844C04324D75}" type="datetimeFigureOut">
               <a:rPr lang="zh-CN" altLang="en-US" smtClean="0"/>
-              <a:t>2024/2/16</a:t>
+              <a:t>2024/2/19</a:t>
             </a:fld>
             <a:endParaRPr lang="zh-CN" altLang="en-US"/>
           </a:p>
@@ -416,7 +858,7 @@
           <a:p>
             <a:fld id="{D997B5FA-0921-464F-AAE1-844C04324D75}" type="datetimeFigureOut">
               <a:rPr lang="zh-CN" altLang="en-US" smtClean="0"/>
-              <a:t>2024/2/16</a:t>
+              <a:t>2024/2/19</a:t>
             </a:fld>
             <a:endParaRPr lang="zh-CN" altLang="en-US"/>
           </a:p>
@@ -589,7 +1031,7 @@
           <a:p>
             <a:fld id="{D997B5FA-0921-464F-AAE1-844C04324D75}" type="datetimeFigureOut">
               <a:rPr lang="zh-CN" altLang="en-US" smtClean="0"/>
-              <a:t>2024/2/16</a:t>
+              <a:t>2024/2/19</a:t>
             </a:fld>
             <a:endParaRPr lang="zh-CN" altLang="en-US"/>
           </a:p>
@@ -752,7 +1194,7 @@
           <a:p>
             <a:fld id="{D997B5FA-0921-464F-AAE1-844C04324D75}" type="datetimeFigureOut">
               <a:rPr lang="zh-CN" altLang="en-US" smtClean="0"/>
-              <a:t>2024/2/16</a:t>
+              <a:t>2024/2/19</a:t>
             </a:fld>
             <a:endParaRPr lang="zh-CN" altLang="en-US"/>
           </a:p>
@@ -992,7 +1434,7 @@
           <a:p>
             <a:fld id="{D997B5FA-0921-464F-AAE1-844C04324D75}" type="datetimeFigureOut">
               <a:rPr lang="zh-CN" altLang="en-US" smtClean="0"/>
-              <a:t>2024/2/16</a:t>
+              <a:t>2024/2/19</a:t>
             </a:fld>
             <a:endParaRPr lang="zh-CN" altLang="en-US"/>
           </a:p>
@@ -1216,7 +1658,7 @@
           <a:p>
             <a:fld id="{D997B5FA-0921-464F-AAE1-844C04324D75}" type="datetimeFigureOut">
               <a:rPr lang="zh-CN" altLang="en-US" smtClean="0"/>
-              <a:t>2024/2/16</a:t>
+              <a:t>2024/2/19</a:t>
             </a:fld>
             <a:endParaRPr lang="zh-CN" altLang="en-US"/>
           </a:p>
@@ -1575,7 +2017,7 @@
           <a:p>
             <a:fld id="{D997B5FA-0921-464F-AAE1-844C04324D75}" type="datetimeFigureOut">
               <a:rPr lang="zh-CN" altLang="en-US" smtClean="0"/>
-              <a:t>2024/2/16</a:t>
+              <a:t>2024/2/19</a:t>
             </a:fld>
             <a:endParaRPr lang="zh-CN" altLang="en-US"/>
           </a:p>
@@ -1687,7 +2129,7 @@
           <a:p>
             <a:fld id="{D997B5FA-0921-464F-AAE1-844C04324D75}" type="datetimeFigureOut">
               <a:rPr lang="zh-CN" altLang="en-US" smtClean="0"/>
-              <a:t>2024/2/16</a:t>
+              <a:t>2024/2/19</a:t>
             </a:fld>
             <a:endParaRPr lang="zh-CN" altLang="en-US"/>
           </a:p>
@@ -1777,7 +2219,7 @@
           <a:p>
             <a:fld id="{D997B5FA-0921-464F-AAE1-844C04324D75}" type="datetimeFigureOut">
               <a:rPr lang="zh-CN" altLang="en-US" smtClean="0"/>
-              <a:t>2024/2/16</a:t>
+              <a:t>2024/2/19</a:t>
             </a:fld>
             <a:endParaRPr lang="zh-CN" altLang="en-US"/>
           </a:p>
@@ -2047,7 +2489,7 @@
           <a:p>
             <a:fld id="{D997B5FA-0921-464F-AAE1-844C04324D75}" type="datetimeFigureOut">
               <a:rPr lang="zh-CN" altLang="en-US" smtClean="0"/>
-              <a:t>2024/2/16</a:t>
+              <a:t>2024/2/19</a:t>
             </a:fld>
             <a:endParaRPr lang="zh-CN" altLang="en-US"/>
           </a:p>
@@ -2294,7 +2736,7 @@
           <a:p>
             <a:fld id="{D997B5FA-0921-464F-AAE1-844C04324D75}" type="datetimeFigureOut">
               <a:rPr lang="zh-CN" altLang="en-US" smtClean="0"/>
-              <a:t>2024/2/16</a:t>
+              <a:t>2024/2/19</a:t>
             </a:fld>
             <a:endParaRPr lang="zh-CN" altLang="en-US"/>
           </a:p>
@@ -2500,7 +2942,7 @@
           <a:p>
             <a:fld id="{D997B5FA-0921-464F-AAE1-844C04324D75}" type="datetimeFigureOut">
               <a:rPr lang="zh-CN" altLang="en-US" smtClean="0"/>
-              <a:t>2024/2/16</a:t>
+              <a:t>2024/2/19</a:t>
             </a:fld>
             <a:endParaRPr lang="zh-CN" altLang="en-US"/>
           </a:p>
@@ -3215,6 +3657,413 @@
     <p:extLst>
       <p:ext uri="{BB962C8B-B14F-4D97-AF65-F5344CB8AC3E}">
         <p14:creationId xmlns:p14="http://schemas.microsoft.com/office/powerpoint/2010/main" val="924009841"/>
+      </p:ext>
+    </p:extLst>
+  </p:cSld>
+  <p:clrMapOvr>
+    <a:masterClrMapping/>
+  </p:clrMapOvr>
+</p:sld>
+</file>
+
+<file path=ppt/slides/slide11.xml><?xml version="1.0" encoding="utf-8"?>
+<p:sld xmlns:a="http://schemas.openxmlformats.org/drawingml/2006/main" xmlns:r="http://schemas.openxmlformats.org/officeDocument/2006/relationships" xmlns:p="http://schemas.openxmlformats.org/presentationml/2006/main">
+  <p:cSld>
+    <p:spTree>
+      <p:nvGrpSpPr>
+        <p:cNvPr id="1" name=""/>
+        <p:cNvGrpSpPr/>
+        <p:nvPr/>
+      </p:nvGrpSpPr>
+      <p:grpSpPr>
+        <a:xfrm>
+          <a:off x="0" y="0"/>
+          <a:ext cx="0" cy="0"/>
+          <a:chOff x="0" y="0"/>
+          <a:chExt cx="0" cy="0"/>
+        </a:xfrm>
+      </p:grpSpPr>
+      <p:sp>
+        <p:nvSpPr>
+          <p:cNvPr id="2" name="标题 1">
+            <a:extLst>
+              <a:ext uri="{FF2B5EF4-FFF2-40B4-BE49-F238E27FC236}">
+                <a16:creationId xmlns:a16="http://schemas.microsoft.com/office/drawing/2014/main" id="{7444BD8A-4F27-4ACD-8D1E-0FE6DB6918D0}"/>
+              </a:ext>
+            </a:extLst>
+          </p:cNvPr>
+          <p:cNvSpPr>
+            <a:spLocks noGrp="1"/>
+          </p:cNvSpPr>
+          <p:nvPr>
+            <p:ph type="title"/>
+          </p:nvPr>
+        </p:nvSpPr>
+        <p:spPr/>
+        <p:txBody>
+          <a:bodyPr/>
+          <a:lstStyle/>
+          <a:p>
+            <a:r>
+              <a:rPr lang="en-US" altLang="zh-CN" dirty="0"/>
+              <a:t>C++</a:t>
+            </a:r>
+            <a:r>
+              <a:rPr lang="zh-CN" altLang="en-US" dirty="0"/>
+              <a:t>重写</a:t>
+            </a:r>
+          </a:p>
+        </p:txBody>
+      </p:sp>
+      <p:sp>
+        <p:nvSpPr>
+          <p:cNvPr id="3" name="内容占位符 2">
+            <a:extLst>
+              <a:ext uri="{FF2B5EF4-FFF2-40B4-BE49-F238E27FC236}">
+                <a16:creationId xmlns:a16="http://schemas.microsoft.com/office/drawing/2014/main" id="{65B56E59-1A00-47C2-A763-A8927510546C}"/>
+              </a:ext>
+            </a:extLst>
+          </p:cNvPr>
+          <p:cNvSpPr>
+            <a:spLocks noGrp="1"/>
+          </p:cNvSpPr>
+          <p:nvPr>
+            <p:ph idx="1"/>
+          </p:nvPr>
+        </p:nvSpPr>
+        <p:spPr/>
+        <p:txBody>
+          <a:bodyPr/>
+          <a:lstStyle/>
+          <a:p>
+            <a:r>
+              <a:rPr lang="zh-CN" altLang="en-US" dirty="0"/>
+              <a:t>测试：</a:t>
+            </a:r>
+            <a:endParaRPr lang="en-US" altLang="zh-CN" dirty="0"/>
+          </a:p>
+          <a:p>
+            <a:pPr lvl="1"/>
+            <a:r>
+              <a:rPr lang="zh-CN" altLang="en-US" dirty="0"/>
+              <a:t>计算</a:t>
+            </a:r>
+            <a:r>
+              <a:rPr lang="en-US" altLang="zh-CN" dirty="0"/>
+              <a:t>cost</a:t>
+            </a:r>
+            <a:r>
+              <a:rPr lang="zh-CN" altLang="en-US" dirty="0"/>
+              <a:t>：</a:t>
+            </a:r>
+            <a:r>
+              <a:rPr lang="en-US" altLang="zh-CN" dirty="0"/>
+              <a:t>python local_runner.py </a:t>
+            </a:r>
+            <a:r>
+              <a:rPr lang="en-US" altLang="zh-CN" dirty="0" err="1"/>
+              <a:t>sample_tests</a:t>
+            </a:r>
+            <a:r>
+              <a:rPr lang="en-US" altLang="zh-CN" dirty="0"/>
+              <a:t>/demo.txt -- .\</a:t>
+            </a:r>
+            <a:r>
+              <a:rPr lang="en-US" altLang="zh-CN" dirty="0" err="1"/>
+              <a:t>main_best_fit</a:t>
+            </a:r>
+            <a:endParaRPr lang="en-US" altLang="zh-CN" dirty="0"/>
+          </a:p>
+          <a:p>
+            <a:pPr lvl="1"/>
+            <a:r>
+              <a:rPr lang="zh-CN" altLang="en-US" dirty="0"/>
+              <a:t>计算与</a:t>
+            </a:r>
+            <a:r>
+              <a:rPr lang="en-US" altLang="zh-CN" dirty="0"/>
+              <a:t>baseline</a:t>
+            </a:r>
+            <a:r>
+              <a:rPr lang="zh-CN" altLang="en-US" dirty="0"/>
+              <a:t>相比的结果，</a:t>
+            </a:r>
+            <a:r>
+              <a:rPr lang="en-US" altLang="zh-CN" dirty="0"/>
+              <a:t>1000</a:t>
+            </a:r>
+            <a:r>
+              <a:rPr lang="zh-CN" altLang="en-US" dirty="0"/>
+              <a:t>表示相等：</a:t>
+            </a:r>
+            <a:r>
+              <a:rPr lang="en-US" altLang="zh-CN" dirty="0"/>
+              <a:t>python local_runner.py </a:t>
+            </a:r>
+            <a:r>
+              <a:rPr lang="en-US" altLang="zh-CN" dirty="0" err="1"/>
+              <a:t>sample_tests</a:t>
+            </a:r>
+            <a:r>
+              <a:rPr lang="en-US" altLang="zh-CN" dirty="0"/>
+              <a:t>/00.txt </a:t>
+            </a:r>
+            <a:r>
+              <a:rPr lang="en-US" altLang="zh-CN" dirty="0" err="1"/>
+              <a:t>sample_tests</a:t>
+            </a:r>
+            <a:r>
+              <a:rPr lang="en-US" altLang="zh-CN" dirty="0"/>
+              <a:t>/00_baseline.txt -- .\</a:t>
+            </a:r>
+            <a:r>
+              <a:rPr lang="en-US" altLang="zh-CN" dirty="0" err="1"/>
+              <a:t>main_best_fit</a:t>
+            </a:r>
+            <a:endParaRPr lang="en-US" altLang="zh-CN" dirty="0"/>
+          </a:p>
+          <a:p>
+            <a:r>
+              <a:rPr lang="zh-CN" altLang="en-US" dirty="0"/>
+              <a:t>运行效果：</a:t>
+            </a:r>
+            <a:r>
+              <a:rPr lang="en-US" altLang="zh-CN" dirty="0"/>
+              <a:t>C++</a:t>
+            </a:r>
+            <a:r>
+              <a:rPr lang="zh-CN" altLang="en-US" dirty="0"/>
+              <a:t>程序运行速度显著提升，并且与</a:t>
+            </a:r>
+            <a:r>
+              <a:rPr lang="en-US" altLang="zh-CN" dirty="0"/>
+              <a:t>baseline</a:t>
+            </a:r>
+            <a:r>
+              <a:rPr lang="zh-CN" altLang="en-US" dirty="0"/>
+              <a:t>相同。</a:t>
+            </a:r>
+            <a:endParaRPr lang="en-US" altLang="zh-CN" dirty="0"/>
+          </a:p>
+          <a:p>
+            <a:r>
+              <a:rPr lang="zh-CN" altLang="en-US" dirty="0"/>
+              <a:t>提交：排名上升到了</a:t>
+            </a:r>
+            <a:r>
+              <a:rPr lang="en-US" altLang="zh-CN" dirty="0"/>
+              <a:t>60557</a:t>
+            </a:r>
+            <a:r>
+              <a:rPr lang="zh-CN" altLang="en-US" dirty="0"/>
+              <a:t>，果真需要</a:t>
+            </a:r>
+            <a:r>
+              <a:rPr lang="en-US" altLang="zh-CN" dirty="0"/>
+              <a:t>C++</a:t>
+            </a:r>
+            <a:r>
+              <a:rPr lang="zh-CN" altLang="en-US" dirty="0"/>
+              <a:t>才行。后续专注算法上的提升。</a:t>
+            </a:r>
+          </a:p>
+        </p:txBody>
+      </p:sp>
+      <p:pic>
+        <p:nvPicPr>
+          <p:cNvPr id="7" name="图片 6">
+            <a:extLst>
+              <a:ext uri="{FF2B5EF4-FFF2-40B4-BE49-F238E27FC236}">
+                <a16:creationId xmlns:a16="http://schemas.microsoft.com/office/drawing/2014/main" id="{71C88039-737B-4A45-A391-3A450DC78B9B}"/>
+              </a:ext>
+            </a:extLst>
+          </p:cNvPr>
+          <p:cNvPicPr>
+            <a:picLocks noChangeAspect="1"/>
+          </p:cNvPicPr>
+          <p:nvPr/>
+        </p:nvPicPr>
+        <p:blipFill>
+          <a:blip r:embed="rId3"/>
+          <a:stretch>
+            <a:fillRect/>
+          </a:stretch>
+        </p:blipFill>
+        <p:spPr>
+          <a:xfrm>
+            <a:off x="838200" y="4719847"/>
+            <a:ext cx="5981229" cy="1321610"/>
+          </a:xfrm>
+          <a:prstGeom prst="rect">
+            <a:avLst/>
+          </a:prstGeom>
+        </p:spPr>
+      </p:pic>
+      <p:grpSp>
+        <p:nvGrpSpPr>
+          <p:cNvPr id="11" name="组合 10">
+            <a:extLst>
+              <a:ext uri="{FF2B5EF4-FFF2-40B4-BE49-F238E27FC236}">
+                <a16:creationId xmlns:a16="http://schemas.microsoft.com/office/drawing/2014/main" id="{C69BFC8F-B74A-4F70-BA7C-7C7B0B18C6D5}"/>
+              </a:ext>
+            </a:extLst>
+          </p:cNvPr>
+          <p:cNvGrpSpPr/>
+          <p:nvPr/>
+        </p:nvGrpSpPr>
+        <p:grpSpPr>
+          <a:xfrm>
+            <a:off x="7080837" y="4509159"/>
+            <a:ext cx="4976331" cy="1667804"/>
+            <a:chOff x="7080837" y="4509159"/>
+            <a:chExt cx="4976331" cy="1667804"/>
+          </a:xfrm>
+        </p:grpSpPr>
+        <p:pic>
+          <p:nvPicPr>
+            <p:cNvPr id="8" name="图片 7">
+              <a:extLst>
+                <a:ext uri="{FF2B5EF4-FFF2-40B4-BE49-F238E27FC236}">
+                  <a16:creationId xmlns:a16="http://schemas.microsoft.com/office/drawing/2014/main" id="{D75FC9E3-0D7F-4965-9DA5-927CB5CD87D3}"/>
+                </a:ext>
+              </a:extLst>
+            </p:cNvPr>
+            <p:cNvPicPr>
+              <a:picLocks noChangeAspect="1"/>
+            </p:cNvPicPr>
+            <p:nvPr/>
+          </p:nvPicPr>
+          <p:blipFill>
+            <a:blip r:embed="rId4"/>
+            <a:stretch>
+              <a:fillRect/>
+            </a:stretch>
+          </p:blipFill>
+          <p:spPr>
+            <a:xfrm>
+              <a:off x="7080837" y="4509159"/>
+              <a:ext cx="4976331" cy="688936"/>
+            </a:xfrm>
+            <a:prstGeom prst="rect">
+              <a:avLst/>
+            </a:prstGeom>
+          </p:spPr>
+        </p:pic>
+        <p:pic>
+          <p:nvPicPr>
+            <p:cNvPr id="10" name="图片 9">
+              <a:extLst>
+                <a:ext uri="{FF2B5EF4-FFF2-40B4-BE49-F238E27FC236}">
+                  <a16:creationId xmlns:a16="http://schemas.microsoft.com/office/drawing/2014/main" id="{ABD07235-8CB0-4508-995E-0C61651BC8B3}"/>
+                </a:ext>
+              </a:extLst>
+            </p:cNvPr>
+            <p:cNvPicPr>
+              <a:picLocks noChangeAspect="1"/>
+            </p:cNvPicPr>
+            <p:nvPr/>
+          </p:nvPicPr>
+          <p:blipFill>
+            <a:blip r:embed="rId5"/>
+            <a:stretch>
+              <a:fillRect/>
+            </a:stretch>
+          </p:blipFill>
+          <p:spPr>
+            <a:xfrm>
+              <a:off x="7080837" y="5333032"/>
+              <a:ext cx="4841499" cy="843931"/>
+            </a:xfrm>
+            <a:prstGeom prst="rect">
+              <a:avLst/>
+            </a:prstGeom>
+          </p:spPr>
+        </p:pic>
+      </p:grpSp>
+    </p:spTree>
+    <p:extLst>
+      <p:ext uri="{BB962C8B-B14F-4D97-AF65-F5344CB8AC3E}">
+        <p14:creationId xmlns:p14="http://schemas.microsoft.com/office/powerpoint/2010/main" val="737409789"/>
+      </p:ext>
+    </p:extLst>
+  </p:cSld>
+  <p:clrMapOvr>
+    <a:masterClrMapping/>
+  </p:clrMapOvr>
+</p:sld>
+</file>
+
+<file path=ppt/slides/slide12.xml><?xml version="1.0" encoding="utf-8"?>
+<p:sld xmlns:a="http://schemas.openxmlformats.org/drawingml/2006/main" xmlns:r="http://schemas.openxmlformats.org/officeDocument/2006/relationships" xmlns:p="http://schemas.openxmlformats.org/presentationml/2006/main">
+  <p:cSld>
+    <p:spTree>
+      <p:nvGrpSpPr>
+        <p:cNvPr id="1" name=""/>
+        <p:cNvGrpSpPr/>
+        <p:nvPr/>
+      </p:nvGrpSpPr>
+      <p:grpSpPr>
+        <a:xfrm>
+          <a:off x="0" y="0"/>
+          <a:ext cx="0" cy="0"/>
+          <a:chOff x="0" y="0"/>
+          <a:chExt cx="0" cy="0"/>
+        </a:xfrm>
+      </p:grpSpPr>
+      <p:sp>
+        <p:nvSpPr>
+          <p:cNvPr id="2" name="标题 1">
+            <a:extLst>
+              <a:ext uri="{FF2B5EF4-FFF2-40B4-BE49-F238E27FC236}">
+                <a16:creationId xmlns:a16="http://schemas.microsoft.com/office/drawing/2014/main" id="{50162D32-22D9-4EF8-8B65-B147EF262D17}"/>
+              </a:ext>
+            </a:extLst>
+          </p:cNvPr>
+          <p:cNvSpPr>
+            <a:spLocks noGrp="1"/>
+          </p:cNvSpPr>
+          <p:nvPr>
+            <p:ph type="title"/>
+          </p:nvPr>
+        </p:nvSpPr>
+        <p:spPr/>
+        <p:txBody>
+          <a:bodyPr/>
+          <a:lstStyle/>
+          <a:p>
+            <a:endParaRPr lang="zh-CN" altLang="en-US"/>
+          </a:p>
+        </p:txBody>
+      </p:sp>
+      <p:sp>
+        <p:nvSpPr>
+          <p:cNvPr id="3" name="内容占位符 2">
+            <a:extLst>
+              <a:ext uri="{FF2B5EF4-FFF2-40B4-BE49-F238E27FC236}">
+                <a16:creationId xmlns:a16="http://schemas.microsoft.com/office/drawing/2014/main" id="{9C8E2EE1-4932-4FA9-92D9-8D87B70D5EED}"/>
+              </a:ext>
+            </a:extLst>
+          </p:cNvPr>
+          <p:cNvSpPr>
+            <a:spLocks noGrp="1"/>
+          </p:cNvSpPr>
+          <p:nvPr>
+            <p:ph idx="1"/>
+          </p:nvPr>
+        </p:nvSpPr>
+        <p:spPr/>
+        <p:txBody>
+          <a:bodyPr/>
+          <a:lstStyle/>
+          <a:p>
+            <a:endParaRPr lang="zh-CN" altLang="en-US"/>
+          </a:p>
+        </p:txBody>
+      </p:sp>
+    </p:spTree>
+    <p:extLst>
+      <p:ext uri="{BB962C8B-B14F-4D97-AF65-F5344CB8AC3E}">
+        <p14:creationId xmlns:p14="http://schemas.microsoft.com/office/powerpoint/2010/main" val="1926532981"/>
       </p:ext>
     </p:extLst>
   </p:cSld>
@@ -6329,7 +7178,7 @@
             </a:r>
             <a:r>
               <a:rPr lang="zh-CN" altLang="en-US" dirty="0"/>
-              <a:t>表示相等，：</a:t>
+              <a:t>表示相等：</a:t>
             </a:r>
             <a:r>
               <a:rPr lang="en-US" altLang="zh-CN" dirty="0"/>
@@ -6756,11 +7605,7 @@
             </a:r>
             <a:r>
               <a:rPr lang="zh-CN" altLang="en-US" dirty="0"/>
-              <a:t>次请求，太</a:t>
-            </a:r>
-            <a:r>
-              <a:rPr lang="zh-CN" altLang="en-US"/>
-              <a:t>大了（无法可视化），丢弃。</a:t>
+              <a:t>次请求，太大了（无法可视化），丢弃。</a:t>
             </a:r>
             <a:endParaRPr lang="en-US" altLang="zh-CN" dirty="0"/>
           </a:p>
@@ -6800,7 +7645,7 @@
             </a:r>
             <a:r>
               <a:rPr lang="zh-CN" altLang="en-US" dirty="0"/>
-              <a:t>次请求，创建与删除交错</a:t>
+              <a:t>次请求，创建与删除交错。</a:t>
             </a:r>
             <a:endParaRPr lang="en-US" altLang="zh-CN" dirty="0"/>
           </a:p>
@@ -7277,4 +8122,299 @@
     </a:ext>
   </a:extLst>
 </a:theme>
+</file>
+
+<file path=ppt/theme/theme2.xml><?xml version="1.0" encoding="utf-8"?>
+<a:theme xmlns:a="http://schemas.openxmlformats.org/drawingml/2006/main" name="Office 主题​​">
+  <a:themeElements>
+    <a:clrScheme name="Office">
+      <a:dk1>
+        <a:sysClr val="windowText" lastClr="000000"/>
+      </a:dk1>
+      <a:lt1>
+        <a:sysClr val="window" lastClr="FFFFFF"/>
+      </a:lt1>
+      <a:dk2>
+        <a:srgbClr val="44546A"/>
+      </a:dk2>
+      <a:lt2>
+        <a:srgbClr val="E7E6E6"/>
+      </a:lt2>
+      <a:accent1>
+        <a:srgbClr val="4472C4"/>
+      </a:accent1>
+      <a:accent2>
+        <a:srgbClr val="ED7D31"/>
+      </a:accent2>
+      <a:accent3>
+        <a:srgbClr val="A5A5A5"/>
+      </a:accent3>
+      <a:accent4>
+        <a:srgbClr val="FFC000"/>
+      </a:accent4>
+      <a:accent5>
+        <a:srgbClr val="5B9BD5"/>
+      </a:accent5>
+      <a:accent6>
+        <a:srgbClr val="70AD47"/>
+      </a:accent6>
+      <a:hlink>
+        <a:srgbClr val="0563C1"/>
+      </a:hlink>
+      <a:folHlink>
+        <a:srgbClr val="954F72"/>
+      </a:folHlink>
+    </a:clrScheme>
+    <a:fontScheme name="Office">
+      <a:majorFont>
+        <a:latin typeface="等线 Light" panose="020F0302020204030204"/>
+        <a:ea typeface=""/>
+        <a:cs typeface=""/>
+        <a:font script="Jpan" typeface="游ゴシック Light"/>
+        <a:font script="Hang" typeface="맑은 고딕"/>
+        <a:font script="Hans" typeface="等线 Light"/>
+        <a:font script="Hant" typeface="新細明體"/>
+        <a:font script="Arab" typeface="Times New Roman"/>
+        <a:font script="Hebr" typeface="Times New Roman"/>
+        <a:font script="Thai" typeface="Angsana New"/>
+        <a:font script="Ethi" typeface="Nyala"/>
+        <a:font script="Beng" typeface="Vrinda"/>
+        <a:font script="Gujr" typeface="Shruti"/>
+        <a:font script="Khmr" typeface="MoolBoran"/>
+        <a:font script="Knda" typeface="Tunga"/>
+        <a:font script="Guru" typeface="Raavi"/>
+        <a:font script="Cans" typeface="Euphemia"/>
+        <a:font script="Cher" typeface="Plantagenet Cherokee"/>
+        <a:font script="Yiii" typeface="Microsoft Yi Baiti"/>
+        <a:font script="Tibt" typeface="Microsoft Himalaya"/>
+        <a:font script="Thaa" typeface="MV Boli"/>
+        <a:font script="Deva" typeface="Mangal"/>
+        <a:font script="Telu" typeface="Gautami"/>
+        <a:font script="Taml" typeface="Latha"/>
+        <a:font script="Syrc" typeface="Estrangelo Edessa"/>
+        <a:font script="Orya" typeface="Kalinga"/>
+        <a:font script="Mlym" typeface="Kartika"/>
+        <a:font script="Laoo" typeface="DokChampa"/>
+        <a:font script="Sinh" typeface="Iskoola Pota"/>
+        <a:font script="Mong" typeface="Mongolian Baiti"/>
+        <a:font script="Viet" typeface="Times New Roman"/>
+        <a:font script="Uigh" typeface="Microsoft Uighur"/>
+        <a:font script="Geor" typeface="Sylfaen"/>
+        <a:font script="Armn" typeface="Arial"/>
+        <a:font script="Bugi" typeface="Leelawadee UI"/>
+        <a:font script="Bopo" typeface="Microsoft JhengHei"/>
+        <a:font script="Java" typeface="Javanese Text"/>
+        <a:font script="Lisu" typeface="Segoe UI"/>
+        <a:font script="Mymr" typeface="Myanmar Text"/>
+        <a:font script="Nkoo" typeface="Ebrima"/>
+        <a:font script="Olck" typeface="Nirmala UI"/>
+        <a:font script="Osma" typeface="Ebrima"/>
+        <a:font script="Phag" typeface="Phagspa"/>
+        <a:font script="Syrn" typeface="Estrangelo Edessa"/>
+        <a:font script="Syrj" typeface="Estrangelo Edessa"/>
+        <a:font script="Syre" typeface="Estrangelo Edessa"/>
+        <a:font script="Sora" typeface="Nirmala UI"/>
+        <a:font script="Tale" typeface="Microsoft Tai Le"/>
+        <a:font script="Talu" typeface="Microsoft New Tai Lue"/>
+        <a:font script="Tfng" typeface="Ebrima"/>
+      </a:majorFont>
+      <a:minorFont>
+        <a:latin typeface="等线" panose="020F0502020204030204"/>
+        <a:ea typeface=""/>
+        <a:cs typeface=""/>
+        <a:font script="Jpan" typeface="游ゴシック"/>
+        <a:font script="Hang" typeface="맑은 고딕"/>
+        <a:font script="Hans" typeface="等线"/>
+        <a:font script="Hant" typeface="新細明體"/>
+        <a:font script="Arab" typeface="Arial"/>
+        <a:font script="Hebr" typeface="Arial"/>
+        <a:font script="Thai" typeface="Cordia New"/>
+        <a:font script="Ethi" typeface="Nyala"/>
+        <a:font script="Beng" typeface="Vrinda"/>
+        <a:font script="Gujr" typeface="Shruti"/>
+        <a:font script="Khmr" typeface="DaunPenh"/>
+        <a:font script="Knda" typeface="Tunga"/>
+        <a:font script="Guru" typeface="Raavi"/>
+        <a:font script="Cans" typeface="Euphemia"/>
+        <a:font script="Cher" typeface="Plantagenet Cherokee"/>
+        <a:font script="Yiii" typeface="Microsoft Yi Baiti"/>
+        <a:font script="Tibt" typeface="Microsoft Himalaya"/>
+        <a:font script="Thaa" typeface="MV Boli"/>
+        <a:font script="Deva" typeface="Mangal"/>
+        <a:font script="Telu" typeface="Gautami"/>
+        <a:font script="Taml" typeface="Latha"/>
+        <a:font script="Syrc" typeface="Estrangelo Edessa"/>
+        <a:font script="Orya" typeface="Kalinga"/>
+        <a:font script="Mlym" typeface="Kartika"/>
+        <a:font script="Laoo" typeface="DokChampa"/>
+        <a:font script="Sinh" typeface="Iskoola Pota"/>
+        <a:font script="Mong" typeface="Mongolian Baiti"/>
+        <a:font script="Viet" typeface="Arial"/>
+        <a:font script="Uigh" typeface="Microsoft Uighur"/>
+        <a:font script="Geor" typeface="Sylfaen"/>
+        <a:font script="Armn" typeface="Arial"/>
+        <a:font script="Bugi" typeface="Leelawadee UI"/>
+        <a:font script="Bopo" typeface="Microsoft JhengHei"/>
+        <a:font script="Java" typeface="Javanese Text"/>
+        <a:font script="Lisu" typeface="Segoe UI"/>
+        <a:font script="Mymr" typeface="Myanmar Text"/>
+        <a:font script="Nkoo" typeface="Ebrima"/>
+        <a:font script="Olck" typeface="Nirmala UI"/>
+        <a:font script="Osma" typeface="Ebrima"/>
+        <a:font script="Phag" typeface="Phagspa"/>
+        <a:font script="Syrn" typeface="Estrangelo Edessa"/>
+        <a:font script="Syrj" typeface="Estrangelo Edessa"/>
+        <a:font script="Syre" typeface="Estrangelo Edessa"/>
+        <a:font script="Sora" typeface="Nirmala UI"/>
+        <a:font script="Tale" typeface="Microsoft Tai Le"/>
+        <a:font script="Talu" typeface="Microsoft New Tai Lue"/>
+        <a:font script="Tfng" typeface="Ebrima"/>
+      </a:minorFont>
+    </a:fontScheme>
+    <a:fmtScheme name="Office">
+      <a:fillStyleLst>
+        <a:solidFill>
+          <a:schemeClr val="phClr"/>
+        </a:solidFill>
+        <a:gradFill rotWithShape="1">
+          <a:gsLst>
+            <a:gs pos="0">
+              <a:schemeClr val="phClr">
+                <a:lumMod val="110000"/>
+                <a:satMod val="105000"/>
+                <a:tint val="67000"/>
+              </a:schemeClr>
+            </a:gs>
+            <a:gs pos="50000">
+              <a:schemeClr val="phClr">
+                <a:lumMod val="105000"/>
+                <a:satMod val="103000"/>
+                <a:tint val="73000"/>
+              </a:schemeClr>
+            </a:gs>
+            <a:gs pos="100000">
+              <a:schemeClr val="phClr">
+                <a:lumMod val="105000"/>
+                <a:satMod val="109000"/>
+                <a:tint val="81000"/>
+              </a:schemeClr>
+            </a:gs>
+          </a:gsLst>
+          <a:lin ang="5400000" scaled="0"/>
+        </a:gradFill>
+        <a:gradFill rotWithShape="1">
+          <a:gsLst>
+            <a:gs pos="0">
+              <a:schemeClr val="phClr">
+                <a:satMod val="103000"/>
+                <a:lumMod val="102000"/>
+                <a:tint val="94000"/>
+              </a:schemeClr>
+            </a:gs>
+            <a:gs pos="50000">
+              <a:schemeClr val="phClr">
+                <a:satMod val="110000"/>
+                <a:lumMod val="100000"/>
+                <a:shade val="100000"/>
+              </a:schemeClr>
+            </a:gs>
+            <a:gs pos="100000">
+              <a:schemeClr val="phClr">
+                <a:lumMod val="99000"/>
+                <a:satMod val="120000"/>
+                <a:shade val="78000"/>
+              </a:schemeClr>
+            </a:gs>
+          </a:gsLst>
+          <a:lin ang="5400000" scaled="0"/>
+        </a:gradFill>
+      </a:fillStyleLst>
+      <a:lnStyleLst>
+        <a:ln w="6350" cap="flat" cmpd="sng" algn="ctr">
+          <a:solidFill>
+            <a:schemeClr val="phClr"/>
+          </a:solidFill>
+          <a:prstDash val="solid"/>
+          <a:miter lim="800000"/>
+        </a:ln>
+        <a:ln w="12700" cap="flat" cmpd="sng" algn="ctr">
+          <a:solidFill>
+            <a:schemeClr val="phClr"/>
+          </a:solidFill>
+          <a:prstDash val="solid"/>
+          <a:miter lim="800000"/>
+        </a:ln>
+        <a:ln w="19050" cap="flat" cmpd="sng" algn="ctr">
+          <a:solidFill>
+            <a:schemeClr val="phClr"/>
+          </a:solidFill>
+          <a:prstDash val="solid"/>
+          <a:miter lim="800000"/>
+        </a:ln>
+      </a:lnStyleLst>
+      <a:effectStyleLst>
+        <a:effectStyle>
+          <a:effectLst/>
+        </a:effectStyle>
+        <a:effectStyle>
+          <a:effectLst/>
+        </a:effectStyle>
+        <a:effectStyle>
+          <a:effectLst>
+            <a:outerShdw blurRad="57150" dist="19050" dir="5400000" algn="ctr" rotWithShape="0">
+              <a:srgbClr val="000000">
+                <a:alpha val="63000"/>
+              </a:srgbClr>
+            </a:outerShdw>
+          </a:effectLst>
+        </a:effectStyle>
+      </a:effectStyleLst>
+      <a:bgFillStyleLst>
+        <a:solidFill>
+          <a:schemeClr val="phClr"/>
+        </a:solidFill>
+        <a:solidFill>
+          <a:schemeClr val="phClr">
+            <a:tint val="95000"/>
+            <a:satMod val="170000"/>
+          </a:schemeClr>
+        </a:solidFill>
+        <a:gradFill rotWithShape="1">
+          <a:gsLst>
+            <a:gs pos="0">
+              <a:schemeClr val="phClr">
+                <a:tint val="93000"/>
+                <a:satMod val="150000"/>
+                <a:shade val="98000"/>
+                <a:lumMod val="102000"/>
+              </a:schemeClr>
+            </a:gs>
+            <a:gs pos="50000">
+              <a:schemeClr val="phClr">
+                <a:tint val="98000"/>
+                <a:satMod val="130000"/>
+                <a:shade val="90000"/>
+                <a:lumMod val="103000"/>
+              </a:schemeClr>
+            </a:gs>
+            <a:gs pos="100000">
+              <a:schemeClr val="phClr">
+                <a:shade val="63000"/>
+                <a:satMod val="120000"/>
+              </a:schemeClr>
+            </a:gs>
+          </a:gsLst>
+          <a:lin ang="5400000" scaled="0"/>
+        </a:gradFill>
+      </a:bgFillStyleLst>
+    </a:fmtScheme>
+  </a:themeElements>
+  <a:objectDefaults/>
+  <a:extraClrSchemeLst/>
+  <a:extLst>
+    <a:ext uri="{05A4C25C-085E-4340-85A3-A5531E510DB2}">
+      <thm15:themeFamily xmlns:thm15="http://schemas.microsoft.com/office/thememl/2012/main" name="Office Theme" id="{62F939B6-93AF-4DB8-9C6B-D6C7DFDC589F}" vid="{4A3C46E8-61CC-4603-A589-7422A47A8E4A}"/>
+    </a:ext>
+  </a:extLst>
+</a:theme>
 </file>